--- a/1821121_shimaoka_sotsuken.pptx
+++ b/1821121_shimaoka_sotsuken.pptx
@@ -2,33 +2,44 @@
 <file path=ppt/presentation.xml><?xml version="1.0" encoding="utf-8"?>
 <p:presentation xmlns:a="http://schemas.openxmlformats.org/drawingml/2006/main" xmlns:r="http://schemas.openxmlformats.org/officeDocument/2006/relationships" xmlns:p="http://schemas.openxmlformats.org/presentationml/2006/main" saveSubsetFonts="1">
   <p:sldMasterIdLst>
-    <p:sldMasterId id="2147483648" r:id="rId1"/>
+    <p:sldMasterId id="2147483660" r:id="rId1"/>
   </p:sldMasterIdLst>
+  <p:notesMasterIdLst>
+    <p:notesMasterId r:id="rId25"/>
+  </p:notesMasterIdLst>
   <p:sldIdLst>
-    <p:sldId id="269" r:id="rId2"/>
-    <p:sldId id="256" r:id="rId3"/>
-    <p:sldId id="257" r:id="rId4"/>
-    <p:sldId id="259" r:id="rId5"/>
-    <p:sldId id="267" r:id="rId6"/>
-    <p:sldId id="268" r:id="rId7"/>
-    <p:sldId id="260" r:id="rId8"/>
-    <p:sldId id="261" r:id="rId9"/>
-    <p:sldId id="266" r:id="rId10"/>
-    <p:sldId id="262" r:id="rId11"/>
-    <p:sldId id="263" r:id="rId12"/>
-    <p:sldId id="264" r:id="rId13"/>
-    <p:sldId id="265" r:id="rId14"/>
-    <p:sldId id="271" r:id="rId15"/>
-    <p:sldId id="270" r:id="rId16"/>
+    <p:sldId id="257" r:id="rId2"/>
+    <p:sldId id="272" r:id="rId3"/>
+    <p:sldId id="265" r:id="rId4"/>
+    <p:sldId id="271" r:id="rId5"/>
+    <p:sldId id="270" r:id="rId6"/>
+    <p:sldId id="263" r:id="rId7"/>
+    <p:sldId id="269" r:id="rId8"/>
+    <p:sldId id="279" r:id="rId9"/>
+    <p:sldId id="280" r:id="rId10"/>
+    <p:sldId id="288" r:id="rId11"/>
+    <p:sldId id="273" r:id="rId12"/>
+    <p:sldId id="278" r:id="rId13"/>
+    <p:sldId id="276" r:id="rId14"/>
+    <p:sldId id="285" r:id="rId15"/>
+    <p:sldId id="286" r:id="rId16"/>
+    <p:sldId id="277" r:id="rId17"/>
+    <p:sldId id="274" r:id="rId18"/>
+    <p:sldId id="275" r:id="rId19"/>
+    <p:sldId id="281" r:id="rId20"/>
+    <p:sldId id="282" r:id="rId21"/>
+    <p:sldId id="290" r:id="rId22"/>
+    <p:sldId id="289" r:id="rId23"/>
+    <p:sldId id="291" r:id="rId24"/>
   </p:sldIdLst>
-  <p:sldSz cx="12192000" cy="6858000"/>
+  <p:sldSz cx="9144000" cy="6858000" type="screen4x3"/>
   <p:notesSz cx="6858000" cy="9144000"/>
   <p:defaultTextStyle>
     <a:defPPr>
-      <a:defRPr lang="ja-JP"/>
+      <a:defRPr lang="en-US"/>
     </a:defPPr>
-    <a:lvl1pPr marL="0" algn="l" defTabSz="914400" rtl="0" eaLnBrk="1" latinLnBrk="0" hangingPunct="1">
-      <a:defRPr kumimoji="1" sz="1800" kern="1200">
+    <a:lvl1pPr marL="0" algn="l" defTabSz="457200" rtl="0" eaLnBrk="1" latinLnBrk="0" hangingPunct="1">
+      <a:defRPr sz="1800" kern="1200">
         <a:solidFill>
           <a:schemeClr val="tx1"/>
         </a:solidFill>
@@ -37,8 +48,8 @@
         <a:cs typeface="+mn-cs"/>
       </a:defRPr>
     </a:lvl1pPr>
-    <a:lvl2pPr marL="457200" algn="l" defTabSz="914400" rtl="0" eaLnBrk="1" latinLnBrk="0" hangingPunct="1">
-      <a:defRPr kumimoji="1" sz="1800" kern="1200">
+    <a:lvl2pPr marL="457200" algn="l" defTabSz="457200" rtl="0" eaLnBrk="1" latinLnBrk="0" hangingPunct="1">
+      <a:defRPr sz="1800" kern="1200">
         <a:solidFill>
           <a:schemeClr val="tx1"/>
         </a:solidFill>
@@ -47,8 +58,8 @@
         <a:cs typeface="+mn-cs"/>
       </a:defRPr>
     </a:lvl2pPr>
-    <a:lvl3pPr marL="914400" algn="l" defTabSz="914400" rtl="0" eaLnBrk="1" latinLnBrk="0" hangingPunct="1">
-      <a:defRPr kumimoji="1" sz="1800" kern="1200">
+    <a:lvl3pPr marL="914400" algn="l" defTabSz="457200" rtl="0" eaLnBrk="1" latinLnBrk="0" hangingPunct="1">
+      <a:defRPr sz="1800" kern="1200">
         <a:solidFill>
           <a:schemeClr val="tx1"/>
         </a:solidFill>
@@ -57,8 +68,8 @@
         <a:cs typeface="+mn-cs"/>
       </a:defRPr>
     </a:lvl3pPr>
-    <a:lvl4pPr marL="1371600" algn="l" defTabSz="914400" rtl="0" eaLnBrk="1" latinLnBrk="0" hangingPunct="1">
-      <a:defRPr kumimoji="1" sz="1800" kern="1200">
+    <a:lvl4pPr marL="1371600" algn="l" defTabSz="457200" rtl="0" eaLnBrk="1" latinLnBrk="0" hangingPunct="1">
+      <a:defRPr sz="1800" kern="1200">
         <a:solidFill>
           <a:schemeClr val="tx1"/>
         </a:solidFill>
@@ -67,8 +78,8 @@
         <a:cs typeface="+mn-cs"/>
       </a:defRPr>
     </a:lvl4pPr>
-    <a:lvl5pPr marL="1828800" algn="l" defTabSz="914400" rtl="0" eaLnBrk="1" latinLnBrk="0" hangingPunct="1">
-      <a:defRPr kumimoji="1" sz="1800" kern="1200">
+    <a:lvl5pPr marL="1828800" algn="l" defTabSz="457200" rtl="0" eaLnBrk="1" latinLnBrk="0" hangingPunct="1">
+      <a:defRPr sz="1800" kern="1200">
         <a:solidFill>
           <a:schemeClr val="tx1"/>
         </a:solidFill>
@@ -77,8 +88,8 @@
         <a:cs typeface="+mn-cs"/>
       </a:defRPr>
     </a:lvl5pPr>
-    <a:lvl6pPr marL="2286000" algn="l" defTabSz="914400" rtl="0" eaLnBrk="1" latinLnBrk="0" hangingPunct="1">
-      <a:defRPr kumimoji="1" sz="1800" kern="1200">
+    <a:lvl6pPr marL="2286000" algn="l" defTabSz="457200" rtl="0" eaLnBrk="1" latinLnBrk="0" hangingPunct="1">
+      <a:defRPr sz="1800" kern="1200">
         <a:solidFill>
           <a:schemeClr val="tx1"/>
         </a:solidFill>
@@ -87,8 +98,8 @@
         <a:cs typeface="+mn-cs"/>
       </a:defRPr>
     </a:lvl6pPr>
-    <a:lvl7pPr marL="2743200" algn="l" defTabSz="914400" rtl="0" eaLnBrk="1" latinLnBrk="0" hangingPunct="1">
-      <a:defRPr kumimoji="1" sz="1800" kern="1200">
+    <a:lvl7pPr marL="2743200" algn="l" defTabSz="457200" rtl="0" eaLnBrk="1" latinLnBrk="0" hangingPunct="1">
+      <a:defRPr sz="1800" kern="1200">
         <a:solidFill>
           <a:schemeClr val="tx1"/>
         </a:solidFill>
@@ -97,8 +108,8 @@
         <a:cs typeface="+mn-cs"/>
       </a:defRPr>
     </a:lvl7pPr>
-    <a:lvl8pPr marL="3200400" algn="l" defTabSz="914400" rtl="0" eaLnBrk="1" latinLnBrk="0" hangingPunct="1">
-      <a:defRPr kumimoji="1" sz="1800" kern="1200">
+    <a:lvl8pPr marL="3200400" algn="l" defTabSz="457200" rtl="0" eaLnBrk="1" latinLnBrk="0" hangingPunct="1">
+      <a:defRPr sz="1800" kern="1200">
         <a:solidFill>
           <a:schemeClr val="tx1"/>
         </a:solidFill>
@@ -107,8 +118,8 @@
         <a:cs typeface="+mn-cs"/>
       </a:defRPr>
     </a:lvl8pPr>
-    <a:lvl9pPr marL="3657600" algn="l" defTabSz="914400" rtl="0" eaLnBrk="1" latinLnBrk="0" hangingPunct="1">
-      <a:defRPr kumimoji="1" sz="1800" kern="1200">
+    <a:lvl9pPr marL="3657600" algn="l" defTabSz="457200" rtl="0" eaLnBrk="1" latinLnBrk="0" hangingPunct="1">
+      <a:defRPr sz="1800" kern="1200">
         <a:solidFill>
           <a:schemeClr val="tx1"/>
         </a:solidFill>
@@ -124,6 +135,388 @@
     </p:ext>
   </p:extLst>
 </p:presentation>
+</file>
+
+<file path=ppt/notesMasters/notesMaster1.xml><?xml version="1.0" encoding="utf-8"?>
+<p:notesMaster xmlns:a="http://schemas.openxmlformats.org/drawingml/2006/main" xmlns:r="http://schemas.openxmlformats.org/officeDocument/2006/relationships" xmlns:p="http://schemas.openxmlformats.org/presentationml/2006/main">
+  <p:cSld>
+    <p:bg>
+      <p:bgRef idx="1001">
+        <a:schemeClr val="bg1"/>
+      </p:bgRef>
+    </p:bg>
+    <p:spTree>
+      <p:nvGrpSpPr>
+        <p:cNvPr id="1" name=""/>
+        <p:cNvGrpSpPr/>
+        <p:nvPr/>
+      </p:nvGrpSpPr>
+      <p:grpSpPr>
+        <a:xfrm>
+          <a:off x="0" y="0"/>
+          <a:ext cx="0" cy="0"/>
+          <a:chOff x="0" y="0"/>
+          <a:chExt cx="0" cy="0"/>
+        </a:xfrm>
+      </p:grpSpPr>
+      <p:sp>
+        <p:nvSpPr>
+          <p:cNvPr id="2" name="ヘッダー プレースホルダー 1"/>
+          <p:cNvSpPr>
+            <a:spLocks noGrp="1"/>
+          </p:cNvSpPr>
+          <p:nvPr>
+            <p:ph type="hdr" sz="quarter"/>
+          </p:nvPr>
+        </p:nvSpPr>
+        <p:spPr>
+          <a:xfrm>
+            <a:off x="0" y="0"/>
+            <a:ext cx="2971800" cy="458788"/>
+          </a:xfrm>
+          <a:prstGeom prst="rect">
+            <a:avLst/>
+          </a:prstGeom>
+        </p:spPr>
+        <p:txBody>
+          <a:bodyPr vert="horz" lIns="91440" tIns="45720" rIns="91440" bIns="45720" rtlCol="0"/>
+          <a:lstStyle>
+            <a:lvl1pPr algn="l">
+              <a:defRPr sz="1200"/>
+            </a:lvl1pPr>
+          </a:lstStyle>
+          <a:p>
+            <a:endParaRPr kumimoji="1" lang="ja-JP" altLang="en-US"/>
+          </a:p>
+        </p:txBody>
+      </p:sp>
+      <p:sp>
+        <p:nvSpPr>
+          <p:cNvPr id="3" name="日付プレースホルダー 2"/>
+          <p:cNvSpPr>
+            <a:spLocks noGrp="1"/>
+          </p:cNvSpPr>
+          <p:nvPr>
+            <p:ph type="dt" idx="1"/>
+          </p:nvPr>
+        </p:nvSpPr>
+        <p:spPr>
+          <a:xfrm>
+            <a:off x="3884613" y="0"/>
+            <a:ext cx="2971800" cy="458788"/>
+          </a:xfrm>
+          <a:prstGeom prst="rect">
+            <a:avLst/>
+          </a:prstGeom>
+        </p:spPr>
+        <p:txBody>
+          <a:bodyPr vert="horz" lIns="91440" tIns="45720" rIns="91440" bIns="45720" rtlCol="0"/>
+          <a:lstStyle>
+            <a:lvl1pPr algn="r">
+              <a:defRPr sz="1200"/>
+            </a:lvl1pPr>
+          </a:lstStyle>
+          <a:p>
+            <a:fld id="{FE6A3D4C-FB20-486F-A33D-02A27AB85120}" type="datetimeFigureOut">
+              <a:rPr kumimoji="1" lang="ja-JP" altLang="en-US" smtClean="0"/>
+              <a:t>2021/7/9</a:t>
+            </a:fld>
+            <a:endParaRPr kumimoji="1" lang="ja-JP" altLang="en-US"/>
+          </a:p>
+        </p:txBody>
+      </p:sp>
+      <p:sp>
+        <p:nvSpPr>
+          <p:cNvPr id="4" name="スライド イメージ プレースホルダー 3"/>
+          <p:cNvSpPr>
+            <a:spLocks noGrp="1" noRot="1" noChangeAspect="1"/>
+          </p:cNvSpPr>
+          <p:nvPr>
+            <p:ph type="sldImg" idx="2"/>
+          </p:nvPr>
+        </p:nvSpPr>
+        <p:spPr>
+          <a:xfrm>
+            <a:off x="1371600" y="1143000"/>
+            <a:ext cx="4114800" cy="3086100"/>
+          </a:xfrm>
+          <a:prstGeom prst="rect">
+            <a:avLst/>
+          </a:prstGeom>
+          <a:noFill/>
+          <a:ln w="12700">
+            <a:solidFill>
+              <a:prstClr val="black"/>
+            </a:solidFill>
+          </a:ln>
+        </p:spPr>
+        <p:txBody>
+          <a:bodyPr vert="horz" lIns="91440" tIns="45720" rIns="91440" bIns="45720" rtlCol="0" anchor="ctr"/>
+          <a:lstStyle/>
+          <a:p>
+            <a:endParaRPr lang="ja-JP" altLang="en-US"/>
+          </a:p>
+        </p:txBody>
+      </p:sp>
+      <p:sp>
+        <p:nvSpPr>
+          <p:cNvPr id="5" name="ノート プレースホルダー 4"/>
+          <p:cNvSpPr>
+            <a:spLocks noGrp="1"/>
+          </p:cNvSpPr>
+          <p:nvPr>
+            <p:ph type="body" sz="quarter" idx="3"/>
+          </p:nvPr>
+        </p:nvSpPr>
+        <p:spPr>
+          <a:xfrm>
+            <a:off x="685800" y="4400550"/>
+            <a:ext cx="5486400" cy="3600450"/>
+          </a:xfrm>
+          <a:prstGeom prst="rect">
+            <a:avLst/>
+          </a:prstGeom>
+        </p:spPr>
+        <p:txBody>
+          <a:bodyPr vert="horz" lIns="91440" tIns="45720" rIns="91440" bIns="45720" rtlCol="0"/>
+          <a:lstStyle/>
+          <a:p>
+            <a:pPr lvl="0"/>
+            <a:r>
+              <a:rPr kumimoji="1" lang="ja-JP" altLang="en-US" smtClean="0"/>
+              <a:t>マスター テキストの書式設定</a:t>
+            </a:r>
+          </a:p>
+          <a:p>
+            <a:pPr lvl="1"/>
+            <a:r>
+              <a:rPr kumimoji="1" lang="ja-JP" altLang="en-US" smtClean="0"/>
+              <a:t>第 </a:t>
+            </a:r>
+            <a:r>
+              <a:rPr kumimoji="1" lang="en-US" altLang="ja-JP" smtClean="0"/>
+              <a:t>2 </a:t>
+            </a:r>
+            <a:r>
+              <a:rPr kumimoji="1" lang="ja-JP" altLang="en-US" smtClean="0"/>
+              <a:t>レベル</a:t>
+            </a:r>
+          </a:p>
+          <a:p>
+            <a:pPr lvl="2"/>
+            <a:r>
+              <a:rPr kumimoji="1" lang="ja-JP" altLang="en-US" smtClean="0"/>
+              <a:t>第 </a:t>
+            </a:r>
+            <a:r>
+              <a:rPr kumimoji="1" lang="en-US" altLang="ja-JP" smtClean="0"/>
+              <a:t>3 </a:t>
+            </a:r>
+            <a:r>
+              <a:rPr kumimoji="1" lang="ja-JP" altLang="en-US" smtClean="0"/>
+              <a:t>レベル</a:t>
+            </a:r>
+          </a:p>
+          <a:p>
+            <a:pPr lvl="3"/>
+            <a:r>
+              <a:rPr kumimoji="1" lang="ja-JP" altLang="en-US" smtClean="0"/>
+              <a:t>第 </a:t>
+            </a:r>
+            <a:r>
+              <a:rPr kumimoji="1" lang="en-US" altLang="ja-JP" smtClean="0"/>
+              <a:t>4 </a:t>
+            </a:r>
+            <a:r>
+              <a:rPr kumimoji="1" lang="ja-JP" altLang="en-US" smtClean="0"/>
+              <a:t>レベル</a:t>
+            </a:r>
+          </a:p>
+          <a:p>
+            <a:pPr lvl="4"/>
+            <a:r>
+              <a:rPr kumimoji="1" lang="ja-JP" altLang="en-US" smtClean="0"/>
+              <a:t>第 </a:t>
+            </a:r>
+            <a:r>
+              <a:rPr kumimoji="1" lang="en-US" altLang="ja-JP" smtClean="0"/>
+              <a:t>5 </a:t>
+            </a:r>
+            <a:r>
+              <a:rPr kumimoji="1" lang="ja-JP" altLang="en-US" smtClean="0"/>
+              <a:t>レベル</a:t>
+            </a:r>
+            <a:endParaRPr kumimoji="1" lang="ja-JP" altLang="en-US"/>
+          </a:p>
+        </p:txBody>
+      </p:sp>
+      <p:sp>
+        <p:nvSpPr>
+          <p:cNvPr id="6" name="フッター プレースホルダー 5"/>
+          <p:cNvSpPr>
+            <a:spLocks noGrp="1"/>
+          </p:cNvSpPr>
+          <p:nvPr>
+            <p:ph type="ftr" sz="quarter" idx="4"/>
+          </p:nvPr>
+        </p:nvSpPr>
+        <p:spPr>
+          <a:xfrm>
+            <a:off x="0" y="8685213"/>
+            <a:ext cx="2971800" cy="458787"/>
+          </a:xfrm>
+          <a:prstGeom prst="rect">
+            <a:avLst/>
+          </a:prstGeom>
+        </p:spPr>
+        <p:txBody>
+          <a:bodyPr vert="horz" lIns="91440" tIns="45720" rIns="91440" bIns="45720" rtlCol="0" anchor="b"/>
+          <a:lstStyle>
+            <a:lvl1pPr algn="l">
+              <a:defRPr sz="1200"/>
+            </a:lvl1pPr>
+          </a:lstStyle>
+          <a:p>
+            <a:endParaRPr kumimoji="1" lang="ja-JP" altLang="en-US"/>
+          </a:p>
+        </p:txBody>
+      </p:sp>
+      <p:sp>
+        <p:nvSpPr>
+          <p:cNvPr id="7" name="スライド番号プレースホルダー 6"/>
+          <p:cNvSpPr>
+            <a:spLocks noGrp="1"/>
+          </p:cNvSpPr>
+          <p:nvPr>
+            <p:ph type="sldNum" sz="quarter" idx="5"/>
+          </p:nvPr>
+        </p:nvSpPr>
+        <p:spPr>
+          <a:xfrm>
+            <a:off x="3884613" y="8685213"/>
+            <a:ext cx="2971800" cy="458787"/>
+          </a:xfrm>
+          <a:prstGeom prst="rect">
+            <a:avLst/>
+          </a:prstGeom>
+        </p:spPr>
+        <p:txBody>
+          <a:bodyPr vert="horz" lIns="91440" tIns="45720" rIns="91440" bIns="45720" rtlCol="0" anchor="b"/>
+          <a:lstStyle>
+            <a:lvl1pPr algn="r">
+              <a:defRPr sz="1200"/>
+            </a:lvl1pPr>
+          </a:lstStyle>
+          <a:p>
+            <a:fld id="{47905BA8-D78C-4C59-98CB-0E1E713D5795}" type="slidenum">
+              <a:rPr kumimoji="1" lang="ja-JP" altLang="en-US" smtClean="0"/>
+              <a:t>‹#›</a:t>
+            </a:fld>
+            <a:endParaRPr kumimoji="1" lang="ja-JP" altLang="en-US"/>
+          </a:p>
+        </p:txBody>
+      </p:sp>
+    </p:spTree>
+    <p:extLst>
+      <p:ext uri="{BB962C8B-B14F-4D97-AF65-F5344CB8AC3E}">
+        <p14:creationId xmlns:p14="http://schemas.microsoft.com/office/powerpoint/2010/main" val="823702438"/>
+      </p:ext>
+    </p:extLst>
+  </p:cSld>
+  <p:clrMap bg1="lt1" tx1="dk1" bg2="lt2" tx2="dk2" accent1="accent1" accent2="accent2" accent3="accent3" accent4="accent4" accent5="accent5" accent6="accent6" hlink="hlink" folHlink="folHlink"/>
+  <p:notesStyle>
+    <a:lvl1pPr marL="0" algn="l" defTabSz="914400" rtl="0" eaLnBrk="1" latinLnBrk="0" hangingPunct="1">
+      <a:defRPr kumimoji="1" sz="1200" kern="1200">
+        <a:solidFill>
+          <a:schemeClr val="tx1"/>
+        </a:solidFill>
+        <a:latin typeface="+mn-lt"/>
+        <a:ea typeface="+mn-ea"/>
+        <a:cs typeface="+mn-cs"/>
+      </a:defRPr>
+    </a:lvl1pPr>
+    <a:lvl2pPr marL="457200" algn="l" defTabSz="914400" rtl="0" eaLnBrk="1" latinLnBrk="0" hangingPunct="1">
+      <a:defRPr kumimoji="1" sz="1200" kern="1200">
+        <a:solidFill>
+          <a:schemeClr val="tx1"/>
+        </a:solidFill>
+        <a:latin typeface="+mn-lt"/>
+        <a:ea typeface="+mn-ea"/>
+        <a:cs typeface="+mn-cs"/>
+      </a:defRPr>
+    </a:lvl2pPr>
+    <a:lvl3pPr marL="914400" algn="l" defTabSz="914400" rtl="0" eaLnBrk="1" latinLnBrk="0" hangingPunct="1">
+      <a:defRPr kumimoji="1" sz="1200" kern="1200">
+        <a:solidFill>
+          <a:schemeClr val="tx1"/>
+        </a:solidFill>
+        <a:latin typeface="+mn-lt"/>
+        <a:ea typeface="+mn-ea"/>
+        <a:cs typeface="+mn-cs"/>
+      </a:defRPr>
+    </a:lvl3pPr>
+    <a:lvl4pPr marL="1371600" algn="l" defTabSz="914400" rtl="0" eaLnBrk="1" latinLnBrk="0" hangingPunct="1">
+      <a:defRPr kumimoji="1" sz="1200" kern="1200">
+        <a:solidFill>
+          <a:schemeClr val="tx1"/>
+        </a:solidFill>
+        <a:latin typeface="+mn-lt"/>
+        <a:ea typeface="+mn-ea"/>
+        <a:cs typeface="+mn-cs"/>
+      </a:defRPr>
+    </a:lvl4pPr>
+    <a:lvl5pPr marL="1828800" algn="l" defTabSz="914400" rtl="0" eaLnBrk="1" latinLnBrk="0" hangingPunct="1">
+      <a:defRPr kumimoji="1" sz="1200" kern="1200">
+        <a:solidFill>
+          <a:schemeClr val="tx1"/>
+        </a:solidFill>
+        <a:latin typeface="+mn-lt"/>
+        <a:ea typeface="+mn-ea"/>
+        <a:cs typeface="+mn-cs"/>
+      </a:defRPr>
+    </a:lvl5pPr>
+    <a:lvl6pPr marL="2286000" algn="l" defTabSz="914400" rtl="0" eaLnBrk="1" latinLnBrk="0" hangingPunct="1">
+      <a:defRPr kumimoji="1" sz="1200" kern="1200">
+        <a:solidFill>
+          <a:schemeClr val="tx1"/>
+        </a:solidFill>
+        <a:latin typeface="+mn-lt"/>
+        <a:ea typeface="+mn-ea"/>
+        <a:cs typeface="+mn-cs"/>
+      </a:defRPr>
+    </a:lvl6pPr>
+    <a:lvl7pPr marL="2743200" algn="l" defTabSz="914400" rtl="0" eaLnBrk="1" latinLnBrk="0" hangingPunct="1">
+      <a:defRPr kumimoji="1" sz="1200" kern="1200">
+        <a:solidFill>
+          <a:schemeClr val="tx1"/>
+        </a:solidFill>
+        <a:latin typeface="+mn-lt"/>
+        <a:ea typeface="+mn-ea"/>
+        <a:cs typeface="+mn-cs"/>
+      </a:defRPr>
+    </a:lvl7pPr>
+    <a:lvl8pPr marL="3200400" algn="l" defTabSz="914400" rtl="0" eaLnBrk="1" latinLnBrk="0" hangingPunct="1">
+      <a:defRPr kumimoji="1" sz="1200" kern="1200">
+        <a:solidFill>
+          <a:schemeClr val="tx1"/>
+        </a:solidFill>
+        <a:latin typeface="+mn-lt"/>
+        <a:ea typeface="+mn-ea"/>
+        <a:cs typeface="+mn-cs"/>
+      </a:defRPr>
+    </a:lvl8pPr>
+    <a:lvl9pPr marL="3657600" algn="l" defTabSz="914400" rtl="0" eaLnBrk="1" latinLnBrk="0" hangingPunct="1">
+      <a:defRPr kumimoji="1" sz="1200" kern="1200">
+        <a:solidFill>
+          <a:schemeClr val="tx1"/>
+        </a:solidFill>
+        <a:latin typeface="+mn-lt"/>
+        <a:ea typeface="+mn-ea"/>
+        <a:cs typeface="+mn-cs"/>
+      </a:defRPr>
+    </a:lvl9pPr>
+  </p:notesStyle>
+</p:notesMaster>
 </file>
 
 <file path=ppt/slideLayouts/slideLayout1.xml><?xml version="1.0" encoding="utf-8"?>
@@ -145,7 +538,7 @@
       </p:grpSpPr>
       <p:sp>
         <p:nvSpPr>
-          <p:cNvPr id="2" name="タイトル 1"/>
+          <p:cNvPr id="2" name="Title 1"/>
           <p:cNvSpPr>
             <a:spLocks noGrp="1"/>
           </p:cNvSpPr>
@@ -155,8 +548,8 @@
         </p:nvSpPr>
         <p:spPr>
           <a:xfrm>
-            <a:off x="1524000" y="1122363"/>
-            <a:ext cx="9144000" cy="2387600"/>
+            <a:off x="685800" y="1122363"/>
+            <a:ext cx="7772400" cy="2387600"/>
           </a:xfrm>
         </p:spPr>
         <p:txBody>
@@ -168,16 +561,16 @@
           </a:lstStyle>
           <a:p>
             <a:r>
-              <a:rPr kumimoji="1" lang="ja-JP" altLang="en-US" smtClean="0"/>
+              <a:rPr lang="ja-JP" altLang="en-US" smtClean="0"/>
               <a:t>マスター タイトルの書式設定</a:t>
             </a:r>
-            <a:endParaRPr kumimoji="1" lang="ja-JP" altLang="en-US"/>
-          </a:p>
-        </p:txBody>
-      </p:sp>
-      <p:sp>
-        <p:nvSpPr>
-          <p:cNvPr id="3" name="サブタイトル 2"/>
+            <a:endParaRPr lang="en-US" dirty="0"/>
+          </a:p>
+        </p:txBody>
+      </p:sp>
+      <p:sp>
+        <p:nvSpPr>
+          <p:cNvPr id="3" name="Subtitle 2"/>
           <p:cNvSpPr>
             <a:spLocks noGrp="1"/>
           </p:cNvSpPr>
@@ -187,8 +580,8 @@
         </p:nvSpPr>
         <p:spPr>
           <a:xfrm>
-            <a:off x="1524000" y="3602038"/>
-            <a:ext cx="9144000" cy="1655762"/>
+            <a:off x="1143000" y="3602038"/>
+            <a:ext cx="6858000" cy="1655762"/>
           </a:xfrm>
         </p:spPr>
         <p:txBody>
@@ -233,31 +626,31 @@
           </a:lstStyle>
           <a:p>
             <a:r>
+              <a:rPr lang="ja-JP" altLang="en-US" smtClean="0"/>
+              <a:t>マスター サブタイトルの書式設定</a:t>
+            </a:r>
+            <a:endParaRPr lang="en-US" dirty="0"/>
+          </a:p>
+        </p:txBody>
+      </p:sp>
+      <p:sp>
+        <p:nvSpPr>
+          <p:cNvPr id="4" name="Date Placeholder 3"/>
+          <p:cNvSpPr>
+            <a:spLocks noGrp="1"/>
+          </p:cNvSpPr>
+          <p:nvPr>
+            <p:ph type="dt" sz="half" idx="10"/>
+          </p:nvPr>
+        </p:nvSpPr>
+        <p:spPr/>
+        <p:txBody>
+          <a:bodyPr/>
+          <a:lstStyle/>
+          <a:p>
+            <a:fld id="{8C6C7C5F-18F5-4B54-8C42-F854729B27DF}" type="datetime1">
               <a:rPr kumimoji="1" lang="ja-JP" altLang="en-US" smtClean="0"/>
-              <a:t>マスター サブタイトルの書式設定</a:t>
-            </a:r>
-            <a:endParaRPr kumimoji="1" lang="ja-JP" altLang="en-US"/>
-          </a:p>
-        </p:txBody>
-      </p:sp>
-      <p:sp>
-        <p:nvSpPr>
-          <p:cNvPr id="4" name="日付プレースホルダー 3"/>
-          <p:cNvSpPr>
-            <a:spLocks noGrp="1"/>
-          </p:cNvSpPr>
-          <p:nvPr>
-            <p:ph type="dt" sz="half" idx="10"/>
-          </p:nvPr>
-        </p:nvSpPr>
-        <p:spPr/>
-        <p:txBody>
-          <a:bodyPr/>
-          <a:lstStyle/>
-          <a:p>
-            <a:fld id="{B281BC7E-9EDC-44EC-803F-9C74B278541E}" type="datetimeFigureOut">
-              <a:rPr kumimoji="1" lang="ja-JP" altLang="en-US" smtClean="0"/>
-              <a:t>2021/4/16</a:t>
+              <a:t>2021/7/9</a:t>
             </a:fld>
             <a:endParaRPr kumimoji="1" lang="ja-JP" altLang="en-US"/>
           </a:p>
@@ -265,7 +658,7 @@
       </p:sp>
       <p:sp>
         <p:nvSpPr>
-          <p:cNvPr id="5" name="フッター プレースホルダー 4"/>
+          <p:cNvPr id="5" name="Footer Placeholder 4"/>
           <p:cNvSpPr>
             <a:spLocks noGrp="1"/>
           </p:cNvSpPr>
@@ -284,7 +677,7 @@
       </p:sp>
       <p:sp>
         <p:nvSpPr>
-          <p:cNvPr id="6" name="スライド番号プレースホルダー 5"/>
+          <p:cNvPr id="6" name="Slide Number Placeholder 5"/>
           <p:cNvSpPr>
             <a:spLocks noGrp="1"/>
           </p:cNvSpPr>
@@ -297,7 +690,7 @@
           <a:bodyPr/>
           <a:lstStyle/>
           <a:p>
-            <a:fld id="{77022724-7A88-4190-89E1-23935288E045}" type="slidenum">
+            <a:fld id="{4A32CB03-0843-4AF8-BFB2-C9917854BC7E}" type="slidenum">
               <a:rPr kumimoji="1" lang="ja-JP" altLang="en-US" smtClean="0"/>
               <a:t>‹#›</a:t>
             </a:fld>
@@ -308,7 +701,7 @@
     </p:spTree>
     <p:extLst>
       <p:ext uri="{BB962C8B-B14F-4D97-AF65-F5344CB8AC3E}">
-        <p14:creationId xmlns:p14="http://schemas.microsoft.com/office/powerpoint/2010/main" val="474250439"/>
+        <p14:creationId xmlns:p14="http://schemas.microsoft.com/office/powerpoint/2010/main" val="3932072478"/>
       </p:ext>
     </p:extLst>
   </p:cSld>
@@ -337,7 +730,7 @@
       </p:grpSpPr>
       <p:sp>
         <p:nvSpPr>
-          <p:cNvPr id="2" name="タイトル 1"/>
+          <p:cNvPr id="2" name="Title 1"/>
           <p:cNvSpPr>
             <a:spLocks noGrp="1"/>
           </p:cNvSpPr>
@@ -351,115 +744,115 @@
           <a:lstStyle/>
           <a:p>
             <a:r>
+              <a:rPr lang="ja-JP" altLang="en-US" smtClean="0"/>
+              <a:t>マスター タイトルの書式設定</a:t>
+            </a:r>
+            <a:endParaRPr lang="en-US" dirty="0"/>
+          </a:p>
+        </p:txBody>
+      </p:sp>
+      <p:sp>
+        <p:nvSpPr>
+          <p:cNvPr id="3" name="Vertical Text Placeholder 2"/>
+          <p:cNvSpPr>
+            <a:spLocks noGrp="1"/>
+          </p:cNvSpPr>
+          <p:nvPr>
+            <p:ph type="body" orient="vert" idx="1"/>
+          </p:nvPr>
+        </p:nvSpPr>
+        <p:spPr/>
+        <p:txBody>
+          <a:bodyPr vert="eaVert"/>
+          <a:lstStyle/>
+          <a:p>
+            <a:pPr lvl="0"/>
+            <a:r>
+              <a:rPr lang="ja-JP" altLang="en-US" smtClean="0"/>
+              <a:t>マスター テキストの書式設定</a:t>
+            </a:r>
+          </a:p>
+          <a:p>
+            <a:pPr lvl="1"/>
+            <a:r>
+              <a:rPr lang="ja-JP" altLang="en-US" smtClean="0"/>
+              <a:t>第 </a:t>
+            </a:r>
+            <a:r>
+              <a:rPr lang="en-US" altLang="ja-JP" smtClean="0"/>
+              <a:t>2 </a:t>
+            </a:r>
+            <a:r>
+              <a:rPr lang="ja-JP" altLang="en-US" smtClean="0"/>
+              <a:t>レベル</a:t>
+            </a:r>
+          </a:p>
+          <a:p>
+            <a:pPr lvl="2"/>
+            <a:r>
+              <a:rPr lang="ja-JP" altLang="en-US" smtClean="0"/>
+              <a:t>第 </a:t>
+            </a:r>
+            <a:r>
+              <a:rPr lang="en-US" altLang="ja-JP" smtClean="0"/>
+              <a:t>3 </a:t>
+            </a:r>
+            <a:r>
+              <a:rPr lang="ja-JP" altLang="en-US" smtClean="0"/>
+              <a:t>レベル</a:t>
+            </a:r>
+          </a:p>
+          <a:p>
+            <a:pPr lvl="3"/>
+            <a:r>
+              <a:rPr lang="ja-JP" altLang="en-US" smtClean="0"/>
+              <a:t>第 </a:t>
+            </a:r>
+            <a:r>
+              <a:rPr lang="en-US" altLang="ja-JP" smtClean="0"/>
+              <a:t>4 </a:t>
+            </a:r>
+            <a:r>
+              <a:rPr lang="ja-JP" altLang="en-US" smtClean="0"/>
+              <a:t>レベル</a:t>
+            </a:r>
+          </a:p>
+          <a:p>
+            <a:pPr lvl="4"/>
+            <a:r>
+              <a:rPr lang="ja-JP" altLang="en-US" smtClean="0"/>
+              <a:t>第 </a:t>
+            </a:r>
+            <a:r>
+              <a:rPr lang="en-US" altLang="ja-JP" smtClean="0"/>
+              <a:t>5 </a:t>
+            </a:r>
+            <a:r>
+              <a:rPr lang="ja-JP" altLang="en-US" smtClean="0"/>
+              <a:t>レベル</a:t>
+            </a:r>
+            <a:endParaRPr lang="en-US" dirty="0"/>
+          </a:p>
+        </p:txBody>
+      </p:sp>
+      <p:sp>
+        <p:nvSpPr>
+          <p:cNvPr id="4" name="Date Placeholder 3"/>
+          <p:cNvSpPr>
+            <a:spLocks noGrp="1"/>
+          </p:cNvSpPr>
+          <p:nvPr>
+            <p:ph type="dt" sz="half" idx="10"/>
+          </p:nvPr>
+        </p:nvSpPr>
+        <p:spPr/>
+        <p:txBody>
+          <a:bodyPr/>
+          <a:lstStyle/>
+          <a:p>
+            <a:fld id="{8FA047B7-BB2C-4D3A-A8E4-BCCEB512AAAF}" type="datetime1">
               <a:rPr kumimoji="1" lang="ja-JP" altLang="en-US" smtClean="0"/>
-              <a:t>マスター タイトルの書式設定</a:t>
-            </a:r>
-            <a:endParaRPr kumimoji="1" lang="ja-JP" altLang="en-US"/>
-          </a:p>
-        </p:txBody>
-      </p:sp>
-      <p:sp>
-        <p:nvSpPr>
-          <p:cNvPr id="3" name="縦書きテキスト プレースホルダー 2"/>
-          <p:cNvSpPr>
-            <a:spLocks noGrp="1"/>
-          </p:cNvSpPr>
-          <p:nvPr>
-            <p:ph type="body" orient="vert" idx="1"/>
-          </p:nvPr>
-        </p:nvSpPr>
-        <p:spPr/>
-        <p:txBody>
-          <a:bodyPr vert="eaVert"/>
-          <a:lstStyle/>
-          <a:p>
-            <a:pPr lvl="0"/>
-            <a:r>
-              <a:rPr kumimoji="1" lang="ja-JP" altLang="en-US" smtClean="0"/>
-              <a:t>マスター テキストの書式設定</a:t>
-            </a:r>
-          </a:p>
-          <a:p>
-            <a:pPr lvl="1"/>
-            <a:r>
-              <a:rPr kumimoji="1" lang="ja-JP" altLang="en-US" smtClean="0"/>
-              <a:t>第 </a:t>
-            </a:r>
-            <a:r>
-              <a:rPr kumimoji="1" lang="en-US" altLang="ja-JP" smtClean="0"/>
-              <a:t>2 </a:t>
-            </a:r>
-            <a:r>
-              <a:rPr kumimoji="1" lang="ja-JP" altLang="en-US" smtClean="0"/>
-              <a:t>レベル</a:t>
-            </a:r>
-          </a:p>
-          <a:p>
-            <a:pPr lvl="2"/>
-            <a:r>
-              <a:rPr kumimoji="1" lang="ja-JP" altLang="en-US" smtClean="0"/>
-              <a:t>第 </a:t>
-            </a:r>
-            <a:r>
-              <a:rPr kumimoji="1" lang="en-US" altLang="ja-JP" smtClean="0"/>
-              <a:t>3 </a:t>
-            </a:r>
-            <a:r>
-              <a:rPr kumimoji="1" lang="ja-JP" altLang="en-US" smtClean="0"/>
-              <a:t>レベル</a:t>
-            </a:r>
-          </a:p>
-          <a:p>
-            <a:pPr lvl="3"/>
-            <a:r>
-              <a:rPr kumimoji="1" lang="ja-JP" altLang="en-US" smtClean="0"/>
-              <a:t>第 </a:t>
-            </a:r>
-            <a:r>
-              <a:rPr kumimoji="1" lang="en-US" altLang="ja-JP" smtClean="0"/>
-              <a:t>4 </a:t>
-            </a:r>
-            <a:r>
-              <a:rPr kumimoji="1" lang="ja-JP" altLang="en-US" smtClean="0"/>
-              <a:t>レベル</a:t>
-            </a:r>
-          </a:p>
-          <a:p>
-            <a:pPr lvl="4"/>
-            <a:r>
-              <a:rPr kumimoji="1" lang="ja-JP" altLang="en-US" smtClean="0"/>
-              <a:t>第 </a:t>
-            </a:r>
-            <a:r>
-              <a:rPr kumimoji="1" lang="en-US" altLang="ja-JP" smtClean="0"/>
-              <a:t>5 </a:t>
-            </a:r>
-            <a:r>
-              <a:rPr kumimoji="1" lang="ja-JP" altLang="en-US" smtClean="0"/>
-              <a:t>レベル</a:t>
-            </a:r>
-            <a:endParaRPr kumimoji="1" lang="ja-JP" altLang="en-US"/>
-          </a:p>
-        </p:txBody>
-      </p:sp>
-      <p:sp>
-        <p:nvSpPr>
-          <p:cNvPr id="4" name="日付プレースホルダー 3"/>
-          <p:cNvSpPr>
-            <a:spLocks noGrp="1"/>
-          </p:cNvSpPr>
-          <p:nvPr>
-            <p:ph type="dt" sz="half" idx="10"/>
-          </p:nvPr>
-        </p:nvSpPr>
-        <p:spPr/>
-        <p:txBody>
-          <a:bodyPr/>
-          <a:lstStyle/>
-          <a:p>
-            <a:fld id="{B281BC7E-9EDC-44EC-803F-9C74B278541E}" type="datetimeFigureOut">
-              <a:rPr kumimoji="1" lang="ja-JP" altLang="en-US" smtClean="0"/>
-              <a:t>2021/4/16</a:t>
+              <a:t>2021/7/9</a:t>
             </a:fld>
             <a:endParaRPr kumimoji="1" lang="ja-JP" altLang="en-US"/>
           </a:p>
@@ -467,7 +860,7 @@
       </p:sp>
       <p:sp>
         <p:nvSpPr>
-          <p:cNvPr id="5" name="フッター プレースホルダー 4"/>
+          <p:cNvPr id="5" name="Footer Placeholder 4"/>
           <p:cNvSpPr>
             <a:spLocks noGrp="1"/>
           </p:cNvSpPr>
@@ -486,7 +879,7 @@
       </p:sp>
       <p:sp>
         <p:nvSpPr>
-          <p:cNvPr id="6" name="スライド番号プレースホルダー 5"/>
+          <p:cNvPr id="6" name="Slide Number Placeholder 5"/>
           <p:cNvSpPr>
             <a:spLocks noGrp="1"/>
           </p:cNvSpPr>
@@ -499,7 +892,7 @@
           <a:bodyPr/>
           <a:lstStyle/>
           <a:p>
-            <a:fld id="{77022724-7A88-4190-89E1-23935288E045}" type="slidenum">
+            <a:fld id="{4A32CB03-0843-4AF8-BFB2-C9917854BC7E}" type="slidenum">
               <a:rPr kumimoji="1" lang="ja-JP" altLang="en-US" smtClean="0"/>
               <a:t>‹#›</a:t>
             </a:fld>
@@ -510,7 +903,7 @@
     </p:spTree>
     <p:extLst>
       <p:ext uri="{BB962C8B-B14F-4D97-AF65-F5344CB8AC3E}">
-        <p14:creationId xmlns:p14="http://schemas.microsoft.com/office/powerpoint/2010/main" val="3660539135"/>
+        <p14:creationId xmlns:p14="http://schemas.microsoft.com/office/powerpoint/2010/main" val="606912803"/>
       </p:ext>
     </p:extLst>
   </p:cSld>
@@ -539,7 +932,7 @@
       </p:grpSpPr>
       <p:sp>
         <p:nvSpPr>
-          <p:cNvPr id="2" name="縦書きタイトル 1"/>
+          <p:cNvPr id="2" name="Vertical Title 1"/>
           <p:cNvSpPr>
             <a:spLocks noGrp="1"/>
           </p:cNvSpPr>
@@ -549,8 +942,8 @@
         </p:nvSpPr>
         <p:spPr>
           <a:xfrm>
-            <a:off x="8724900" y="365125"/>
-            <a:ext cx="2628900" cy="5811838"/>
+            <a:off x="6543675" y="365125"/>
+            <a:ext cx="1971675" cy="5811838"/>
           </a:xfrm>
         </p:spPr>
         <p:txBody>
@@ -558,16 +951,16 @@
           <a:lstStyle/>
           <a:p>
             <a:r>
-              <a:rPr kumimoji="1" lang="ja-JP" altLang="en-US" smtClean="0"/>
+              <a:rPr lang="ja-JP" altLang="en-US" smtClean="0"/>
               <a:t>マスター タイトルの書式設定</a:t>
             </a:r>
-            <a:endParaRPr kumimoji="1" lang="ja-JP" altLang="en-US"/>
-          </a:p>
-        </p:txBody>
-      </p:sp>
-      <p:sp>
-        <p:nvSpPr>
-          <p:cNvPr id="3" name="縦書きテキスト プレースホルダー 2"/>
+            <a:endParaRPr lang="en-US" dirty="0"/>
+          </a:p>
+        </p:txBody>
+      </p:sp>
+      <p:sp>
+        <p:nvSpPr>
+          <p:cNvPr id="3" name="Vertical Text Placeholder 2"/>
           <p:cNvSpPr>
             <a:spLocks noGrp="1"/>
           </p:cNvSpPr>
@@ -577,8 +970,8 @@
         </p:nvSpPr>
         <p:spPr>
           <a:xfrm>
-            <a:off x="838200" y="365125"/>
-            <a:ext cx="7734300" cy="5811838"/>
+            <a:off x="628650" y="365125"/>
+            <a:ext cx="5800725" cy="5811838"/>
           </a:xfrm>
         </p:spPr>
         <p:txBody>
@@ -587,91 +980,91 @@
           <a:p>
             <a:pPr lvl="0"/>
             <a:r>
+              <a:rPr lang="ja-JP" altLang="en-US" smtClean="0"/>
+              <a:t>マスター テキストの書式設定</a:t>
+            </a:r>
+          </a:p>
+          <a:p>
+            <a:pPr lvl="1"/>
+            <a:r>
+              <a:rPr lang="ja-JP" altLang="en-US" smtClean="0"/>
+              <a:t>第 </a:t>
+            </a:r>
+            <a:r>
+              <a:rPr lang="en-US" altLang="ja-JP" smtClean="0"/>
+              <a:t>2 </a:t>
+            </a:r>
+            <a:r>
+              <a:rPr lang="ja-JP" altLang="en-US" smtClean="0"/>
+              <a:t>レベル</a:t>
+            </a:r>
+          </a:p>
+          <a:p>
+            <a:pPr lvl="2"/>
+            <a:r>
+              <a:rPr lang="ja-JP" altLang="en-US" smtClean="0"/>
+              <a:t>第 </a:t>
+            </a:r>
+            <a:r>
+              <a:rPr lang="en-US" altLang="ja-JP" smtClean="0"/>
+              <a:t>3 </a:t>
+            </a:r>
+            <a:r>
+              <a:rPr lang="ja-JP" altLang="en-US" smtClean="0"/>
+              <a:t>レベル</a:t>
+            </a:r>
+          </a:p>
+          <a:p>
+            <a:pPr lvl="3"/>
+            <a:r>
+              <a:rPr lang="ja-JP" altLang="en-US" smtClean="0"/>
+              <a:t>第 </a:t>
+            </a:r>
+            <a:r>
+              <a:rPr lang="en-US" altLang="ja-JP" smtClean="0"/>
+              <a:t>4 </a:t>
+            </a:r>
+            <a:r>
+              <a:rPr lang="ja-JP" altLang="en-US" smtClean="0"/>
+              <a:t>レベル</a:t>
+            </a:r>
+          </a:p>
+          <a:p>
+            <a:pPr lvl="4"/>
+            <a:r>
+              <a:rPr lang="ja-JP" altLang="en-US" smtClean="0"/>
+              <a:t>第 </a:t>
+            </a:r>
+            <a:r>
+              <a:rPr lang="en-US" altLang="ja-JP" smtClean="0"/>
+              <a:t>5 </a:t>
+            </a:r>
+            <a:r>
+              <a:rPr lang="ja-JP" altLang="en-US" smtClean="0"/>
+              <a:t>レベル</a:t>
+            </a:r>
+            <a:endParaRPr lang="en-US" dirty="0"/>
+          </a:p>
+        </p:txBody>
+      </p:sp>
+      <p:sp>
+        <p:nvSpPr>
+          <p:cNvPr id="4" name="Date Placeholder 3"/>
+          <p:cNvSpPr>
+            <a:spLocks noGrp="1"/>
+          </p:cNvSpPr>
+          <p:nvPr>
+            <p:ph type="dt" sz="half" idx="10"/>
+          </p:nvPr>
+        </p:nvSpPr>
+        <p:spPr/>
+        <p:txBody>
+          <a:bodyPr/>
+          <a:lstStyle/>
+          <a:p>
+            <a:fld id="{CF80C22C-2AF0-4F0A-AD7C-41D0B891B7A9}" type="datetime1">
               <a:rPr kumimoji="1" lang="ja-JP" altLang="en-US" smtClean="0"/>
-              <a:t>マスター テキストの書式設定</a:t>
-            </a:r>
-          </a:p>
-          <a:p>
-            <a:pPr lvl="1"/>
-            <a:r>
-              <a:rPr kumimoji="1" lang="ja-JP" altLang="en-US" smtClean="0"/>
-              <a:t>第 </a:t>
-            </a:r>
-            <a:r>
-              <a:rPr kumimoji="1" lang="en-US" altLang="ja-JP" smtClean="0"/>
-              <a:t>2 </a:t>
-            </a:r>
-            <a:r>
-              <a:rPr kumimoji="1" lang="ja-JP" altLang="en-US" smtClean="0"/>
-              <a:t>レベル</a:t>
-            </a:r>
-          </a:p>
-          <a:p>
-            <a:pPr lvl="2"/>
-            <a:r>
-              <a:rPr kumimoji="1" lang="ja-JP" altLang="en-US" smtClean="0"/>
-              <a:t>第 </a:t>
-            </a:r>
-            <a:r>
-              <a:rPr kumimoji="1" lang="en-US" altLang="ja-JP" smtClean="0"/>
-              <a:t>3 </a:t>
-            </a:r>
-            <a:r>
-              <a:rPr kumimoji="1" lang="ja-JP" altLang="en-US" smtClean="0"/>
-              <a:t>レベル</a:t>
-            </a:r>
-          </a:p>
-          <a:p>
-            <a:pPr lvl="3"/>
-            <a:r>
-              <a:rPr kumimoji="1" lang="ja-JP" altLang="en-US" smtClean="0"/>
-              <a:t>第 </a:t>
-            </a:r>
-            <a:r>
-              <a:rPr kumimoji="1" lang="en-US" altLang="ja-JP" smtClean="0"/>
-              <a:t>4 </a:t>
-            </a:r>
-            <a:r>
-              <a:rPr kumimoji="1" lang="ja-JP" altLang="en-US" smtClean="0"/>
-              <a:t>レベル</a:t>
-            </a:r>
-          </a:p>
-          <a:p>
-            <a:pPr lvl="4"/>
-            <a:r>
-              <a:rPr kumimoji="1" lang="ja-JP" altLang="en-US" smtClean="0"/>
-              <a:t>第 </a:t>
-            </a:r>
-            <a:r>
-              <a:rPr kumimoji="1" lang="en-US" altLang="ja-JP" smtClean="0"/>
-              <a:t>5 </a:t>
-            </a:r>
-            <a:r>
-              <a:rPr kumimoji="1" lang="ja-JP" altLang="en-US" smtClean="0"/>
-              <a:t>レベル</a:t>
-            </a:r>
-            <a:endParaRPr kumimoji="1" lang="ja-JP" altLang="en-US"/>
-          </a:p>
-        </p:txBody>
-      </p:sp>
-      <p:sp>
-        <p:nvSpPr>
-          <p:cNvPr id="4" name="日付プレースホルダー 3"/>
-          <p:cNvSpPr>
-            <a:spLocks noGrp="1"/>
-          </p:cNvSpPr>
-          <p:nvPr>
-            <p:ph type="dt" sz="half" idx="10"/>
-          </p:nvPr>
-        </p:nvSpPr>
-        <p:spPr/>
-        <p:txBody>
-          <a:bodyPr/>
-          <a:lstStyle/>
-          <a:p>
-            <a:fld id="{B281BC7E-9EDC-44EC-803F-9C74B278541E}" type="datetimeFigureOut">
-              <a:rPr kumimoji="1" lang="ja-JP" altLang="en-US" smtClean="0"/>
-              <a:t>2021/4/16</a:t>
+              <a:t>2021/7/9</a:t>
             </a:fld>
             <a:endParaRPr kumimoji="1" lang="ja-JP" altLang="en-US"/>
           </a:p>
@@ -679,7 +1072,7 @@
       </p:sp>
       <p:sp>
         <p:nvSpPr>
-          <p:cNvPr id="5" name="フッター プレースホルダー 4"/>
+          <p:cNvPr id="5" name="Footer Placeholder 4"/>
           <p:cNvSpPr>
             <a:spLocks noGrp="1"/>
           </p:cNvSpPr>
@@ -698,7 +1091,7 @@
       </p:sp>
       <p:sp>
         <p:nvSpPr>
-          <p:cNvPr id="6" name="スライド番号プレースホルダー 5"/>
+          <p:cNvPr id="6" name="Slide Number Placeholder 5"/>
           <p:cNvSpPr>
             <a:spLocks noGrp="1"/>
           </p:cNvSpPr>
@@ -711,7 +1104,7 @@
           <a:bodyPr/>
           <a:lstStyle/>
           <a:p>
-            <a:fld id="{77022724-7A88-4190-89E1-23935288E045}" type="slidenum">
+            <a:fld id="{4A32CB03-0843-4AF8-BFB2-C9917854BC7E}" type="slidenum">
               <a:rPr kumimoji="1" lang="ja-JP" altLang="en-US" smtClean="0"/>
               <a:t>‹#›</a:t>
             </a:fld>
@@ -722,7 +1115,7 @@
     </p:spTree>
     <p:extLst>
       <p:ext uri="{BB962C8B-B14F-4D97-AF65-F5344CB8AC3E}">
-        <p14:creationId xmlns:p14="http://schemas.microsoft.com/office/powerpoint/2010/main" val="1473689245"/>
+        <p14:creationId xmlns:p14="http://schemas.microsoft.com/office/powerpoint/2010/main" val="2536214649"/>
       </p:ext>
     </p:extLst>
   </p:cSld>
@@ -751,7 +1144,7 @@
       </p:grpSpPr>
       <p:sp>
         <p:nvSpPr>
-          <p:cNvPr id="2" name="タイトル 1"/>
+          <p:cNvPr id="2" name="Title 1"/>
           <p:cNvSpPr>
             <a:spLocks noGrp="1"/>
           </p:cNvSpPr>
@@ -765,115 +1158,115 @@
           <a:lstStyle/>
           <a:p>
             <a:r>
+              <a:rPr lang="ja-JP" altLang="en-US" smtClean="0"/>
+              <a:t>マスター タイトルの書式設定</a:t>
+            </a:r>
+            <a:endParaRPr lang="en-US" dirty="0"/>
+          </a:p>
+        </p:txBody>
+      </p:sp>
+      <p:sp>
+        <p:nvSpPr>
+          <p:cNvPr id="3" name="Content Placeholder 2"/>
+          <p:cNvSpPr>
+            <a:spLocks noGrp="1"/>
+          </p:cNvSpPr>
+          <p:nvPr>
+            <p:ph idx="1"/>
+          </p:nvPr>
+        </p:nvSpPr>
+        <p:spPr/>
+        <p:txBody>
+          <a:bodyPr/>
+          <a:lstStyle/>
+          <a:p>
+            <a:pPr lvl="0"/>
+            <a:r>
+              <a:rPr lang="ja-JP" altLang="en-US" smtClean="0"/>
+              <a:t>マスター テキストの書式設定</a:t>
+            </a:r>
+          </a:p>
+          <a:p>
+            <a:pPr lvl="1"/>
+            <a:r>
+              <a:rPr lang="ja-JP" altLang="en-US" smtClean="0"/>
+              <a:t>第 </a:t>
+            </a:r>
+            <a:r>
+              <a:rPr lang="en-US" altLang="ja-JP" smtClean="0"/>
+              <a:t>2 </a:t>
+            </a:r>
+            <a:r>
+              <a:rPr lang="ja-JP" altLang="en-US" smtClean="0"/>
+              <a:t>レベル</a:t>
+            </a:r>
+          </a:p>
+          <a:p>
+            <a:pPr lvl="2"/>
+            <a:r>
+              <a:rPr lang="ja-JP" altLang="en-US" smtClean="0"/>
+              <a:t>第 </a:t>
+            </a:r>
+            <a:r>
+              <a:rPr lang="en-US" altLang="ja-JP" smtClean="0"/>
+              <a:t>3 </a:t>
+            </a:r>
+            <a:r>
+              <a:rPr lang="ja-JP" altLang="en-US" smtClean="0"/>
+              <a:t>レベル</a:t>
+            </a:r>
+          </a:p>
+          <a:p>
+            <a:pPr lvl="3"/>
+            <a:r>
+              <a:rPr lang="ja-JP" altLang="en-US" smtClean="0"/>
+              <a:t>第 </a:t>
+            </a:r>
+            <a:r>
+              <a:rPr lang="en-US" altLang="ja-JP" smtClean="0"/>
+              <a:t>4 </a:t>
+            </a:r>
+            <a:r>
+              <a:rPr lang="ja-JP" altLang="en-US" smtClean="0"/>
+              <a:t>レベル</a:t>
+            </a:r>
+          </a:p>
+          <a:p>
+            <a:pPr lvl="4"/>
+            <a:r>
+              <a:rPr lang="ja-JP" altLang="en-US" smtClean="0"/>
+              <a:t>第 </a:t>
+            </a:r>
+            <a:r>
+              <a:rPr lang="en-US" altLang="ja-JP" smtClean="0"/>
+              <a:t>5 </a:t>
+            </a:r>
+            <a:r>
+              <a:rPr lang="ja-JP" altLang="en-US" smtClean="0"/>
+              <a:t>レベル</a:t>
+            </a:r>
+            <a:endParaRPr lang="en-US" dirty="0"/>
+          </a:p>
+        </p:txBody>
+      </p:sp>
+      <p:sp>
+        <p:nvSpPr>
+          <p:cNvPr id="4" name="Date Placeholder 3"/>
+          <p:cNvSpPr>
+            <a:spLocks noGrp="1"/>
+          </p:cNvSpPr>
+          <p:nvPr>
+            <p:ph type="dt" sz="half" idx="10"/>
+          </p:nvPr>
+        </p:nvSpPr>
+        <p:spPr/>
+        <p:txBody>
+          <a:bodyPr/>
+          <a:lstStyle/>
+          <a:p>
+            <a:fld id="{62594B83-F026-4CB8-8905-CA1C93615FC3}" type="datetime1">
               <a:rPr kumimoji="1" lang="ja-JP" altLang="en-US" smtClean="0"/>
-              <a:t>マスター タイトルの書式設定</a:t>
-            </a:r>
-            <a:endParaRPr kumimoji="1" lang="ja-JP" altLang="en-US"/>
-          </a:p>
-        </p:txBody>
-      </p:sp>
-      <p:sp>
-        <p:nvSpPr>
-          <p:cNvPr id="3" name="コンテンツ プレースホルダー 2"/>
-          <p:cNvSpPr>
-            <a:spLocks noGrp="1"/>
-          </p:cNvSpPr>
-          <p:nvPr>
-            <p:ph idx="1"/>
-          </p:nvPr>
-        </p:nvSpPr>
-        <p:spPr/>
-        <p:txBody>
-          <a:bodyPr/>
-          <a:lstStyle/>
-          <a:p>
-            <a:pPr lvl="0"/>
-            <a:r>
-              <a:rPr kumimoji="1" lang="ja-JP" altLang="en-US" smtClean="0"/>
-              <a:t>マスター テキストの書式設定</a:t>
-            </a:r>
-          </a:p>
-          <a:p>
-            <a:pPr lvl="1"/>
-            <a:r>
-              <a:rPr kumimoji="1" lang="ja-JP" altLang="en-US" smtClean="0"/>
-              <a:t>第 </a:t>
-            </a:r>
-            <a:r>
-              <a:rPr kumimoji="1" lang="en-US" altLang="ja-JP" smtClean="0"/>
-              <a:t>2 </a:t>
-            </a:r>
-            <a:r>
-              <a:rPr kumimoji="1" lang="ja-JP" altLang="en-US" smtClean="0"/>
-              <a:t>レベル</a:t>
-            </a:r>
-          </a:p>
-          <a:p>
-            <a:pPr lvl="2"/>
-            <a:r>
-              <a:rPr kumimoji="1" lang="ja-JP" altLang="en-US" smtClean="0"/>
-              <a:t>第 </a:t>
-            </a:r>
-            <a:r>
-              <a:rPr kumimoji="1" lang="en-US" altLang="ja-JP" smtClean="0"/>
-              <a:t>3 </a:t>
-            </a:r>
-            <a:r>
-              <a:rPr kumimoji="1" lang="ja-JP" altLang="en-US" smtClean="0"/>
-              <a:t>レベル</a:t>
-            </a:r>
-          </a:p>
-          <a:p>
-            <a:pPr lvl="3"/>
-            <a:r>
-              <a:rPr kumimoji="1" lang="ja-JP" altLang="en-US" smtClean="0"/>
-              <a:t>第 </a:t>
-            </a:r>
-            <a:r>
-              <a:rPr kumimoji="1" lang="en-US" altLang="ja-JP" smtClean="0"/>
-              <a:t>4 </a:t>
-            </a:r>
-            <a:r>
-              <a:rPr kumimoji="1" lang="ja-JP" altLang="en-US" smtClean="0"/>
-              <a:t>レベル</a:t>
-            </a:r>
-          </a:p>
-          <a:p>
-            <a:pPr lvl="4"/>
-            <a:r>
-              <a:rPr kumimoji="1" lang="ja-JP" altLang="en-US" smtClean="0"/>
-              <a:t>第 </a:t>
-            </a:r>
-            <a:r>
-              <a:rPr kumimoji="1" lang="en-US" altLang="ja-JP" smtClean="0"/>
-              <a:t>5 </a:t>
-            </a:r>
-            <a:r>
-              <a:rPr kumimoji="1" lang="ja-JP" altLang="en-US" smtClean="0"/>
-              <a:t>レベル</a:t>
-            </a:r>
-            <a:endParaRPr kumimoji="1" lang="ja-JP" altLang="en-US"/>
-          </a:p>
-        </p:txBody>
-      </p:sp>
-      <p:sp>
-        <p:nvSpPr>
-          <p:cNvPr id="4" name="日付プレースホルダー 3"/>
-          <p:cNvSpPr>
-            <a:spLocks noGrp="1"/>
-          </p:cNvSpPr>
-          <p:nvPr>
-            <p:ph type="dt" sz="half" idx="10"/>
-          </p:nvPr>
-        </p:nvSpPr>
-        <p:spPr/>
-        <p:txBody>
-          <a:bodyPr/>
-          <a:lstStyle/>
-          <a:p>
-            <a:fld id="{B281BC7E-9EDC-44EC-803F-9C74B278541E}" type="datetimeFigureOut">
-              <a:rPr kumimoji="1" lang="ja-JP" altLang="en-US" smtClean="0"/>
-              <a:t>2021/4/16</a:t>
+              <a:t>2021/7/9</a:t>
             </a:fld>
             <a:endParaRPr kumimoji="1" lang="ja-JP" altLang="en-US"/>
           </a:p>
@@ -881,7 +1274,7 @@
       </p:sp>
       <p:sp>
         <p:nvSpPr>
-          <p:cNvPr id="5" name="フッター プレースホルダー 4"/>
+          <p:cNvPr id="5" name="Footer Placeholder 4"/>
           <p:cNvSpPr>
             <a:spLocks noGrp="1"/>
           </p:cNvSpPr>
@@ -900,7 +1293,7 @@
       </p:sp>
       <p:sp>
         <p:nvSpPr>
-          <p:cNvPr id="6" name="スライド番号プレースホルダー 5"/>
+          <p:cNvPr id="6" name="Slide Number Placeholder 5"/>
           <p:cNvSpPr>
             <a:spLocks noGrp="1"/>
           </p:cNvSpPr>
@@ -913,7 +1306,7 @@
           <a:bodyPr/>
           <a:lstStyle/>
           <a:p>
-            <a:fld id="{77022724-7A88-4190-89E1-23935288E045}" type="slidenum">
+            <a:fld id="{4A32CB03-0843-4AF8-BFB2-C9917854BC7E}" type="slidenum">
               <a:rPr kumimoji="1" lang="ja-JP" altLang="en-US" smtClean="0"/>
               <a:t>‹#›</a:t>
             </a:fld>
@@ -924,7 +1317,7 @@
     </p:spTree>
     <p:extLst>
       <p:ext uri="{BB962C8B-B14F-4D97-AF65-F5344CB8AC3E}">
-        <p14:creationId xmlns:p14="http://schemas.microsoft.com/office/powerpoint/2010/main" val="3148703282"/>
+        <p14:creationId xmlns:p14="http://schemas.microsoft.com/office/powerpoint/2010/main" val="469336699"/>
       </p:ext>
     </p:extLst>
   </p:cSld>
@@ -953,7 +1346,7 @@
       </p:grpSpPr>
       <p:sp>
         <p:nvSpPr>
-          <p:cNvPr id="2" name="タイトル 1"/>
+          <p:cNvPr id="2" name="Title 1"/>
           <p:cNvSpPr>
             <a:spLocks noGrp="1"/>
           </p:cNvSpPr>
@@ -963,8 +1356,8 @@
         </p:nvSpPr>
         <p:spPr>
           <a:xfrm>
-            <a:off x="831850" y="1709738"/>
-            <a:ext cx="10515600" cy="2852737"/>
+            <a:off x="623888" y="1709739"/>
+            <a:ext cx="7886700" cy="2852737"/>
           </a:xfrm>
         </p:spPr>
         <p:txBody>
@@ -976,16 +1369,16 @@
           </a:lstStyle>
           <a:p>
             <a:r>
-              <a:rPr kumimoji="1" lang="ja-JP" altLang="en-US" smtClean="0"/>
+              <a:rPr lang="ja-JP" altLang="en-US" smtClean="0"/>
               <a:t>マスター タイトルの書式設定</a:t>
             </a:r>
-            <a:endParaRPr kumimoji="1" lang="ja-JP" altLang="en-US"/>
-          </a:p>
-        </p:txBody>
-      </p:sp>
-      <p:sp>
-        <p:nvSpPr>
-          <p:cNvPr id="3" name="テキスト プレースホルダー 2"/>
+            <a:endParaRPr lang="en-US" dirty="0"/>
+          </a:p>
+        </p:txBody>
+      </p:sp>
+      <p:sp>
+        <p:nvSpPr>
+          <p:cNvPr id="3" name="Text Placeholder 2"/>
           <p:cNvSpPr>
             <a:spLocks noGrp="1"/>
           </p:cNvSpPr>
@@ -995,8 +1388,8 @@
         </p:nvSpPr>
         <p:spPr>
           <a:xfrm>
-            <a:off x="831850" y="4589463"/>
-            <a:ext cx="10515600" cy="1500187"/>
+            <a:off x="623888" y="4589464"/>
+            <a:ext cx="7886700" cy="1500187"/>
           </a:xfrm>
         </p:spPr>
         <p:txBody>
@@ -1006,9 +1399,7 @@
               <a:buNone/>
               <a:defRPr sz="2400">
                 <a:solidFill>
-                  <a:schemeClr val="tx1">
-                    <a:tint val="75000"/>
-                  </a:schemeClr>
+                  <a:schemeClr val="tx1"/>
                 </a:solidFill>
               </a:defRPr>
             </a:lvl1pPr>
@@ -1096,30 +1487,30 @@
           <a:p>
             <a:pPr lvl="0"/>
             <a:r>
+              <a:rPr lang="ja-JP" altLang="en-US" smtClean="0"/>
+              <a:t>マスター テキストの書式設定</a:t>
+            </a:r>
+          </a:p>
+        </p:txBody>
+      </p:sp>
+      <p:sp>
+        <p:nvSpPr>
+          <p:cNvPr id="4" name="Date Placeholder 3"/>
+          <p:cNvSpPr>
+            <a:spLocks noGrp="1"/>
+          </p:cNvSpPr>
+          <p:nvPr>
+            <p:ph type="dt" sz="half" idx="10"/>
+          </p:nvPr>
+        </p:nvSpPr>
+        <p:spPr/>
+        <p:txBody>
+          <a:bodyPr/>
+          <a:lstStyle/>
+          <a:p>
+            <a:fld id="{C788FC87-6CF2-4F9F-B6E0-63B89DBB0743}" type="datetime1">
               <a:rPr kumimoji="1" lang="ja-JP" altLang="en-US" smtClean="0"/>
-              <a:t>マスター テキストの書式設定</a:t>
-            </a:r>
-          </a:p>
-        </p:txBody>
-      </p:sp>
-      <p:sp>
-        <p:nvSpPr>
-          <p:cNvPr id="4" name="日付プレースホルダー 3"/>
-          <p:cNvSpPr>
-            <a:spLocks noGrp="1"/>
-          </p:cNvSpPr>
-          <p:nvPr>
-            <p:ph type="dt" sz="half" idx="10"/>
-          </p:nvPr>
-        </p:nvSpPr>
-        <p:spPr/>
-        <p:txBody>
-          <a:bodyPr/>
-          <a:lstStyle/>
-          <a:p>
-            <a:fld id="{B281BC7E-9EDC-44EC-803F-9C74B278541E}" type="datetimeFigureOut">
-              <a:rPr kumimoji="1" lang="ja-JP" altLang="en-US" smtClean="0"/>
-              <a:t>2021/4/16</a:t>
+              <a:t>2021/7/9</a:t>
             </a:fld>
             <a:endParaRPr kumimoji="1" lang="ja-JP" altLang="en-US"/>
           </a:p>
@@ -1127,7 +1518,7 @@
       </p:sp>
       <p:sp>
         <p:nvSpPr>
-          <p:cNvPr id="5" name="フッター プレースホルダー 4"/>
+          <p:cNvPr id="5" name="Footer Placeholder 4"/>
           <p:cNvSpPr>
             <a:spLocks noGrp="1"/>
           </p:cNvSpPr>
@@ -1146,7 +1537,7 @@
       </p:sp>
       <p:sp>
         <p:nvSpPr>
-          <p:cNvPr id="6" name="スライド番号プレースホルダー 5"/>
+          <p:cNvPr id="6" name="Slide Number Placeholder 5"/>
           <p:cNvSpPr>
             <a:spLocks noGrp="1"/>
           </p:cNvSpPr>
@@ -1159,7 +1550,7 @@
           <a:bodyPr/>
           <a:lstStyle/>
           <a:p>
-            <a:fld id="{77022724-7A88-4190-89E1-23935288E045}" type="slidenum">
+            <a:fld id="{4A32CB03-0843-4AF8-BFB2-C9917854BC7E}" type="slidenum">
               <a:rPr kumimoji="1" lang="ja-JP" altLang="en-US" smtClean="0"/>
               <a:t>‹#›</a:t>
             </a:fld>
@@ -1170,7 +1561,7 @@
     </p:spTree>
     <p:extLst>
       <p:ext uri="{BB962C8B-B14F-4D97-AF65-F5344CB8AC3E}">
-        <p14:creationId xmlns:p14="http://schemas.microsoft.com/office/powerpoint/2010/main" val="1544650393"/>
+        <p14:creationId xmlns:p14="http://schemas.microsoft.com/office/powerpoint/2010/main" val="2168288890"/>
       </p:ext>
     </p:extLst>
   </p:cSld>
@@ -1199,7 +1590,7 @@
       </p:grpSpPr>
       <p:sp>
         <p:nvSpPr>
-          <p:cNvPr id="2" name="タイトル 1"/>
+          <p:cNvPr id="2" name="Title 1"/>
           <p:cNvSpPr>
             <a:spLocks noGrp="1"/>
           </p:cNvSpPr>
@@ -1213,16 +1604,16 @@
           <a:lstStyle/>
           <a:p>
             <a:r>
-              <a:rPr kumimoji="1" lang="ja-JP" altLang="en-US" smtClean="0"/>
+              <a:rPr lang="ja-JP" altLang="en-US" smtClean="0"/>
               <a:t>マスター タイトルの書式設定</a:t>
             </a:r>
-            <a:endParaRPr kumimoji="1" lang="ja-JP" altLang="en-US"/>
-          </a:p>
-        </p:txBody>
-      </p:sp>
-      <p:sp>
-        <p:nvSpPr>
-          <p:cNvPr id="3" name="コンテンツ プレースホルダー 2"/>
+            <a:endParaRPr lang="en-US" dirty="0"/>
+          </a:p>
+        </p:txBody>
+      </p:sp>
+      <p:sp>
+        <p:nvSpPr>
+          <p:cNvPr id="3" name="Content Placeholder 2"/>
           <p:cNvSpPr>
             <a:spLocks noGrp="1"/>
           </p:cNvSpPr>
@@ -1232,8 +1623,8 @@
         </p:nvSpPr>
         <p:spPr>
           <a:xfrm>
-            <a:off x="838200" y="1825625"/>
-            <a:ext cx="5181600" cy="4351338"/>
+            <a:off x="628650" y="1825625"/>
+            <a:ext cx="3886200" cy="4351338"/>
           </a:xfrm>
         </p:spPr>
         <p:txBody>
@@ -1242,76 +1633,76 @@
           <a:p>
             <a:pPr lvl="0"/>
             <a:r>
-              <a:rPr kumimoji="1" lang="ja-JP" altLang="en-US" smtClean="0"/>
+              <a:rPr lang="ja-JP" altLang="en-US" smtClean="0"/>
               <a:t>マスター テキストの書式設定</a:t>
             </a:r>
           </a:p>
           <a:p>
             <a:pPr lvl="1"/>
             <a:r>
-              <a:rPr kumimoji="1" lang="ja-JP" altLang="en-US" smtClean="0"/>
+              <a:rPr lang="ja-JP" altLang="en-US" smtClean="0"/>
               <a:t>第 </a:t>
             </a:r>
             <a:r>
-              <a:rPr kumimoji="1" lang="en-US" altLang="ja-JP" smtClean="0"/>
+              <a:rPr lang="en-US" altLang="ja-JP" smtClean="0"/>
               <a:t>2 </a:t>
             </a:r>
             <a:r>
-              <a:rPr kumimoji="1" lang="ja-JP" altLang="en-US" smtClean="0"/>
+              <a:rPr lang="ja-JP" altLang="en-US" smtClean="0"/>
               <a:t>レベル</a:t>
             </a:r>
           </a:p>
           <a:p>
             <a:pPr lvl="2"/>
             <a:r>
-              <a:rPr kumimoji="1" lang="ja-JP" altLang="en-US" smtClean="0"/>
+              <a:rPr lang="ja-JP" altLang="en-US" smtClean="0"/>
               <a:t>第 </a:t>
             </a:r>
             <a:r>
-              <a:rPr kumimoji="1" lang="en-US" altLang="ja-JP" smtClean="0"/>
+              <a:rPr lang="en-US" altLang="ja-JP" smtClean="0"/>
               <a:t>3 </a:t>
             </a:r>
             <a:r>
-              <a:rPr kumimoji="1" lang="ja-JP" altLang="en-US" smtClean="0"/>
+              <a:rPr lang="ja-JP" altLang="en-US" smtClean="0"/>
               <a:t>レベル</a:t>
             </a:r>
           </a:p>
           <a:p>
             <a:pPr lvl="3"/>
             <a:r>
-              <a:rPr kumimoji="1" lang="ja-JP" altLang="en-US" smtClean="0"/>
+              <a:rPr lang="ja-JP" altLang="en-US" smtClean="0"/>
               <a:t>第 </a:t>
             </a:r>
             <a:r>
-              <a:rPr kumimoji="1" lang="en-US" altLang="ja-JP" smtClean="0"/>
+              <a:rPr lang="en-US" altLang="ja-JP" smtClean="0"/>
               <a:t>4 </a:t>
             </a:r>
             <a:r>
-              <a:rPr kumimoji="1" lang="ja-JP" altLang="en-US" smtClean="0"/>
+              <a:rPr lang="ja-JP" altLang="en-US" smtClean="0"/>
               <a:t>レベル</a:t>
             </a:r>
           </a:p>
           <a:p>
             <a:pPr lvl="4"/>
             <a:r>
-              <a:rPr kumimoji="1" lang="ja-JP" altLang="en-US" smtClean="0"/>
+              <a:rPr lang="ja-JP" altLang="en-US" smtClean="0"/>
               <a:t>第 </a:t>
             </a:r>
             <a:r>
-              <a:rPr kumimoji="1" lang="en-US" altLang="ja-JP" smtClean="0"/>
+              <a:rPr lang="en-US" altLang="ja-JP" smtClean="0"/>
               <a:t>5 </a:t>
             </a:r>
             <a:r>
-              <a:rPr kumimoji="1" lang="ja-JP" altLang="en-US" smtClean="0"/>
+              <a:rPr lang="ja-JP" altLang="en-US" smtClean="0"/>
               <a:t>レベル</a:t>
             </a:r>
-            <a:endParaRPr kumimoji="1" lang="ja-JP" altLang="en-US"/>
-          </a:p>
-        </p:txBody>
-      </p:sp>
-      <p:sp>
-        <p:nvSpPr>
-          <p:cNvPr id="4" name="コンテンツ プレースホルダー 3"/>
+            <a:endParaRPr lang="en-US" dirty="0"/>
+          </a:p>
+        </p:txBody>
+      </p:sp>
+      <p:sp>
+        <p:nvSpPr>
+          <p:cNvPr id="4" name="Content Placeholder 3"/>
           <p:cNvSpPr>
             <a:spLocks noGrp="1"/>
           </p:cNvSpPr>
@@ -1321,8 +1712,8 @@
         </p:nvSpPr>
         <p:spPr>
           <a:xfrm>
-            <a:off x="6172200" y="1825625"/>
-            <a:ext cx="5181600" cy="4351338"/>
+            <a:off x="4629150" y="1825625"/>
+            <a:ext cx="3886200" cy="4351338"/>
           </a:xfrm>
         </p:spPr>
         <p:txBody>
@@ -1331,91 +1722,91 @@
           <a:p>
             <a:pPr lvl="0"/>
             <a:r>
+              <a:rPr lang="ja-JP" altLang="en-US" smtClean="0"/>
+              <a:t>マスター テキストの書式設定</a:t>
+            </a:r>
+          </a:p>
+          <a:p>
+            <a:pPr lvl="1"/>
+            <a:r>
+              <a:rPr lang="ja-JP" altLang="en-US" smtClean="0"/>
+              <a:t>第 </a:t>
+            </a:r>
+            <a:r>
+              <a:rPr lang="en-US" altLang="ja-JP" smtClean="0"/>
+              <a:t>2 </a:t>
+            </a:r>
+            <a:r>
+              <a:rPr lang="ja-JP" altLang="en-US" smtClean="0"/>
+              <a:t>レベル</a:t>
+            </a:r>
+          </a:p>
+          <a:p>
+            <a:pPr lvl="2"/>
+            <a:r>
+              <a:rPr lang="ja-JP" altLang="en-US" smtClean="0"/>
+              <a:t>第 </a:t>
+            </a:r>
+            <a:r>
+              <a:rPr lang="en-US" altLang="ja-JP" smtClean="0"/>
+              <a:t>3 </a:t>
+            </a:r>
+            <a:r>
+              <a:rPr lang="ja-JP" altLang="en-US" smtClean="0"/>
+              <a:t>レベル</a:t>
+            </a:r>
+          </a:p>
+          <a:p>
+            <a:pPr lvl="3"/>
+            <a:r>
+              <a:rPr lang="ja-JP" altLang="en-US" smtClean="0"/>
+              <a:t>第 </a:t>
+            </a:r>
+            <a:r>
+              <a:rPr lang="en-US" altLang="ja-JP" smtClean="0"/>
+              <a:t>4 </a:t>
+            </a:r>
+            <a:r>
+              <a:rPr lang="ja-JP" altLang="en-US" smtClean="0"/>
+              <a:t>レベル</a:t>
+            </a:r>
+          </a:p>
+          <a:p>
+            <a:pPr lvl="4"/>
+            <a:r>
+              <a:rPr lang="ja-JP" altLang="en-US" smtClean="0"/>
+              <a:t>第 </a:t>
+            </a:r>
+            <a:r>
+              <a:rPr lang="en-US" altLang="ja-JP" smtClean="0"/>
+              <a:t>5 </a:t>
+            </a:r>
+            <a:r>
+              <a:rPr lang="ja-JP" altLang="en-US" smtClean="0"/>
+              <a:t>レベル</a:t>
+            </a:r>
+            <a:endParaRPr lang="en-US" dirty="0"/>
+          </a:p>
+        </p:txBody>
+      </p:sp>
+      <p:sp>
+        <p:nvSpPr>
+          <p:cNvPr id="5" name="Date Placeholder 4"/>
+          <p:cNvSpPr>
+            <a:spLocks noGrp="1"/>
+          </p:cNvSpPr>
+          <p:nvPr>
+            <p:ph type="dt" sz="half" idx="10"/>
+          </p:nvPr>
+        </p:nvSpPr>
+        <p:spPr/>
+        <p:txBody>
+          <a:bodyPr/>
+          <a:lstStyle/>
+          <a:p>
+            <a:fld id="{5E3CE0AD-2171-4734-A0AC-662511549EC1}" type="datetime1">
               <a:rPr kumimoji="1" lang="ja-JP" altLang="en-US" smtClean="0"/>
-              <a:t>マスター テキストの書式設定</a:t>
-            </a:r>
-          </a:p>
-          <a:p>
-            <a:pPr lvl="1"/>
-            <a:r>
-              <a:rPr kumimoji="1" lang="ja-JP" altLang="en-US" smtClean="0"/>
-              <a:t>第 </a:t>
-            </a:r>
-            <a:r>
-              <a:rPr kumimoji="1" lang="en-US" altLang="ja-JP" smtClean="0"/>
-              <a:t>2 </a:t>
-            </a:r>
-            <a:r>
-              <a:rPr kumimoji="1" lang="ja-JP" altLang="en-US" smtClean="0"/>
-              <a:t>レベル</a:t>
-            </a:r>
-          </a:p>
-          <a:p>
-            <a:pPr lvl="2"/>
-            <a:r>
-              <a:rPr kumimoji="1" lang="ja-JP" altLang="en-US" smtClean="0"/>
-              <a:t>第 </a:t>
-            </a:r>
-            <a:r>
-              <a:rPr kumimoji="1" lang="en-US" altLang="ja-JP" smtClean="0"/>
-              <a:t>3 </a:t>
-            </a:r>
-            <a:r>
-              <a:rPr kumimoji="1" lang="ja-JP" altLang="en-US" smtClean="0"/>
-              <a:t>レベル</a:t>
-            </a:r>
-          </a:p>
-          <a:p>
-            <a:pPr lvl="3"/>
-            <a:r>
-              <a:rPr kumimoji="1" lang="ja-JP" altLang="en-US" smtClean="0"/>
-              <a:t>第 </a:t>
-            </a:r>
-            <a:r>
-              <a:rPr kumimoji="1" lang="en-US" altLang="ja-JP" smtClean="0"/>
-              <a:t>4 </a:t>
-            </a:r>
-            <a:r>
-              <a:rPr kumimoji="1" lang="ja-JP" altLang="en-US" smtClean="0"/>
-              <a:t>レベル</a:t>
-            </a:r>
-          </a:p>
-          <a:p>
-            <a:pPr lvl="4"/>
-            <a:r>
-              <a:rPr kumimoji="1" lang="ja-JP" altLang="en-US" smtClean="0"/>
-              <a:t>第 </a:t>
-            </a:r>
-            <a:r>
-              <a:rPr kumimoji="1" lang="en-US" altLang="ja-JP" smtClean="0"/>
-              <a:t>5 </a:t>
-            </a:r>
-            <a:r>
-              <a:rPr kumimoji="1" lang="ja-JP" altLang="en-US" smtClean="0"/>
-              <a:t>レベル</a:t>
-            </a:r>
-            <a:endParaRPr kumimoji="1" lang="ja-JP" altLang="en-US"/>
-          </a:p>
-        </p:txBody>
-      </p:sp>
-      <p:sp>
-        <p:nvSpPr>
-          <p:cNvPr id="5" name="日付プレースホルダー 4"/>
-          <p:cNvSpPr>
-            <a:spLocks noGrp="1"/>
-          </p:cNvSpPr>
-          <p:nvPr>
-            <p:ph type="dt" sz="half" idx="10"/>
-          </p:nvPr>
-        </p:nvSpPr>
-        <p:spPr/>
-        <p:txBody>
-          <a:bodyPr/>
-          <a:lstStyle/>
-          <a:p>
-            <a:fld id="{B281BC7E-9EDC-44EC-803F-9C74B278541E}" type="datetimeFigureOut">
-              <a:rPr kumimoji="1" lang="ja-JP" altLang="en-US" smtClean="0"/>
-              <a:t>2021/4/16</a:t>
+              <a:t>2021/7/9</a:t>
             </a:fld>
             <a:endParaRPr kumimoji="1" lang="ja-JP" altLang="en-US"/>
           </a:p>
@@ -1423,7 +1814,7 @@
       </p:sp>
       <p:sp>
         <p:nvSpPr>
-          <p:cNvPr id="6" name="フッター プレースホルダー 5"/>
+          <p:cNvPr id="6" name="Footer Placeholder 5"/>
           <p:cNvSpPr>
             <a:spLocks noGrp="1"/>
           </p:cNvSpPr>
@@ -1442,7 +1833,7 @@
       </p:sp>
       <p:sp>
         <p:nvSpPr>
-          <p:cNvPr id="7" name="スライド番号プレースホルダー 6"/>
+          <p:cNvPr id="7" name="Slide Number Placeholder 6"/>
           <p:cNvSpPr>
             <a:spLocks noGrp="1"/>
           </p:cNvSpPr>
@@ -1455,7 +1846,7 @@
           <a:bodyPr/>
           <a:lstStyle/>
           <a:p>
-            <a:fld id="{77022724-7A88-4190-89E1-23935288E045}" type="slidenum">
+            <a:fld id="{4A32CB03-0843-4AF8-BFB2-C9917854BC7E}" type="slidenum">
               <a:rPr kumimoji="1" lang="ja-JP" altLang="en-US" smtClean="0"/>
               <a:t>‹#›</a:t>
             </a:fld>
@@ -1466,7 +1857,7 @@
     </p:spTree>
     <p:extLst>
       <p:ext uri="{BB962C8B-B14F-4D97-AF65-F5344CB8AC3E}">
-        <p14:creationId xmlns:p14="http://schemas.microsoft.com/office/powerpoint/2010/main" val="3117517757"/>
+        <p14:creationId xmlns:p14="http://schemas.microsoft.com/office/powerpoint/2010/main" val="1301542684"/>
       </p:ext>
     </p:extLst>
   </p:cSld>
@@ -1495,7 +1886,7 @@
       </p:grpSpPr>
       <p:sp>
         <p:nvSpPr>
-          <p:cNvPr id="2" name="タイトル 1"/>
+          <p:cNvPr id="2" name="Title 1"/>
           <p:cNvSpPr>
             <a:spLocks noGrp="1"/>
           </p:cNvSpPr>
@@ -1505,8 +1896,8 @@
         </p:nvSpPr>
         <p:spPr>
           <a:xfrm>
-            <a:off x="839788" y="365125"/>
-            <a:ext cx="10515600" cy="1325563"/>
+            <a:off x="629841" y="365126"/>
+            <a:ext cx="7886700" cy="1325563"/>
           </a:xfrm>
         </p:spPr>
         <p:txBody>
@@ -1514,16 +1905,16 @@
           <a:lstStyle/>
           <a:p>
             <a:r>
-              <a:rPr kumimoji="1" lang="ja-JP" altLang="en-US" smtClean="0"/>
+              <a:rPr lang="ja-JP" altLang="en-US" smtClean="0"/>
               <a:t>マスター タイトルの書式設定</a:t>
             </a:r>
-            <a:endParaRPr kumimoji="1" lang="ja-JP" altLang="en-US"/>
-          </a:p>
-        </p:txBody>
-      </p:sp>
-      <p:sp>
-        <p:nvSpPr>
-          <p:cNvPr id="3" name="テキスト プレースホルダー 2"/>
+            <a:endParaRPr lang="en-US" dirty="0"/>
+          </a:p>
+        </p:txBody>
+      </p:sp>
+      <p:sp>
+        <p:nvSpPr>
+          <p:cNvPr id="3" name="Text Placeholder 2"/>
           <p:cNvSpPr>
             <a:spLocks noGrp="1"/>
           </p:cNvSpPr>
@@ -1533,8 +1924,8 @@
         </p:nvSpPr>
         <p:spPr>
           <a:xfrm>
-            <a:off x="839788" y="1681163"/>
-            <a:ext cx="5157787" cy="823912"/>
+            <a:off x="629842" y="1681163"/>
+            <a:ext cx="3868340" cy="823912"/>
           </a:xfrm>
         </p:spPr>
         <p:txBody>
@@ -1580,7 +1971,7 @@
           <a:p>
             <a:pPr lvl="0"/>
             <a:r>
-              <a:rPr kumimoji="1" lang="ja-JP" altLang="en-US" smtClean="0"/>
+              <a:rPr lang="ja-JP" altLang="en-US" smtClean="0"/>
               <a:t>マスター テキストの書式設定</a:t>
             </a:r>
           </a:p>
@@ -1588,7 +1979,7 @@
       </p:sp>
       <p:sp>
         <p:nvSpPr>
-          <p:cNvPr id="4" name="コンテンツ プレースホルダー 3"/>
+          <p:cNvPr id="4" name="Content Placeholder 3"/>
           <p:cNvSpPr>
             <a:spLocks noGrp="1"/>
           </p:cNvSpPr>
@@ -1598,8 +1989,8 @@
         </p:nvSpPr>
         <p:spPr>
           <a:xfrm>
-            <a:off x="839788" y="2505075"/>
-            <a:ext cx="5157787" cy="3684588"/>
+            <a:off x="629842" y="2505075"/>
+            <a:ext cx="3868340" cy="3684588"/>
           </a:xfrm>
         </p:spPr>
         <p:txBody>
@@ -1608,76 +1999,76 @@
           <a:p>
             <a:pPr lvl="0"/>
             <a:r>
-              <a:rPr kumimoji="1" lang="ja-JP" altLang="en-US" smtClean="0"/>
+              <a:rPr lang="ja-JP" altLang="en-US" smtClean="0"/>
               <a:t>マスター テキストの書式設定</a:t>
             </a:r>
           </a:p>
           <a:p>
             <a:pPr lvl="1"/>
             <a:r>
-              <a:rPr kumimoji="1" lang="ja-JP" altLang="en-US" smtClean="0"/>
+              <a:rPr lang="ja-JP" altLang="en-US" smtClean="0"/>
               <a:t>第 </a:t>
             </a:r>
             <a:r>
-              <a:rPr kumimoji="1" lang="en-US" altLang="ja-JP" smtClean="0"/>
+              <a:rPr lang="en-US" altLang="ja-JP" smtClean="0"/>
               <a:t>2 </a:t>
             </a:r>
             <a:r>
-              <a:rPr kumimoji="1" lang="ja-JP" altLang="en-US" smtClean="0"/>
+              <a:rPr lang="ja-JP" altLang="en-US" smtClean="0"/>
               <a:t>レベル</a:t>
             </a:r>
           </a:p>
           <a:p>
             <a:pPr lvl="2"/>
             <a:r>
-              <a:rPr kumimoji="1" lang="ja-JP" altLang="en-US" smtClean="0"/>
+              <a:rPr lang="ja-JP" altLang="en-US" smtClean="0"/>
               <a:t>第 </a:t>
             </a:r>
             <a:r>
-              <a:rPr kumimoji="1" lang="en-US" altLang="ja-JP" smtClean="0"/>
+              <a:rPr lang="en-US" altLang="ja-JP" smtClean="0"/>
               <a:t>3 </a:t>
             </a:r>
             <a:r>
-              <a:rPr kumimoji="1" lang="ja-JP" altLang="en-US" smtClean="0"/>
+              <a:rPr lang="ja-JP" altLang="en-US" smtClean="0"/>
               <a:t>レベル</a:t>
             </a:r>
           </a:p>
           <a:p>
             <a:pPr lvl="3"/>
             <a:r>
-              <a:rPr kumimoji="1" lang="ja-JP" altLang="en-US" smtClean="0"/>
+              <a:rPr lang="ja-JP" altLang="en-US" smtClean="0"/>
               <a:t>第 </a:t>
             </a:r>
             <a:r>
-              <a:rPr kumimoji="1" lang="en-US" altLang="ja-JP" smtClean="0"/>
+              <a:rPr lang="en-US" altLang="ja-JP" smtClean="0"/>
               <a:t>4 </a:t>
             </a:r>
             <a:r>
-              <a:rPr kumimoji="1" lang="ja-JP" altLang="en-US" smtClean="0"/>
+              <a:rPr lang="ja-JP" altLang="en-US" smtClean="0"/>
               <a:t>レベル</a:t>
             </a:r>
           </a:p>
           <a:p>
             <a:pPr lvl="4"/>
             <a:r>
-              <a:rPr kumimoji="1" lang="ja-JP" altLang="en-US" smtClean="0"/>
+              <a:rPr lang="ja-JP" altLang="en-US" smtClean="0"/>
               <a:t>第 </a:t>
             </a:r>
             <a:r>
-              <a:rPr kumimoji="1" lang="en-US" altLang="ja-JP" smtClean="0"/>
+              <a:rPr lang="en-US" altLang="ja-JP" smtClean="0"/>
               <a:t>5 </a:t>
             </a:r>
             <a:r>
-              <a:rPr kumimoji="1" lang="ja-JP" altLang="en-US" smtClean="0"/>
+              <a:rPr lang="ja-JP" altLang="en-US" smtClean="0"/>
               <a:t>レベル</a:t>
             </a:r>
-            <a:endParaRPr kumimoji="1" lang="ja-JP" altLang="en-US"/>
-          </a:p>
-        </p:txBody>
-      </p:sp>
-      <p:sp>
-        <p:nvSpPr>
-          <p:cNvPr id="5" name="テキスト プレースホルダー 4"/>
+            <a:endParaRPr lang="en-US" dirty="0"/>
+          </a:p>
+        </p:txBody>
+      </p:sp>
+      <p:sp>
+        <p:nvSpPr>
+          <p:cNvPr id="5" name="Text Placeholder 4"/>
           <p:cNvSpPr>
             <a:spLocks noGrp="1"/>
           </p:cNvSpPr>
@@ -1687,8 +2078,8 @@
         </p:nvSpPr>
         <p:spPr>
           <a:xfrm>
-            <a:off x="6172200" y="1681163"/>
-            <a:ext cx="5183188" cy="823912"/>
+            <a:off x="4629150" y="1681163"/>
+            <a:ext cx="3887391" cy="823912"/>
           </a:xfrm>
         </p:spPr>
         <p:txBody>
@@ -1734,7 +2125,7 @@
           <a:p>
             <a:pPr lvl="0"/>
             <a:r>
-              <a:rPr kumimoji="1" lang="ja-JP" altLang="en-US" smtClean="0"/>
+              <a:rPr lang="ja-JP" altLang="en-US" smtClean="0"/>
               <a:t>マスター テキストの書式設定</a:t>
             </a:r>
           </a:p>
@@ -1742,7 +2133,7 @@
       </p:sp>
       <p:sp>
         <p:nvSpPr>
-          <p:cNvPr id="6" name="コンテンツ プレースホルダー 5"/>
+          <p:cNvPr id="6" name="Content Placeholder 5"/>
           <p:cNvSpPr>
             <a:spLocks noGrp="1"/>
           </p:cNvSpPr>
@@ -1752,8 +2143,8 @@
         </p:nvSpPr>
         <p:spPr>
           <a:xfrm>
-            <a:off x="6172200" y="2505075"/>
-            <a:ext cx="5183188" cy="3684588"/>
+            <a:off x="4629150" y="2505075"/>
+            <a:ext cx="3887391" cy="3684588"/>
           </a:xfrm>
         </p:spPr>
         <p:txBody>
@@ -1762,91 +2153,91 @@
           <a:p>
             <a:pPr lvl="0"/>
             <a:r>
+              <a:rPr lang="ja-JP" altLang="en-US" smtClean="0"/>
+              <a:t>マスター テキストの書式設定</a:t>
+            </a:r>
+          </a:p>
+          <a:p>
+            <a:pPr lvl="1"/>
+            <a:r>
+              <a:rPr lang="ja-JP" altLang="en-US" smtClean="0"/>
+              <a:t>第 </a:t>
+            </a:r>
+            <a:r>
+              <a:rPr lang="en-US" altLang="ja-JP" smtClean="0"/>
+              <a:t>2 </a:t>
+            </a:r>
+            <a:r>
+              <a:rPr lang="ja-JP" altLang="en-US" smtClean="0"/>
+              <a:t>レベル</a:t>
+            </a:r>
+          </a:p>
+          <a:p>
+            <a:pPr lvl="2"/>
+            <a:r>
+              <a:rPr lang="ja-JP" altLang="en-US" smtClean="0"/>
+              <a:t>第 </a:t>
+            </a:r>
+            <a:r>
+              <a:rPr lang="en-US" altLang="ja-JP" smtClean="0"/>
+              <a:t>3 </a:t>
+            </a:r>
+            <a:r>
+              <a:rPr lang="ja-JP" altLang="en-US" smtClean="0"/>
+              <a:t>レベル</a:t>
+            </a:r>
+          </a:p>
+          <a:p>
+            <a:pPr lvl="3"/>
+            <a:r>
+              <a:rPr lang="ja-JP" altLang="en-US" smtClean="0"/>
+              <a:t>第 </a:t>
+            </a:r>
+            <a:r>
+              <a:rPr lang="en-US" altLang="ja-JP" smtClean="0"/>
+              <a:t>4 </a:t>
+            </a:r>
+            <a:r>
+              <a:rPr lang="ja-JP" altLang="en-US" smtClean="0"/>
+              <a:t>レベル</a:t>
+            </a:r>
+          </a:p>
+          <a:p>
+            <a:pPr lvl="4"/>
+            <a:r>
+              <a:rPr lang="ja-JP" altLang="en-US" smtClean="0"/>
+              <a:t>第 </a:t>
+            </a:r>
+            <a:r>
+              <a:rPr lang="en-US" altLang="ja-JP" smtClean="0"/>
+              <a:t>5 </a:t>
+            </a:r>
+            <a:r>
+              <a:rPr lang="ja-JP" altLang="en-US" smtClean="0"/>
+              <a:t>レベル</a:t>
+            </a:r>
+            <a:endParaRPr lang="en-US" dirty="0"/>
+          </a:p>
+        </p:txBody>
+      </p:sp>
+      <p:sp>
+        <p:nvSpPr>
+          <p:cNvPr id="7" name="Date Placeholder 6"/>
+          <p:cNvSpPr>
+            <a:spLocks noGrp="1"/>
+          </p:cNvSpPr>
+          <p:nvPr>
+            <p:ph type="dt" sz="half" idx="10"/>
+          </p:nvPr>
+        </p:nvSpPr>
+        <p:spPr/>
+        <p:txBody>
+          <a:bodyPr/>
+          <a:lstStyle/>
+          <a:p>
+            <a:fld id="{80544D4F-1AD2-4A36-B800-B99208B8C9BA}" type="datetime1">
               <a:rPr kumimoji="1" lang="ja-JP" altLang="en-US" smtClean="0"/>
-              <a:t>マスター テキストの書式設定</a:t>
-            </a:r>
-          </a:p>
-          <a:p>
-            <a:pPr lvl="1"/>
-            <a:r>
-              <a:rPr kumimoji="1" lang="ja-JP" altLang="en-US" smtClean="0"/>
-              <a:t>第 </a:t>
-            </a:r>
-            <a:r>
-              <a:rPr kumimoji="1" lang="en-US" altLang="ja-JP" smtClean="0"/>
-              <a:t>2 </a:t>
-            </a:r>
-            <a:r>
-              <a:rPr kumimoji="1" lang="ja-JP" altLang="en-US" smtClean="0"/>
-              <a:t>レベル</a:t>
-            </a:r>
-          </a:p>
-          <a:p>
-            <a:pPr lvl="2"/>
-            <a:r>
-              <a:rPr kumimoji="1" lang="ja-JP" altLang="en-US" smtClean="0"/>
-              <a:t>第 </a:t>
-            </a:r>
-            <a:r>
-              <a:rPr kumimoji="1" lang="en-US" altLang="ja-JP" smtClean="0"/>
-              <a:t>3 </a:t>
-            </a:r>
-            <a:r>
-              <a:rPr kumimoji="1" lang="ja-JP" altLang="en-US" smtClean="0"/>
-              <a:t>レベル</a:t>
-            </a:r>
-          </a:p>
-          <a:p>
-            <a:pPr lvl="3"/>
-            <a:r>
-              <a:rPr kumimoji="1" lang="ja-JP" altLang="en-US" smtClean="0"/>
-              <a:t>第 </a:t>
-            </a:r>
-            <a:r>
-              <a:rPr kumimoji="1" lang="en-US" altLang="ja-JP" smtClean="0"/>
-              <a:t>4 </a:t>
-            </a:r>
-            <a:r>
-              <a:rPr kumimoji="1" lang="ja-JP" altLang="en-US" smtClean="0"/>
-              <a:t>レベル</a:t>
-            </a:r>
-          </a:p>
-          <a:p>
-            <a:pPr lvl="4"/>
-            <a:r>
-              <a:rPr kumimoji="1" lang="ja-JP" altLang="en-US" smtClean="0"/>
-              <a:t>第 </a:t>
-            </a:r>
-            <a:r>
-              <a:rPr kumimoji="1" lang="en-US" altLang="ja-JP" smtClean="0"/>
-              <a:t>5 </a:t>
-            </a:r>
-            <a:r>
-              <a:rPr kumimoji="1" lang="ja-JP" altLang="en-US" smtClean="0"/>
-              <a:t>レベル</a:t>
-            </a:r>
-            <a:endParaRPr kumimoji="1" lang="ja-JP" altLang="en-US"/>
-          </a:p>
-        </p:txBody>
-      </p:sp>
-      <p:sp>
-        <p:nvSpPr>
-          <p:cNvPr id="7" name="日付プレースホルダー 6"/>
-          <p:cNvSpPr>
-            <a:spLocks noGrp="1"/>
-          </p:cNvSpPr>
-          <p:nvPr>
-            <p:ph type="dt" sz="half" idx="10"/>
-          </p:nvPr>
-        </p:nvSpPr>
-        <p:spPr/>
-        <p:txBody>
-          <a:bodyPr/>
-          <a:lstStyle/>
-          <a:p>
-            <a:fld id="{B281BC7E-9EDC-44EC-803F-9C74B278541E}" type="datetimeFigureOut">
-              <a:rPr kumimoji="1" lang="ja-JP" altLang="en-US" smtClean="0"/>
-              <a:t>2021/4/16</a:t>
+              <a:t>2021/7/9</a:t>
             </a:fld>
             <a:endParaRPr kumimoji="1" lang="ja-JP" altLang="en-US"/>
           </a:p>
@@ -1854,7 +2245,7 @@
       </p:sp>
       <p:sp>
         <p:nvSpPr>
-          <p:cNvPr id="8" name="フッター プレースホルダー 7"/>
+          <p:cNvPr id="8" name="Footer Placeholder 7"/>
           <p:cNvSpPr>
             <a:spLocks noGrp="1"/>
           </p:cNvSpPr>
@@ -1873,7 +2264,7 @@
       </p:sp>
       <p:sp>
         <p:nvSpPr>
-          <p:cNvPr id="9" name="スライド番号プレースホルダー 8"/>
+          <p:cNvPr id="9" name="Slide Number Placeholder 8"/>
           <p:cNvSpPr>
             <a:spLocks noGrp="1"/>
           </p:cNvSpPr>
@@ -1886,7 +2277,7 @@
           <a:bodyPr/>
           <a:lstStyle/>
           <a:p>
-            <a:fld id="{77022724-7A88-4190-89E1-23935288E045}" type="slidenum">
+            <a:fld id="{4A32CB03-0843-4AF8-BFB2-C9917854BC7E}" type="slidenum">
               <a:rPr kumimoji="1" lang="ja-JP" altLang="en-US" smtClean="0"/>
               <a:t>‹#›</a:t>
             </a:fld>
@@ -1897,7 +2288,7 @@
     </p:spTree>
     <p:extLst>
       <p:ext uri="{BB962C8B-B14F-4D97-AF65-F5344CB8AC3E}">
-        <p14:creationId xmlns:p14="http://schemas.microsoft.com/office/powerpoint/2010/main" val="2115623734"/>
+        <p14:creationId xmlns:p14="http://schemas.microsoft.com/office/powerpoint/2010/main" val="1742235083"/>
       </p:ext>
     </p:extLst>
   </p:cSld>
@@ -1926,7 +2317,7 @@
       </p:grpSpPr>
       <p:sp>
         <p:nvSpPr>
-          <p:cNvPr id="2" name="タイトル 1"/>
+          <p:cNvPr id="2" name="Title 1"/>
           <p:cNvSpPr>
             <a:spLocks noGrp="1"/>
           </p:cNvSpPr>
@@ -1940,31 +2331,31 @@
           <a:lstStyle/>
           <a:p>
             <a:r>
+              <a:rPr lang="ja-JP" altLang="en-US" smtClean="0"/>
+              <a:t>マスター タイトルの書式設定</a:t>
+            </a:r>
+            <a:endParaRPr lang="en-US" dirty="0"/>
+          </a:p>
+        </p:txBody>
+      </p:sp>
+      <p:sp>
+        <p:nvSpPr>
+          <p:cNvPr id="3" name="Date Placeholder 2"/>
+          <p:cNvSpPr>
+            <a:spLocks noGrp="1"/>
+          </p:cNvSpPr>
+          <p:nvPr>
+            <p:ph type="dt" sz="half" idx="10"/>
+          </p:nvPr>
+        </p:nvSpPr>
+        <p:spPr/>
+        <p:txBody>
+          <a:bodyPr/>
+          <a:lstStyle/>
+          <a:p>
+            <a:fld id="{3867E348-314D-465D-84AA-31D1BF6D1272}" type="datetime1">
               <a:rPr kumimoji="1" lang="ja-JP" altLang="en-US" smtClean="0"/>
-              <a:t>マスター タイトルの書式設定</a:t>
-            </a:r>
-            <a:endParaRPr kumimoji="1" lang="ja-JP" altLang="en-US"/>
-          </a:p>
-        </p:txBody>
-      </p:sp>
-      <p:sp>
-        <p:nvSpPr>
-          <p:cNvPr id="3" name="日付プレースホルダー 2"/>
-          <p:cNvSpPr>
-            <a:spLocks noGrp="1"/>
-          </p:cNvSpPr>
-          <p:nvPr>
-            <p:ph type="dt" sz="half" idx="10"/>
-          </p:nvPr>
-        </p:nvSpPr>
-        <p:spPr/>
-        <p:txBody>
-          <a:bodyPr/>
-          <a:lstStyle/>
-          <a:p>
-            <a:fld id="{B281BC7E-9EDC-44EC-803F-9C74B278541E}" type="datetimeFigureOut">
-              <a:rPr kumimoji="1" lang="ja-JP" altLang="en-US" smtClean="0"/>
-              <a:t>2021/4/16</a:t>
+              <a:t>2021/7/9</a:t>
             </a:fld>
             <a:endParaRPr kumimoji="1" lang="ja-JP" altLang="en-US"/>
           </a:p>
@@ -1972,7 +2363,7 @@
       </p:sp>
       <p:sp>
         <p:nvSpPr>
-          <p:cNvPr id="4" name="フッター プレースホルダー 3"/>
+          <p:cNvPr id="4" name="Footer Placeholder 3"/>
           <p:cNvSpPr>
             <a:spLocks noGrp="1"/>
           </p:cNvSpPr>
@@ -1991,7 +2382,7 @@
       </p:sp>
       <p:sp>
         <p:nvSpPr>
-          <p:cNvPr id="5" name="スライド番号プレースホルダー 4"/>
+          <p:cNvPr id="5" name="Slide Number Placeholder 4"/>
           <p:cNvSpPr>
             <a:spLocks noGrp="1"/>
           </p:cNvSpPr>
@@ -2004,7 +2395,7 @@
           <a:bodyPr/>
           <a:lstStyle/>
           <a:p>
-            <a:fld id="{77022724-7A88-4190-89E1-23935288E045}" type="slidenum">
+            <a:fld id="{4A32CB03-0843-4AF8-BFB2-C9917854BC7E}" type="slidenum">
               <a:rPr kumimoji="1" lang="ja-JP" altLang="en-US" smtClean="0"/>
               <a:t>‹#›</a:t>
             </a:fld>
@@ -2015,7 +2406,7 @@
     </p:spTree>
     <p:extLst>
       <p:ext uri="{BB962C8B-B14F-4D97-AF65-F5344CB8AC3E}">
-        <p14:creationId xmlns:p14="http://schemas.microsoft.com/office/powerpoint/2010/main" val="62280982"/>
+        <p14:creationId xmlns:p14="http://schemas.microsoft.com/office/powerpoint/2010/main" val="1482394979"/>
       </p:ext>
     </p:extLst>
   </p:cSld>
@@ -2044,7 +2435,7 @@
       </p:grpSpPr>
       <p:sp>
         <p:nvSpPr>
-          <p:cNvPr id="2" name="日付プレースホルダー 1"/>
+          <p:cNvPr id="2" name="Date Placeholder 1"/>
           <p:cNvSpPr>
             <a:spLocks noGrp="1"/>
           </p:cNvSpPr>
@@ -2057,9 +2448,9 @@
           <a:bodyPr/>
           <a:lstStyle/>
           <a:p>
-            <a:fld id="{B281BC7E-9EDC-44EC-803F-9C74B278541E}" type="datetimeFigureOut">
+            <a:fld id="{0504E9A7-4A17-4848-A233-45BE7F03BE87}" type="datetime1">
               <a:rPr kumimoji="1" lang="ja-JP" altLang="en-US" smtClean="0"/>
-              <a:t>2021/4/16</a:t>
+              <a:t>2021/7/9</a:t>
             </a:fld>
             <a:endParaRPr kumimoji="1" lang="ja-JP" altLang="en-US"/>
           </a:p>
@@ -2067,7 +2458,7 @@
       </p:sp>
       <p:sp>
         <p:nvSpPr>
-          <p:cNvPr id="3" name="フッター プレースホルダー 2"/>
+          <p:cNvPr id="3" name="Footer Placeholder 2"/>
           <p:cNvSpPr>
             <a:spLocks noGrp="1"/>
           </p:cNvSpPr>
@@ -2086,7 +2477,7 @@
       </p:sp>
       <p:sp>
         <p:nvSpPr>
-          <p:cNvPr id="4" name="スライド番号プレースホルダー 3"/>
+          <p:cNvPr id="4" name="Slide Number Placeholder 3"/>
           <p:cNvSpPr>
             <a:spLocks noGrp="1"/>
           </p:cNvSpPr>
@@ -2099,7 +2490,7 @@
           <a:bodyPr/>
           <a:lstStyle/>
           <a:p>
-            <a:fld id="{77022724-7A88-4190-89E1-23935288E045}" type="slidenum">
+            <a:fld id="{4A32CB03-0843-4AF8-BFB2-C9917854BC7E}" type="slidenum">
               <a:rPr kumimoji="1" lang="ja-JP" altLang="en-US" smtClean="0"/>
               <a:t>‹#›</a:t>
             </a:fld>
@@ -2110,7 +2501,7 @@
     </p:spTree>
     <p:extLst>
       <p:ext uri="{BB962C8B-B14F-4D97-AF65-F5344CB8AC3E}">
-        <p14:creationId xmlns:p14="http://schemas.microsoft.com/office/powerpoint/2010/main" val="3534100946"/>
+        <p14:creationId xmlns:p14="http://schemas.microsoft.com/office/powerpoint/2010/main" val="238325986"/>
       </p:ext>
     </p:extLst>
   </p:cSld>
@@ -2139,7 +2530,7 @@
       </p:grpSpPr>
       <p:sp>
         <p:nvSpPr>
-          <p:cNvPr id="2" name="タイトル 1"/>
+          <p:cNvPr id="2" name="Title 1"/>
           <p:cNvSpPr>
             <a:spLocks noGrp="1"/>
           </p:cNvSpPr>
@@ -2149,8 +2540,8 @@
         </p:nvSpPr>
         <p:spPr>
           <a:xfrm>
-            <a:off x="839788" y="457200"/>
-            <a:ext cx="3932237" cy="1600200"/>
+            <a:off x="629841" y="457200"/>
+            <a:ext cx="2949178" cy="1600200"/>
           </a:xfrm>
         </p:spPr>
         <p:txBody>
@@ -2162,16 +2553,16 @@
           </a:lstStyle>
           <a:p>
             <a:r>
-              <a:rPr kumimoji="1" lang="ja-JP" altLang="en-US" smtClean="0"/>
+              <a:rPr lang="ja-JP" altLang="en-US" smtClean="0"/>
               <a:t>マスター タイトルの書式設定</a:t>
             </a:r>
-            <a:endParaRPr kumimoji="1" lang="ja-JP" altLang="en-US"/>
-          </a:p>
-        </p:txBody>
-      </p:sp>
-      <p:sp>
-        <p:nvSpPr>
-          <p:cNvPr id="3" name="コンテンツ プレースホルダー 2"/>
+            <a:endParaRPr lang="en-US" dirty="0"/>
+          </a:p>
+        </p:txBody>
+      </p:sp>
+      <p:sp>
+        <p:nvSpPr>
+          <p:cNvPr id="3" name="Content Placeholder 2"/>
           <p:cNvSpPr>
             <a:spLocks noGrp="1"/>
           </p:cNvSpPr>
@@ -2181,8 +2572,8 @@
         </p:nvSpPr>
         <p:spPr>
           <a:xfrm>
-            <a:off x="5183188" y="987425"/>
-            <a:ext cx="6172200" cy="4873625"/>
+            <a:off x="3887391" y="987426"/>
+            <a:ext cx="4629150" cy="4873625"/>
           </a:xfrm>
         </p:spPr>
         <p:txBody>
@@ -2219,76 +2610,76 @@
           <a:p>
             <a:pPr lvl="0"/>
             <a:r>
-              <a:rPr kumimoji="1" lang="ja-JP" altLang="en-US" smtClean="0"/>
+              <a:rPr lang="ja-JP" altLang="en-US" smtClean="0"/>
               <a:t>マスター テキストの書式設定</a:t>
             </a:r>
           </a:p>
           <a:p>
             <a:pPr lvl="1"/>
             <a:r>
-              <a:rPr kumimoji="1" lang="ja-JP" altLang="en-US" smtClean="0"/>
+              <a:rPr lang="ja-JP" altLang="en-US" smtClean="0"/>
               <a:t>第 </a:t>
             </a:r>
             <a:r>
-              <a:rPr kumimoji="1" lang="en-US" altLang="ja-JP" smtClean="0"/>
+              <a:rPr lang="en-US" altLang="ja-JP" smtClean="0"/>
               <a:t>2 </a:t>
             </a:r>
             <a:r>
-              <a:rPr kumimoji="1" lang="ja-JP" altLang="en-US" smtClean="0"/>
+              <a:rPr lang="ja-JP" altLang="en-US" smtClean="0"/>
               <a:t>レベル</a:t>
             </a:r>
           </a:p>
           <a:p>
             <a:pPr lvl="2"/>
             <a:r>
-              <a:rPr kumimoji="1" lang="ja-JP" altLang="en-US" smtClean="0"/>
+              <a:rPr lang="ja-JP" altLang="en-US" smtClean="0"/>
               <a:t>第 </a:t>
             </a:r>
             <a:r>
-              <a:rPr kumimoji="1" lang="en-US" altLang="ja-JP" smtClean="0"/>
+              <a:rPr lang="en-US" altLang="ja-JP" smtClean="0"/>
               <a:t>3 </a:t>
             </a:r>
             <a:r>
-              <a:rPr kumimoji="1" lang="ja-JP" altLang="en-US" smtClean="0"/>
+              <a:rPr lang="ja-JP" altLang="en-US" smtClean="0"/>
               <a:t>レベル</a:t>
             </a:r>
           </a:p>
           <a:p>
             <a:pPr lvl="3"/>
             <a:r>
-              <a:rPr kumimoji="1" lang="ja-JP" altLang="en-US" smtClean="0"/>
+              <a:rPr lang="ja-JP" altLang="en-US" smtClean="0"/>
               <a:t>第 </a:t>
             </a:r>
             <a:r>
-              <a:rPr kumimoji="1" lang="en-US" altLang="ja-JP" smtClean="0"/>
+              <a:rPr lang="en-US" altLang="ja-JP" smtClean="0"/>
               <a:t>4 </a:t>
             </a:r>
             <a:r>
-              <a:rPr kumimoji="1" lang="ja-JP" altLang="en-US" smtClean="0"/>
+              <a:rPr lang="ja-JP" altLang="en-US" smtClean="0"/>
               <a:t>レベル</a:t>
             </a:r>
           </a:p>
           <a:p>
             <a:pPr lvl="4"/>
             <a:r>
-              <a:rPr kumimoji="1" lang="ja-JP" altLang="en-US" smtClean="0"/>
+              <a:rPr lang="ja-JP" altLang="en-US" smtClean="0"/>
               <a:t>第 </a:t>
             </a:r>
             <a:r>
-              <a:rPr kumimoji="1" lang="en-US" altLang="ja-JP" smtClean="0"/>
+              <a:rPr lang="en-US" altLang="ja-JP" smtClean="0"/>
               <a:t>5 </a:t>
             </a:r>
             <a:r>
-              <a:rPr kumimoji="1" lang="ja-JP" altLang="en-US" smtClean="0"/>
+              <a:rPr lang="ja-JP" altLang="en-US" smtClean="0"/>
               <a:t>レベル</a:t>
             </a:r>
-            <a:endParaRPr kumimoji="1" lang="ja-JP" altLang="en-US"/>
-          </a:p>
-        </p:txBody>
-      </p:sp>
-      <p:sp>
-        <p:nvSpPr>
-          <p:cNvPr id="4" name="テキスト プレースホルダー 3"/>
+            <a:endParaRPr lang="en-US" dirty="0"/>
+          </a:p>
+        </p:txBody>
+      </p:sp>
+      <p:sp>
+        <p:nvSpPr>
+          <p:cNvPr id="4" name="Text Placeholder 3"/>
           <p:cNvSpPr>
             <a:spLocks noGrp="1"/>
           </p:cNvSpPr>
@@ -2298,8 +2689,8 @@
         </p:nvSpPr>
         <p:spPr>
           <a:xfrm>
-            <a:off x="839788" y="2057400"/>
-            <a:ext cx="3932237" cy="3811588"/>
+            <a:off x="629841" y="2057400"/>
+            <a:ext cx="2949178" cy="3811588"/>
           </a:xfrm>
         </p:spPr>
         <p:txBody>
@@ -2345,30 +2736,30 @@
           <a:p>
             <a:pPr lvl="0"/>
             <a:r>
+              <a:rPr lang="ja-JP" altLang="en-US" smtClean="0"/>
+              <a:t>マスター テキストの書式設定</a:t>
+            </a:r>
+          </a:p>
+        </p:txBody>
+      </p:sp>
+      <p:sp>
+        <p:nvSpPr>
+          <p:cNvPr id="5" name="Date Placeholder 4"/>
+          <p:cNvSpPr>
+            <a:spLocks noGrp="1"/>
+          </p:cNvSpPr>
+          <p:nvPr>
+            <p:ph type="dt" sz="half" idx="10"/>
+          </p:nvPr>
+        </p:nvSpPr>
+        <p:spPr/>
+        <p:txBody>
+          <a:bodyPr/>
+          <a:lstStyle/>
+          <a:p>
+            <a:fld id="{24FF13B5-8080-4369-B18E-A47C7DC1EF3C}" type="datetime1">
               <a:rPr kumimoji="1" lang="ja-JP" altLang="en-US" smtClean="0"/>
-              <a:t>マスター テキストの書式設定</a:t>
-            </a:r>
-          </a:p>
-        </p:txBody>
-      </p:sp>
-      <p:sp>
-        <p:nvSpPr>
-          <p:cNvPr id="5" name="日付プレースホルダー 4"/>
-          <p:cNvSpPr>
-            <a:spLocks noGrp="1"/>
-          </p:cNvSpPr>
-          <p:nvPr>
-            <p:ph type="dt" sz="half" idx="10"/>
-          </p:nvPr>
-        </p:nvSpPr>
-        <p:spPr/>
-        <p:txBody>
-          <a:bodyPr/>
-          <a:lstStyle/>
-          <a:p>
-            <a:fld id="{B281BC7E-9EDC-44EC-803F-9C74B278541E}" type="datetimeFigureOut">
-              <a:rPr kumimoji="1" lang="ja-JP" altLang="en-US" smtClean="0"/>
-              <a:t>2021/4/16</a:t>
+              <a:t>2021/7/9</a:t>
             </a:fld>
             <a:endParaRPr kumimoji="1" lang="ja-JP" altLang="en-US"/>
           </a:p>
@@ -2376,7 +2767,7 @@
       </p:sp>
       <p:sp>
         <p:nvSpPr>
-          <p:cNvPr id="6" name="フッター プレースホルダー 5"/>
+          <p:cNvPr id="6" name="Footer Placeholder 5"/>
           <p:cNvSpPr>
             <a:spLocks noGrp="1"/>
           </p:cNvSpPr>
@@ -2395,7 +2786,7 @@
       </p:sp>
       <p:sp>
         <p:nvSpPr>
-          <p:cNvPr id="7" name="スライド番号プレースホルダー 6"/>
+          <p:cNvPr id="7" name="Slide Number Placeholder 6"/>
           <p:cNvSpPr>
             <a:spLocks noGrp="1"/>
           </p:cNvSpPr>
@@ -2408,7 +2799,7 @@
           <a:bodyPr/>
           <a:lstStyle/>
           <a:p>
-            <a:fld id="{77022724-7A88-4190-89E1-23935288E045}" type="slidenum">
+            <a:fld id="{4A32CB03-0843-4AF8-BFB2-C9917854BC7E}" type="slidenum">
               <a:rPr kumimoji="1" lang="ja-JP" altLang="en-US" smtClean="0"/>
               <a:t>‹#›</a:t>
             </a:fld>
@@ -2419,7 +2810,7 @@
     </p:spTree>
     <p:extLst>
       <p:ext uri="{BB962C8B-B14F-4D97-AF65-F5344CB8AC3E}">
-        <p14:creationId xmlns:p14="http://schemas.microsoft.com/office/powerpoint/2010/main" val="576972588"/>
+        <p14:creationId xmlns:p14="http://schemas.microsoft.com/office/powerpoint/2010/main" val="4168409583"/>
       </p:ext>
     </p:extLst>
   </p:cSld>
@@ -2448,7 +2839,7 @@
       </p:grpSpPr>
       <p:sp>
         <p:nvSpPr>
-          <p:cNvPr id="2" name="タイトル 1"/>
+          <p:cNvPr id="2" name="Title 1"/>
           <p:cNvSpPr>
             <a:spLocks noGrp="1"/>
           </p:cNvSpPr>
@@ -2458,8 +2849,8 @@
         </p:nvSpPr>
         <p:spPr>
           <a:xfrm>
-            <a:off x="839788" y="457200"/>
-            <a:ext cx="3932237" cy="1600200"/>
+            <a:off x="629841" y="457200"/>
+            <a:ext cx="2949178" cy="1600200"/>
           </a:xfrm>
         </p:spPr>
         <p:txBody>
@@ -2471,18 +2862,18 @@
           </a:lstStyle>
           <a:p>
             <a:r>
-              <a:rPr kumimoji="1" lang="ja-JP" altLang="en-US" smtClean="0"/>
+              <a:rPr lang="ja-JP" altLang="en-US" smtClean="0"/>
               <a:t>マスター タイトルの書式設定</a:t>
             </a:r>
-            <a:endParaRPr kumimoji="1" lang="ja-JP" altLang="en-US"/>
-          </a:p>
-        </p:txBody>
-      </p:sp>
-      <p:sp>
-        <p:nvSpPr>
-          <p:cNvPr id="3" name="図プレースホルダー 2"/>
-          <p:cNvSpPr>
-            <a:spLocks noGrp="1"/>
+            <a:endParaRPr lang="en-US" dirty="0"/>
+          </a:p>
+        </p:txBody>
+      </p:sp>
+      <p:sp>
+        <p:nvSpPr>
+          <p:cNvPr id="3" name="Picture Placeholder 2"/>
+          <p:cNvSpPr>
+            <a:spLocks noGrp="1" noChangeAspect="1"/>
           </p:cNvSpPr>
           <p:nvPr>
             <p:ph type="pic" idx="1"/>
@@ -2490,12 +2881,12 @@
         </p:nvSpPr>
         <p:spPr>
           <a:xfrm>
-            <a:off x="5183188" y="987425"/>
-            <a:ext cx="6172200" cy="4873625"/>
+            <a:off x="3887391" y="987426"/>
+            <a:ext cx="4629150" cy="4873625"/>
           </a:xfrm>
         </p:spPr>
         <p:txBody>
-          <a:bodyPr/>
+          <a:bodyPr anchor="t"/>
           <a:lstStyle>
             <a:lvl1pPr marL="0" indent="0">
               <a:buNone/>
@@ -2535,13 +2926,17 @@
             </a:lvl9pPr>
           </a:lstStyle>
           <a:p>
-            <a:endParaRPr kumimoji="1" lang="ja-JP" altLang="en-US"/>
-          </a:p>
-        </p:txBody>
-      </p:sp>
-      <p:sp>
-        <p:nvSpPr>
-          <p:cNvPr id="4" name="テキスト プレースホルダー 3"/>
+            <a:r>
+              <a:rPr lang="ja-JP" altLang="en-US" smtClean="0"/>
+              <a:t>図を追加</a:t>
+            </a:r>
+            <a:endParaRPr lang="en-US" dirty="0"/>
+          </a:p>
+        </p:txBody>
+      </p:sp>
+      <p:sp>
+        <p:nvSpPr>
+          <p:cNvPr id="4" name="Text Placeholder 3"/>
           <p:cNvSpPr>
             <a:spLocks noGrp="1"/>
           </p:cNvSpPr>
@@ -2551,8 +2946,8 @@
         </p:nvSpPr>
         <p:spPr>
           <a:xfrm>
-            <a:off x="839788" y="2057400"/>
-            <a:ext cx="3932237" cy="3811588"/>
+            <a:off x="629841" y="2057400"/>
+            <a:ext cx="2949178" cy="3811588"/>
           </a:xfrm>
         </p:spPr>
         <p:txBody>
@@ -2598,30 +2993,30 @@
           <a:p>
             <a:pPr lvl="0"/>
             <a:r>
+              <a:rPr lang="ja-JP" altLang="en-US" smtClean="0"/>
+              <a:t>マスター テキストの書式設定</a:t>
+            </a:r>
+          </a:p>
+        </p:txBody>
+      </p:sp>
+      <p:sp>
+        <p:nvSpPr>
+          <p:cNvPr id="5" name="Date Placeholder 4"/>
+          <p:cNvSpPr>
+            <a:spLocks noGrp="1"/>
+          </p:cNvSpPr>
+          <p:nvPr>
+            <p:ph type="dt" sz="half" idx="10"/>
+          </p:nvPr>
+        </p:nvSpPr>
+        <p:spPr/>
+        <p:txBody>
+          <a:bodyPr/>
+          <a:lstStyle/>
+          <a:p>
+            <a:fld id="{CE6ABB78-4FBA-43B9-8ECE-65353FBA2DF2}" type="datetime1">
               <a:rPr kumimoji="1" lang="ja-JP" altLang="en-US" smtClean="0"/>
-              <a:t>マスター テキストの書式設定</a:t>
-            </a:r>
-          </a:p>
-        </p:txBody>
-      </p:sp>
-      <p:sp>
-        <p:nvSpPr>
-          <p:cNvPr id="5" name="日付プレースホルダー 4"/>
-          <p:cNvSpPr>
-            <a:spLocks noGrp="1"/>
-          </p:cNvSpPr>
-          <p:nvPr>
-            <p:ph type="dt" sz="half" idx="10"/>
-          </p:nvPr>
-        </p:nvSpPr>
-        <p:spPr/>
-        <p:txBody>
-          <a:bodyPr/>
-          <a:lstStyle/>
-          <a:p>
-            <a:fld id="{B281BC7E-9EDC-44EC-803F-9C74B278541E}" type="datetimeFigureOut">
-              <a:rPr kumimoji="1" lang="ja-JP" altLang="en-US" smtClean="0"/>
-              <a:t>2021/4/16</a:t>
+              <a:t>2021/7/9</a:t>
             </a:fld>
             <a:endParaRPr kumimoji="1" lang="ja-JP" altLang="en-US"/>
           </a:p>
@@ -2629,7 +3024,7 @@
       </p:sp>
       <p:sp>
         <p:nvSpPr>
-          <p:cNvPr id="6" name="フッター プレースホルダー 5"/>
+          <p:cNvPr id="6" name="Footer Placeholder 5"/>
           <p:cNvSpPr>
             <a:spLocks noGrp="1"/>
           </p:cNvSpPr>
@@ -2648,7 +3043,7 @@
       </p:sp>
       <p:sp>
         <p:nvSpPr>
-          <p:cNvPr id="7" name="スライド番号プレースホルダー 6"/>
+          <p:cNvPr id="7" name="Slide Number Placeholder 6"/>
           <p:cNvSpPr>
             <a:spLocks noGrp="1"/>
           </p:cNvSpPr>
@@ -2661,7 +3056,7 @@
           <a:bodyPr/>
           <a:lstStyle/>
           <a:p>
-            <a:fld id="{77022724-7A88-4190-89E1-23935288E045}" type="slidenum">
+            <a:fld id="{4A32CB03-0843-4AF8-BFB2-C9917854BC7E}" type="slidenum">
               <a:rPr kumimoji="1" lang="ja-JP" altLang="en-US" smtClean="0"/>
               <a:t>‹#›</a:t>
             </a:fld>
@@ -2672,7 +3067,7 @@
     </p:spTree>
     <p:extLst>
       <p:ext uri="{BB962C8B-B14F-4D97-AF65-F5344CB8AC3E}">
-        <p14:creationId xmlns:p14="http://schemas.microsoft.com/office/powerpoint/2010/main" val="3232930411"/>
+        <p14:creationId xmlns:p14="http://schemas.microsoft.com/office/powerpoint/2010/main" val="2145541608"/>
       </p:ext>
     </p:extLst>
   </p:cSld>
@@ -2706,7 +3101,7 @@
       </p:grpSpPr>
       <p:sp>
         <p:nvSpPr>
-          <p:cNvPr id="2" name="タイトル プレースホルダー 1"/>
+          <p:cNvPr id="2" name="Title Placeholder 1"/>
           <p:cNvSpPr>
             <a:spLocks noGrp="1"/>
           </p:cNvSpPr>
@@ -2716,8 +3111,8 @@
         </p:nvSpPr>
         <p:spPr>
           <a:xfrm>
-            <a:off x="838200" y="365125"/>
-            <a:ext cx="10515600" cy="1325563"/>
+            <a:off x="628650" y="365126"/>
+            <a:ext cx="7886700" cy="1325563"/>
           </a:xfrm>
           <a:prstGeom prst="rect">
             <a:avLst/>
@@ -2730,16 +3125,16 @@
           <a:lstStyle/>
           <a:p>
             <a:r>
-              <a:rPr kumimoji="1" lang="ja-JP" altLang="en-US" smtClean="0"/>
+              <a:rPr lang="ja-JP" altLang="en-US" smtClean="0"/>
               <a:t>マスター タイトルの書式設定</a:t>
             </a:r>
-            <a:endParaRPr kumimoji="1" lang="ja-JP" altLang="en-US"/>
-          </a:p>
-        </p:txBody>
-      </p:sp>
-      <p:sp>
-        <p:nvSpPr>
-          <p:cNvPr id="3" name="テキスト プレースホルダー 2"/>
+            <a:endParaRPr lang="en-US" dirty="0"/>
+          </a:p>
+        </p:txBody>
+      </p:sp>
+      <p:sp>
+        <p:nvSpPr>
+          <p:cNvPr id="3" name="Text Placeholder 2"/>
           <p:cNvSpPr>
             <a:spLocks noGrp="1"/>
           </p:cNvSpPr>
@@ -2749,8 +3144,8 @@
         </p:nvSpPr>
         <p:spPr>
           <a:xfrm>
-            <a:off x="838200" y="1825625"/>
-            <a:ext cx="10515600" cy="4351338"/>
+            <a:off x="628650" y="1825625"/>
+            <a:ext cx="7886700" cy="4351338"/>
           </a:xfrm>
           <a:prstGeom prst="rect">
             <a:avLst/>
@@ -2764,76 +3159,76 @@
           <a:p>
             <a:pPr lvl="0"/>
             <a:r>
-              <a:rPr kumimoji="1" lang="ja-JP" altLang="en-US" smtClean="0"/>
+              <a:rPr lang="ja-JP" altLang="en-US" smtClean="0"/>
               <a:t>マスター テキストの書式設定</a:t>
             </a:r>
           </a:p>
           <a:p>
             <a:pPr lvl="1"/>
             <a:r>
-              <a:rPr kumimoji="1" lang="ja-JP" altLang="en-US" smtClean="0"/>
+              <a:rPr lang="ja-JP" altLang="en-US" smtClean="0"/>
               <a:t>第 </a:t>
             </a:r>
             <a:r>
-              <a:rPr kumimoji="1" lang="en-US" altLang="ja-JP" smtClean="0"/>
+              <a:rPr lang="en-US" altLang="ja-JP" smtClean="0"/>
               <a:t>2 </a:t>
             </a:r>
             <a:r>
-              <a:rPr kumimoji="1" lang="ja-JP" altLang="en-US" smtClean="0"/>
+              <a:rPr lang="ja-JP" altLang="en-US" smtClean="0"/>
               <a:t>レベル</a:t>
             </a:r>
           </a:p>
           <a:p>
             <a:pPr lvl="2"/>
             <a:r>
-              <a:rPr kumimoji="1" lang="ja-JP" altLang="en-US" smtClean="0"/>
+              <a:rPr lang="ja-JP" altLang="en-US" smtClean="0"/>
               <a:t>第 </a:t>
             </a:r>
             <a:r>
-              <a:rPr kumimoji="1" lang="en-US" altLang="ja-JP" smtClean="0"/>
+              <a:rPr lang="en-US" altLang="ja-JP" smtClean="0"/>
               <a:t>3 </a:t>
             </a:r>
             <a:r>
-              <a:rPr kumimoji="1" lang="ja-JP" altLang="en-US" smtClean="0"/>
+              <a:rPr lang="ja-JP" altLang="en-US" smtClean="0"/>
               <a:t>レベル</a:t>
             </a:r>
           </a:p>
           <a:p>
             <a:pPr lvl="3"/>
             <a:r>
-              <a:rPr kumimoji="1" lang="ja-JP" altLang="en-US" smtClean="0"/>
+              <a:rPr lang="ja-JP" altLang="en-US" smtClean="0"/>
               <a:t>第 </a:t>
             </a:r>
             <a:r>
-              <a:rPr kumimoji="1" lang="en-US" altLang="ja-JP" smtClean="0"/>
+              <a:rPr lang="en-US" altLang="ja-JP" smtClean="0"/>
               <a:t>4 </a:t>
             </a:r>
             <a:r>
-              <a:rPr kumimoji="1" lang="ja-JP" altLang="en-US" smtClean="0"/>
+              <a:rPr lang="ja-JP" altLang="en-US" smtClean="0"/>
               <a:t>レベル</a:t>
             </a:r>
           </a:p>
           <a:p>
             <a:pPr lvl="4"/>
             <a:r>
-              <a:rPr kumimoji="1" lang="ja-JP" altLang="en-US" smtClean="0"/>
+              <a:rPr lang="ja-JP" altLang="en-US" smtClean="0"/>
               <a:t>第 </a:t>
             </a:r>
             <a:r>
-              <a:rPr kumimoji="1" lang="en-US" altLang="ja-JP" smtClean="0"/>
+              <a:rPr lang="en-US" altLang="ja-JP" smtClean="0"/>
               <a:t>5 </a:t>
             </a:r>
             <a:r>
-              <a:rPr kumimoji="1" lang="ja-JP" altLang="en-US" smtClean="0"/>
+              <a:rPr lang="ja-JP" altLang="en-US" smtClean="0"/>
               <a:t>レベル</a:t>
             </a:r>
-            <a:endParaRPr kumimoji="1" lang="ja-JP" altLang="en-US"/>
-          </a:p>
-        </p:txBody>
-      </p:sp>
-      <p:sp>
-        <p:nvSpPr>
-          <p:cNvPr id="4" name="日付プレースホルダー 3"/>
+            <a:endParaRPr lang="en-US" dirty="0"/>
+          </a:p>
+        </p:txBody>
+      </p:sp>
+      <p:sp>
+        <p:nvSpPr>
+          <p:cNvPr id="4" name="Date Placeholder 3"/>
           <p:cNvSpPr>
             <a:spLocks noGrp="1"/>
           </p:cNvSpPr>
@@ -2843,8 +3238,8 @@
         </p:nvSpPr>
         <p:spPr>
           <a:xfrm>
-            <a:off x="838200" y="6356350"/>
-            <a:ext cx="2743200" cy="365125"/>
+            <a:off x="628650" y="6356351"/>
+            <a:ext cx="2057400" cy="365125"/>
           </a:xfrm>
           <a:prstGeom prst="rect">
             <a:avLst/>
@@ -2864,9 +3259,9 @@
             </a:lvl1pPr>
           </a:lstStyle>
           <a:p>
-            <a:fld id="{B281BC7E-9EDC-44EC-803F-9C74B278541E}" type="datetimeFigureOut">
+            <a:fld id="{25B2B056-B4AA-4D55-9226-508BBA0DE7B1}" type="datetime1">
               <a:rPr kumimoji="1" lang="ja-JP" altLang="en-US" smtClean="0"/>
-              <a:t>2021/4/16</a:t>
+              <a:t>2021/7/9</a:t>
             </a:fld>
             <a:endParaRPr kumimoji="1" lang="ja-JP" altLang="en-US"/>
           </a:p>
@@ -2874,7 +3269,7 @@
       </p:sp>
       <p:sp>
         <p:nvSpPr>
-          <p:cNvPr id="5" name="フッター プレースホルダー 4"/>
+          <p:cNvPr id="5" name="Footer Placeholder 4"/>
           <p:cNvSpPr>
             <a:spLocks noGrp="1"/>
           </p:cNvSpPr>
@@ -2884,8 +3279,8 @@
         </p:nvSpPr>
         <p:spPr>
           <a:xfrm>
-            <a:off x="4038600" y="6356350"/>
-            <a:ext cx="4114800" cy="365125"/>
+            <a:off x="3028950" y="6356351"/>
+            <a:ext cx="3086100" cy="365125"/>
           </a:xfrm>
           <a:prstGeom prst="rect">
             <a:avLst/>
@@ -2911,7 +3306,7 @@
       </p:sp>
       <p:sp>
         <p:nvSpPr>
-          <p:cNvPr id="6" name="スライド番号プレースホルダー 5"/>
+          <p:cNvPr id="6" name="Slide Number Placeholder 5"/>
           <p:cNvSpPr>
             <a:spLocks noGrp="1"/>
           </p:cNvSpPr>
@@ -2921,8 +3316,8 @@
         </p:nvSpPr>
         <p:spPr>
           <a:xfrm>
-            <a:off x="8610600" y="6356350"/>
-            <a:ext cx="2743200" cy="365125"/>
+            <a:off x="6457950" y="6356351"/>
+            <a:ext cx="2057400" cy="365125"/>
           </a:xfrm>
           <a:prstGeom prst="rect">
             <a:avLst/>
@@ -2942,7 +3337,7 @@
             </a:lvl1pPr>
           </a:lstStyle>
           <a:p>
-            <a:fld id="{77022724-7A88-4190-89E1-23935288E045}" type="slidenum">
+            <a:fld id="{4A32CB03-0843-4AF8-BFB2-C9917854BC7E}" type="slidenum">
               <a:rPr kumimoji="1" lang="ja-JP" altLang="en-US" smtClean="0"/>
               <a:t>‹#›</a:t>
             </a:fld>
@@ -2953,24 +3348,25 @@
     </p:spTree>
     <p:extLst>
       <p:ext uri="{BB962C8B-B14F-4D97-AF65-F5344CB8AC3E}">
-        <p14:creationId xmlns:p14="http://schemas.microsoft.com/office/powerpoint/2010/main" val="1523007814"/>
+        <p14:creationId xmlns:p14="http://schemas.microsoft.com/office/powerpoint/2010/main" val="811788725"/>
       </p:ext>
     </p:extLst>
   </p:cSld>
   <p:clrMap bg1="lt1" tx1="dk1" bg2="lt2" tx2="dk2" accent1="accent1" accent2="accent2" accent3="accent3" accent4="accent4" accent5="accent5" accent6="accent6" hlink="hlink" folHlink="folHlink"/>
   <p:sldLayoutIdLst>
-    <p:sldLayoutId id="2147483649" r:id="rId1"/>
-    <p:sldLayoutId id="2147483650" r:id="rId2"/>
-    <p:sldLayoutId id="2147483651" r:id="rId3"/>
-    <p:sldLayoutId id="2147483652" r:id="rId4"/>
-    <p:sldLayoutId id="2147483653" r:id="rId5"/>
-    <p:sldLayoutId id="2147483654" r:id="rId6"/>
-    <p:sldLayoutId id="2147483655" r:id="rId7"/>
-    <p:sldLayoutId id="2147483656" r:id="rId8"/>
-    <p:sldLayoutId id="2147483657" r:id="rId9"/>
-    <p:sldLayoutId id="2147483658" r:id="rId10"/>
-    <p:sldLayoutId id="2147483659" r:id="rId11"/>
+    <p:sldLayoutId id="2147483661" r:id="rId1"/>
+    <p:sldLayoutId id="2147483662" r:id="rId2"/>
+    <p:sldLayoutId id="2147483663" r:id="rId3"/>
+    <p:sldLayoutId id="2147483664" r:id="rId4"/>
+    <p:sldLayoutId id="2147483665" r:id="rId5"/>
+    <p:sldLayoutId id="2147483666" r:id="rId6"/>
+    <p:sldLayoutId id="2147483667" r:id="rId7"/>
+    <p:sldLayoutId id="2147483668" r:id="rId8"/>
+    <p:sldLayoutId id="2147483669" r:id="rId9"/>
+    <p:sldLayoutId id="2147483670" r:id="rId10"/>
+    <p:sldLayoutId id="2147483671" r:id="rId11"/>
   </p:sldLayoutIdLst>
+  <p:hf hdr="0" ftr="0" dt="0"/>
   <p:txStyles>
     <p:titleStyle>
       <a:lvl1pPr algn="l" defTabSz="914400" rtl="0" eaLnBrk="1" latinLnBrk="0" hangingPunct="1">
@@ -3157,7 +3553,7 @@
     </p:bodyStyle>
     <p:otherStyle>
       <a:defPPr>
-        <a:defRPr lang="ja-JP"/>
+        <a:defRPr lang="en-US"/>
       </a:defPPr>
       <a:lvl1pPr marL="0" algn="l" defTabSz="914400" rtl="0" eaLnBrk="1" latinLnBrk="0" hangingPunct="1">
         <a:defRPr kumimoji="1" sz="1800" kern="1200">
@@ -3281,63 +3677,104 @@
             <p:ph type="ctrTitle"/>
           </p:nvPr>
         </p:nvSpPr>
-        <p:spPr/>
+        <p:spPr>
+          <a:xfrm>
+            <a:off x="1015551" y="2481933"/>
+            <a:ext cx="6858000" cy="1790700"/>
+          </a:xfrm>
+        </p:spPr>
+        <p:txBody>
+          <a:bodyPr>
+            <a:normAutofit fontScale="90000"/>
+          </a:bodyPr>
+          <a:lstStyle/>
+          <a:p>
+            <a:r>
+              <a:rPr lang="ja-JP" altLang="en-US" dirty="0" smtClean="0"/>
+              <a:t>ブロックプログラミングを用いたプログラムの論理的思考・コーディングを身に着けるための研究</a:t>
+            </a:r>
+            <a:endParaRPr kumimoji="1" lang="ja-JP" altLang="en-US" dirty="0"/>
+          </a:p>
+        </p:txBody>
+      </p:sp>
+      <p:sp>
+        <p:nvSpPr>
+          <p:cNvPr id="3" name="サブタイトル 2"/>
+          <p:cNvSpPr>
+            <a:spLocks noGrp="1"/>
+          </p:cNvSpPr>
+          <p:nvPr>
+            <p:ph type="subTitle" idx="1"/>
+          </p:nvPr>
+        </p:nvSpPr>
+        <p:spPr>
+          <a:xfrm>
+            <a:off x="1015551" y="4382700"/>
+            <a:ext cx="6858000" cy="1241823"/>
+          </a:xfrm>
+        </p:spPr>
         <p:txBody>
           <a:bodyPr/>
           <a:lstStyle/>
           <a:p>
             <a:r>
               <a:rPr kumimoji="1" lang="ja-JP" altLang="en-US" dirty="0" smtClean="0"/>
-              <a:t>卒業研究内容案</a:t>
-            </a:r>
-            <a:endParaRPr kumimoji="1" lang="ja-JP" altLang="en-US" dirty="0"/>
-          </a:p>
-        </p:txBody>
-      </p:sp>
-      <p:sp>
-        <p:nvSpPr>
-          <p:cNvPr id="3" name="サブタイトル 2"/>
-          <p:cNvSpPr>
-            <a:spLocks noGrp="1"/>
-          </p:cNvSpPr>
-          <p:nvPr>
-            <p:ph type="subTitle" idx="1"/>
-          </p:nvPr>
-        </p:nvSpPr>
-        <p:spPr/>
-        <p:txBody>
-          <a:bodyPr/>
-          <a:lstStyle/>
-          <a:p>
+              <a:t>学籍番号：</a:t>
+            </a:r>
             <a:r>
               <a:rPr kumimoji="1" lang="en-US" altLang="ja-JP" dirty="0" smtClean="0"/>
               <a:t>1821121</a:t>
             </a:r>
-            <a:r>
-              <a:rPr kumimoji="1" lang="ja-JP" altLang="en-US" dirty="0" smtClean="0"/>
-              <a:t> 島岡慎也</a:t>
-            </a:r>
-            <a:endParaRPr kumimoji="1" lang="en-US" altLang="ja-JP" dirty="0" smtClean="0"/>
-          </a:p>
-          <a:p>
-            <a:r>
-              <a:rPr lang="en-US" altLang="ja-JP" dirty="0" smtClean="0"/>
-              <a:t>2021/04/16</a:t>
+          </a:p>
+          <a:p>
+            <a:r>
+              <a:rPr lang="ja-JP" altLang="en-US" dirty="0" smtClean="0"/>
+              <a:t>氏名：島岡慎也</a:t>
             </a:r>
             <a:endParaRPr kumimoji="1" lang="ja-JP" altLang="en-US" dirty="0"/>
+          </a:p>
+        </p:txBody>
+      </p:sp>
+      <p:sp>
+        <p:nvSpPr>
+          <p:cNvPr id="4" name="スライド番号プレースホルダー 3"/>
+          <p:cNvSpPr>
+            <a:spLocks noGrp="1"/>
+          </p:cNvSpPr>
+          <p:nvPr>
+            <p:ph type="sldNum" sz="quarter" idx="12"/>
+          </p:nvPr>
+        </p:nvSpPr>
+        <p:spPr/>
+        <p:txBody>
+          <a:bodyPr/>
+          <a:lstStyle/>
+          <a:p>
+            <a:fld id="{77022724-7A88-4190-89E1-23935288E045}" type="slidenum">
+              <a:rPr kumimoji="1" lang="ja-JP" altLang="en-US" sz="2400" smtClean="0"/>
+              <a:t>1</a:t>
+            </a:fld>
+            <a:endParaRPr kumimoji="1" lang="ja-JP" altLang="en-US" sz="2400" dirty="0"/>
           </a:p>
         </p:txBody>
       </p:sp>
     </p:spTree>
     <p:extLst>
       <p:ext uri="{BB962C8B-B14F-4D97-AF65-F5344CB8AC3E}">
-        <p14:creationId xmlns:p14="http://schemas.microsoft.com/office/powerpoint/2010/main" val="4210017903"/>
+        <p14:creationId xmlns:p14="http://schemas.microsoft.com/office/powerpoint/2010/main" val="3218976117"/>
       </p:ext>
     </p:extLst>
   </p:cSld>
   <p:clrMapOvr>
     <a:masterClrMapping/>
   </p:clrMapOvr>
+  <p:timing>
+    <p:tnLst>
+      <p:par>
+        <p:cTn id="1" dur="indefinite" restart="never" nodeType="tmRoot"/>
+      </p:par>
+    </p:tnLst>
+  </p:timing>
 </p:sld>
 </file>
 
@@ -3374,8 +3811,78 @@
           <a:lstStyle/>
           <a:p>
             <a:r>
+              <a:rPr lang="en-US" altLang="ja-JP" dirty="0" smtClean="0"/>
+              <a:t>Node.js</a:t>
+            </a:r>
+            <a:r>
+              <a:rPr lang="ja-JP" altLang="en-US" dirty="0" smtClean="0"/>
+              <a:t>について</a:t>
+            </a:r>
+            <a:endParaRPr kumimoji="1" lang="ja-JP" altLang="en-US" dirty="0"/>
+          </a:p>
+        </p:txBody>
+      </p:sp>
+      <p:sp>
+        <p:nvSpPr>
+          <p:cNvPr id="3" name="コンテンツ プレースホルダー 2"/>
+          <p:cNvSpPr>
+            <a:spLocks noGrp="1"/>
+          </p:cNvSpPr>
+          <p:nvPr>
+            <p:ph idx="1"/>
+          </p:nvPr>
+        </p:nvSpPr>
+        <p:spPr/>
+        <p:txBody>
+          <a:bodyPr/>
+          <a:lstStyle/>
+          <a:p>
+            <a:r>
+              <a:rPr kumimoji="1" lang="en-US" altLang="ja-JP" dirty="0" err="1" smtClean="0"/>
+              <a:t>Blockly</a:t>
+            </a:r>
+            <a:r>
+              <a:rPr lang="ja-JP" altLang="en-US" dirty="0"/>
+              <a:t>で</a:t>
+            </a:r>
+            <a:r>
+              <a:rPr lang="ja-JP" altLang="en-US" dirty="0" smtClean="0"/>
+              <a:t>は、</a:t>
+            </a:r>
+            <a:r>
+              <a:rPr kumimoji="1" lang="en-US" altLang="ja-JP" dirty="0" smtClean="0"/>
+              <a:t>Node</a:t>
+            </a:r>
+            <a:r>
+              <a:rPr lang="en-US" altLang="ja-JP" dirty="0" smtClean="0"/>
+              <a:t>.js</a:t>
+            </a:r>
+            <a:r>
+              <a:rPr lang="ja-JP" altLang="en-US" dirty="0" smtClean="0"/>
+              <a:t>を利用してコードの実行をしているように思えたが、実際には</a:t>
+            </a:r>
+            <a:r>
+              <a:rPr lang="en-US" altLang="ja-JP" dirty="0" err="1" smtClean="0"/>
+              <a:t>npm</a:t>
+            </a:r>
+            <a:r>
+              <a:rPr lang="ja-JP" altLang="en-US" dirty="0" smtClean="0"/>
+              <a:t>というパッケージ管理のために利用しているだけで、サーバとして利用しているわけでは</a:t>
+            </a:r>
+            <a:r>
+              <a:rPr lang="ja-JP" altLang="en-US" dirty="0"/>
+              <a:t>ないように</a:t>
+            </a:r>
+            <a:r>
+              <a:rPr lang="ja-JP" altLang="en-US" dirty="0" smtClean="0"/>
+              <a:t>も見える</a:t>
+            </a:r>
+            <a:endParaRPr lang="en-US" altLang="ja-JP" dirty="0" smtClean="0"/>
+          </a:p>
+          <a:p>
+            <a:r>
               <a:rPr kumimoji="1" lang="ja-JP" altLang="en-US" dirty="0" smtClean="0"/>
-              <a:t>概要</a:t>
+              <a:t>あまり理解できていないため、公式の情報を見直したい</a:t>
             </a:r>
             <a:endParaRPr kumimoji="1" lang="ja-JP" altLang="en-US" dirty="0"/>
           </a:p>
@@ -3383,366 +3890,23 @@
       </p:sp>
       <p:sp>
         <p:nvSpPr>
-          <p:cNvPr id="4" name="正方形/長方形 3"/>
-          <p:cNvSpPr/>
-          <p:nvPr/>
-        </p:nvSpPr>
-        <p:spPr>
-          <a:xfrm>
-            <a:off x="687824" y="1610315"/>
-            <a:ext cx="4839036" cy="5025154"/>
-          </a:xfrm>
-          <a:prstGeom prst="rect">
-            <a:avLst/>
-          </a:prstGeom>
-        </p:spPr>
-        <p:style>
-          <a:lnRef idx="2">
-            <a:schemeClr val="dk1"/>
-          </a:lnRef>
-          <a:fillRef idx="1">
-            <a:schemeClr val="lt1"/>
-          </a:fillRef>
-          <a:effectRef idx="0">
-            <a:schemeClr val="dk1"/>
-          </a:effectRef>
-          <a:fontRef idx="minor">
-            <a:schemeClr val="dk1"/>
-          </a:fontRef>
-        </p:style>
-        <p:txBody>
-          <a:bodyPr rtlCol="0" anchor="ctr"/>
-          <a:lstStyle/>
-          <a:p>
-            <a:pPr algn="ctr"/>
-            <a:endParaRPr kumimoji="1" lang="ja-JP" altLang="en-US"/>
-          </a:p>
-        </p:txBody>
-      </p:sp>
-      <p:sp>
-        <p:nvSpPr>
-          <p:cNvPr id="5" name="正方形/長方形 4"/>
-          <p:cNvSpPr/>
-          <p:nvPr/>
-        </p:nvSpPr>
-        <p:spPr>
-          <a:xfrm>
-            <a:off x="1788339" y="2306230"/>
-            <a:ext cx="2638004" cy="1197621"/>
-          </a:xfrm>
-          <a:prstGeom prst="rect">
-            <a:avLst/>
-          </a:prstGeom>
-        </p:spPr>
-        <p:style>
-          <a:lnRef idx="2">
-            <a:schemeClr val="dk1"/>
-          </a:lnRef>
-          <a:fillRef idx="1">
-            <a:schemeClr val="lt1"/>
-          </a:fillRef>
-          <a:effectRef idx="0">
-            <a:schemeClr val="dk1"/>
-          </a:effectRef>
-          <a:fontRef idx="minor">
-            <a:schemeClr val="dk1"/>
-          </a:fontRef>
-        </p:style>
-        <p:txBody>
-          <a:bodyPr rtlCol="0" anchor="ctr"/>
-          <a:lstStyle/>
-          <a:p>
-            <a:pPr algn="ctr"/>
-            <a:r>
-              <a:rPr kumimoji="1" lang="ja-JP" altLang="en-US" dirty="0" smtClean="0"/>
-              <a:t>最初はパーを出す</a:t>
-            </a:r>
-            <a:endParaRPr kumimoji="1" lang="ja-JP" altLang="en-US" dirty="0"/>
-          </a:p>
-        </p:txBody>
-      </p:sp>
-      <p:sp>
-        <p:nvSpPr>
-          <p:cNvPr id="6" name="下矢印 5"/>
-          <p:cNvSpPr/>
-          <p:nvPr/>
-        </p:nvSpPr>
-        <p:spPr>
-          <a:xfrm>
-            <a:off x="2767477" y="3681876"/>
-            <a:ext cx="671639" cy="639271"/>
-          </a:xfrm>
-          <a:prstGeom prst="downArrow">
-            <a:avLst/>
-          </a:prstGeom>
-        </p:spPr>
-        <p:style>
-          <a:lnRef idx="2">
-            <a:schemeClr val="dk1">
-              <a:shade val="50000"/>
-            </a:schemeClr>
-          </a:lnRef>
-          <a:fillRef idx="1">
-            <a:schemeClr val="dk1"/>
-          </a:fillRef>
-          <a:effectRef idx="0">
-            <a:schemeClr val="dk1"/>
-          </a:effectRef>
-          <a:fontRef idx="minor">
-            <a:schemeClr val="lt1"/>
-          </a:fontRef>
-        </p:style>
-        <p:txBody>
-          <a:bodyPr rtlCol="0" anchor="ctr"/>
-          <a:lstStyle/>
-          <a:p>
-            <a:pPr algn="ctr"/>
-            <a:endParaRPr kumimoji="1" lang="ja-JP" altLang="en-US"/>
-          </a:p>
-        </p:txBody>
-      </p:sp>
-      <p:sp>
-        <p:nvSpPr>
-          <p:cNvPr id="7" name="正方形/長方形 6"/>
-          <p:cNvSpPr/>
-          <p:nvPr/>
-        </p:nvSpPr>
-        <p:spPr>
-          <a:xfrm>
-            <a:off x="1784294" y="4499172"/>
-            <a:ext cx="2638004" cy="1197621"/>
-          </a:xfrm>
-          <a:prstGeom prst="rect">
-            <a:avLst/>
-          </a:prstGeom>
-        </p:spPr>
-        <p:style>
-          <a:lnRef idx="2">
-            <a:schemeClr val="dk1"/>
-          </a:lnRef>
-          <a:fillRef idx="1">
-            <a:schemeClr val="lt1"/>
-          </a:fillRef>
-          <a:effectRef idx="0">
-            <a:schemeClr val="dk1"/>
-          </a:effectRef>
-          <a:fontRef idx="minor">
-            <a:schemeClr val="dk1"/>
-          </a:fontRef>
-        </p:style>
-        <p:txBody>
-          <a:bodyPr rtlCol="0" anchor="ctr"/>
-          <a:lstStyle/>
-          <a:p>
-            <a:pPr algn="ctr"/>
-            <a:r>
-              <a:rPr lang="ja-JP" altLang="en-US" dirty="0"/>
-              <a:t>相手</a:t>
-            </a:r>
-            <a:r>
-              <a:rPr lang="ja-JP" altLang="en-US" dirty="0" smtClean="0"/>
-              <a:t>が前回パーを出したら</a:t>
-            </a:r>
-            <a:r>
-              <a:rPr lang="ja-JP" altLang="en-US" dirty="0"/>
-              <a:t>チョキ</a:t>
-            </a:r>
-            <a:r>
-              <a:rPr kumimoji="1" lang="ja-JP" altLang="en-US" dirty="0" smtClean="0"/>
-              <a:t>を出す</a:t>
-            </a:r>
-            <a:endParaRPr kumimoji="1" lang="ja-JP" altLang="en-US" dirty="0"/>
-          </a:p>
-        </p:txBody>
-      </p:sp>
-      <p:sp>
-        <p:nvSpPr>
-          <p:cNvPr id="8" name="正方形/長方形 7"/>
-          <p:cNvSpPr/>
-          <p:nvPr/>
-        </p:nvSpPr>
-        <p:spPr>
-          <a:xfrm>
-            <a:off x="6501951" y="1650229"/>
-            <a:ext cx="4839036" cy="4912412"/>
-          </a:xfrm>
-          <a:prstGeom prst="rect">
-            <a:avLst/>
-          </a:prstGeom>
-        </p:spPr>
-        <p:style>
-          <a:lnRef idx="2">
-            <a:schemeClr val="dk1"/>
-          </a:lnRef>
-          <a:fillRef idx="1">
-            <a:schemeClr val="lt1"/>
-          </a:fillRef>
-          <a:effectRef idx="0">
-            <a:schemeClr val="dk1"/>
-          </a:effectRef>
-          <a:fontRef idx="minor">
-            <a:schemeClr val="dk1"/>
-          </a:fontRef>
-        </p:style>
-        <p:txBody>
-          <a:bodyPr rtlCol="0" anchor="ctr"/>
-          <a:lstStyle/>
-          <a:p>
-            <a:endParaRPr lang="en-US" altLang="ja-JP" dirty="0" smtClean="0"/>
-          </a:p>
-          <a:p>
-            <a:r>
-              <a:rPr lang="en-US" altLang="ja-JP" dirty="0" smtClean="0"/>
-              <a:t>If(</a:t>
-            </a:r>
-            <a:r>
-              <a:rPr lang="en-US" altLang="ja-JP" dirty="0" err="1" smtClean="0"/>
-              <a:t>senseki</a:t>
-            </a:r>
-            <a:r>
-              <a:rPr lang="en-US" altLang="ja-JP" dirty="0" smtClean="0"/>
-              <a:t> ==0)</a:t>
-            </a:r>
-            <a:r>
-              <a:rPr lang="ja-JP" altLang="en-US" dirty="0" smtClean="0"/>
-              <a:t> </a:t>
-            </a:r>
-            <a:r>
-              <a:rPr lang="en-US" altLang="ja-JP" dirty="0" smtClean="0"/>
-              <a:t>pa</a:t>
-            </a:r>
-          </a:p>
-          <a:p>
-            <a:r>
-              <a:rPr lang="en-US" altLang="ja-JP" dirty="0" smtClean="0"/>
-              <a:t>//</a:t>
-            </a:r>
-            <a:r>
-              <a:rPr lang="en-US" altLang="ja-JP" dirty="0" err="1" smtClean="0"/>
-              <a:t>senseki</a:t>
-            </a:r>
-            <a:r>
-              <a:rPr lang="en-US" altLang="ja-JP" dirty="0" smtClean="0"/>
-              <a:t> </a:t>
-            </a:r>
-            <a:r>
-              <a:rPr lang="ja-JP" altLang="en-US" dirty="0" smtClean="0"/>
-              <a:t>は相手との戦績</a:t>
-            </a:r>
-            <a:endParaRPr lang="en-US" altLang="ja-JP" dirty="0" smtClean="0"/>
-          </a:p>
-          <a:p>
-            <a:r>
-              <a:rPr lang="en-US" altLang="ja-JP" dirty="0" smtClean="0"/>
-              <a:t>//pa </a:t>
-            </a:r>
-            <a:r>
-              <a:rPr lang="ja-JP" altLang="en-US" dirty="0" smtClean="0"/>
-              <a:t>は次にパーを出す</a:t>
-            </a:r>
-            <a:endParaRPr lang="en-US" altLang="ja-JP" dirty="0" smtClean="0"/>
-          </a:p>
-          <a:p>
-            <a:endParaRPr lang="en-US" altLang="ja-JP" dirty="0"/>
-          </a:p>
-          <a:p>
-            <a:r>
-              <a:rPr lang="en-US" altLang="ja-JP" dirty="0" smtClean="0"/>
-              <a:t>If(</a:t>
-            </a:r>
-            <a:r>
-              <a:rPr lang="en-US" altLang="ja-JP" dirty="0" err="1" smtClean="0"/>
-              <a:t>zenkai</a:t>
-            </a:r>
-            <a:r>
-              <a:rPr lang="en-US" altLang="ja-JP" dirty="0" smtClean="0"/>
-              <a:t> == pa) </a:t>
-            </a:r>
-            <a:r>
-              <a:rPr lang="en-US" altLang="ja-JP" dirty="0" err="1" smtClean="0"/>
-              <a:t>choki</a:t>
-            </a:r>
-            <a:endParaRPr lang="en-US" altLang="ja-JP" dirty="0" smtClean="0"/>
-          </a:p>
-          <a:p>
-            <a:r>
-              <a:rPr lang="en-US" altLang="ja-JP" dirty="0" smtClean="0"/>
-              <a:t>//</a:t>
-            </a:r>
-            <a:r>
-              <a:rPr lang="en-US" altLang="ja-JP" dirty="0" err="1" smtClean="0"/>
-              <a:t>zenkai</a:t>
-            </a:r>
-            <a:r>
-              <a:rPr lang="en-US" altLang="ja-JP" dirty="0" smtClean="0"/>
-              <a:t> </a:t>
-            </a:r>
-            <a:r>
-              <a:rPr lang="ja-JP" altLang="en-US" dirty="0" smtClean="0"/>
-              <a:t>は戦績がある場合に相手の手</a:t>
-            </a:r>
-            <a:endParaRPr lang="en-US" altLang="ja-JP" dirty="0" smtClean="0"/>
-          </a:p>
-          <a:p>
-            <a:r>
-              <a:rPr lang="en-US" altLang="ja-JP" dirty="0" smtClean="0"/>
-              <a:t>//</a:t>
-            </a:r>
-            <a:r>
-              <a:rPr lang="en-US" altLang="ja-JP" dirty="0" err="1" smtClean="0"/>
-              <a:t>choki</a:t>
-            </a:r>
-            <a:r>
-              <a:rPr lang="en-US" altLang="ja-JP" dirty="0" smtClean="0"/>
-              <a:t> </a:t>
-            </a:r>
-            <a:r>
-              <a:rPr lang="ja-JP" altLang="en-US" dirty="0" smtClean="0"/>
-              <a:t>は次にチョキを出す</a:t>
-            </a:r>
-            <a:endParaRPr lang="en-US" altLang="ja-JP" dirty="0"/>
-          </a:p>
-        </p:txBody>
-      </p:sp>
-      <p:sp>
-        <p:nvSpPr>
-          <p:cNvPr id="9" name="左右矢印 8"/>
-          <p:cNvSpPr/>
-          <p:nvPr/>
-        </p:nvSpPr>
-        <p:spPr>
-          <a:xfrm>
-            <a:off x="5563274" y="4001511"/>
-            <a:ext cx="902263" cy="614994"/>
-          </a:xfrm>
-          <a:prstGeom prst="leftRightArrow">
-            <a:avLst>
-              <a:gd name="adj1" fmla="val 3419"/>
-              <a:gd name="adj2" fmla="val 50000"/>
-            </a:avLst>
-          </a:prstGeom>
-        </p:spPr>
-        <p:style>
-          <a:lnRef idx="2">
-            <a:schemeClr val="dk1">
-              <a:shade val="50000"/>
-            </a:schemeClr>
-          </a:lnRef>
-          <a:fillRef idx="1">
-            <a:schemeClr val="dk1"/>
-          </a:fillRef>
-          <a:effectRef idx="0">
-            <a:schemeClr val="dk1"/>
-          </a:effectRef>
-          <a:fontRef idx="minor">
-            <a:schemeClr val="lt1"/>
-          </a:fontRef>
-        </p:style>
-        <p:txBody>
-          <a:bodyPr rtlCol="0" anchor="ctr"/>
-          <a:lstStyle/>
-          <a:p>
-            <a:pPr algn="ctr"/>
+          <p:cNvPr id="4" name="スライド番号プレースホルダー 3"/>
+          <p:cNvSpPr>
+            <a:spLocks noGrp="1"/>
+          </p:cNvSpPr>
+          <p:nvPr>
+            <p:ph type="sldNum" sz="quarter" idx="12"/>
+          </p:nvPr>
+        </p:nvSpPr>
+        <p:spPr/>
+        <p:txBody>
+          <a:bodyPr/>
+          <a:lstStyle/>
+          <a:p>
+            <a:fld id="{4A32CB03-0843-4AF8-BFB2-C9917854BC7E}" type="slidenum">
+              <a:rPr kumimoji="1" lang="ja-JP" altLang="en-US" smtClean="0"/>
+              <a:t>10</a:t>
+            </a:fld>
             <a:endParaRPr kumimoji="1" lang="ja-JP" altLang="en-US"/>
           </a:p>
         </p:txBody>
@@ -3750,20 +3914,13 @@
     </p:spTree>
     <p:extLst>
       <p:ext uri="{BB962C8B-B14F-4D97-AF65-F5344CB8AC3E}">
-        <p14:creationId xmlns:p14="http://schemas.microsoft.com/office/powerpoint/2010/main" val="4281366460"/>
+        <p14:creationId xmlns:p14="http://schemas.microsoft.com/office/powerpoint/2010/main" val="3535867368"/>
       </p:ext>
     </p:extLst>
   </p:cSld>
   <p:clrMapOvr>
     <a:masterClrMapping/>
   </p:clrMapOvr>
-  <p:timing>
-    <p:tnLst>
-      <p:par>
-        <p:cTn id="1" dur="indefinite" restart="never" nodeType="tmRoot"/>
-      </p:par>
-    </p:tnLst>
-  </p:timing>
 </p:sld>
 </file>
 
@@ -3799,7 +3956,15 @@
           <a:bodyPr/>
           <a:lstStyle/>
           <a:p>
-            <a:endParaRPr kumimoji="1" lang="ja-JP" altLang="en-US"/>
+            <a:r>
+              <a:rPr lang="en-US" altLang="ja-JP" dirty="0" err="1" smtClean="0"/>
+              <a:t>Node_modules</a:t>
+            </a:r>
+            <a:r>
+              <a:rPr lang="en-US" altLang="ja-JP" dirty="0" smtClean="0"/>
+              <a:t> install</a:t>
+            </a:r>
+            <a:endParaRPr kumimoji="1" lang="ja-JP" altLang="en-US" dirty="0"/>
           </a:p>
         </p:txBody>
       </p:sp>
@@ -3818,27 +3983,92 @@
           <a:bodyPr/>
           <a:lstStyle/>
           <a:p>
-            <a:endParaRPr kumimoji="1" lang="ja-JP" altLang="en-US"/>
+            <a:r>
+              <a:rPr lang="en-US" altLang="ja-JP" dirty="0" err="1" smtClean="0"/>
+              <a:t>Blockly</a:t>
+            </a:r>
+            <a:r>
+              <a:rPr lang="ja-JP" altLang="en-US" dirty="0" smtClean="0"/>
+              <a:t>公式によって用意されているモジュールのインストール</a:t>
+            </a:r>
+            <a:endParaRPr lang="en-US" altLang="ja-JP" dirty="0" smtClean="0"/>
+          </a:p>
+          <a:p>
+            <a:r>
+              <a:rPr kumimoji="1" lang="ja-JP" altLang="en-US" dirty="0" smtClean="0"/>
+              <a:t>方法：</a:t>
+            </a:r>
+            <a:r>
+              <a:rPr lang="ja-JP" altLang="en-US" dirty="0" smtClean="0"/>
+              <a:t>コマンドプロンプトにて</a:t>
+            </a:r>
+            <a:r>
+              <a:rPr kumimoji="1" lang="ja-JP" altLang="en-US" dirty="0" smtClean="0"/>
+              <a:t>実行したい</a:t>
+            </a:r>
+            <a:r>
+              <a:rPr kumimoji="1" lang="en-US" altLang="ja-JP" dirty="0" smtClean="0"/>
+              <a:t>JSON</a:t>
+            </a:r>
+            <a:r>
+              <a:rPr kumimoji="1" lang="ja-JP" altLang="en-US" dirty="0" smtClean="0"/>
+              <a:t>ファイルの場所に移動して</a:t>
+            </a:r>
+            <a:r>
+              <a:rPr kumimoji="1" lang="en-US" altLang="ja-JP" dirty="0" err="1" smtClean="0"/>
+              <a:t>npm</a:t>
+            </a:r>
+            <a:r>
+              <a:rPr kumimoji="1" lang="en-US" altLang="ja-JP" dirty="0" smtClean="0"/>
+              <a:t> install</a:t>
+            </a:r>
+            <a:r>
+              <a:rPr kumimoji="1" lang="ja-JP" altLang="en-US" dirty="0" smtClean="0"/>
+              <a:t>を実行</a:t>
+            </a:r>
+            <a:endParaRPr kumimoji="1" lang="en-US" altLang="ja-JP" dirty="0" smtClean="0"/>
+          </a:p>
+          <a:p>
+            <a:pPr marL="0" indent="0">
+              <a:buNone/>
+            </a:pPr>
+            <a:endParaRPr lang="en-US" altLang="ja-JP" dirty="0"/>
+          </a:p>
+        </p:txBody>
+      </p:sp>
+      <p:sp>
+        <p:nvSpPr>
+          <p:cNvPr id="4" name="スライド番号プレースホルダー 3"/>
+          <p:cNvSpPr>
+            <a:spLocks noGrp="1"/>
+          </p:cNvSpPr>
+          <p:nvPr>
+            <p:ph type="sldNum" sz="quarter" idx="12"/>
+          </p:nvPr>
+        </p:nvSpPr>
+        <p:spPr/>
+        <p:txBody>
+          <a:bodyPr/>
+          <a:lstStyle/>
+          <a:p>
+            <a:fld id="{4A32CB03-0843-4AF8-BFB2-C9917854BC7E}" type="slidenum">
+              <a:rPr kumimoji="1" lang="ja-JP" altLang="en-US" sz="2800" smtClean="0"/>
+              <a:t>11</a:t>
+            </a:fld>
+            <a:endParaRPr kumimoji="1" lang="ja-JP" altLang="en-US" sz="2800" dirty="0"/>
           </a:p>
         </p:txBody>
       </p:sp>
     </p:spTree>
     <p:extLst>
       <p:ext uri="{BB962C8B-B14F-4D97-AF65-F5344CB8AC3E}">
-        <p14:creationId xmlns:p14="http://schemas.microsoft.com/office/powerpoint/2010/main" val="4198881976"/>
+        <p14:creationId xmlns:p14="http://schemas.microsoft.com/office/powerpoint/2010/main" val="2182324898"/>
       </p:ext>
     </p:extLst>
   </p:cSld>
   <p:clrMapOvr>
     <a:masterClrMapping/>
   </p:clrMapOvr>
-  <p:timing>
-    <p:tnLst>
-      <p:par>
-        <p:cTn id="1" dur="indefinite" restart="never" nodeType="tmRoot"/>
-      </p:par>
-    </p:tnLst>
-  </p:timing>
 </p:sld>
 </file>
 
@@ -3866,17 +4096,21 @@
             <a:spLocks noGrp="1"/>
           </p:cNvSpPr>
           <p:nvPr>
-            <p:ph type="ctrTitle"/>
-          </p:nvPr>
-        </p:nvSpPr>
-        <p:spPr/>
-        <p:txBody>
-          <a:bodyPr/>
-          <a:lstStyle/>
-          <a:p>
-            <a:r>
-              <a:rPr lang="ja-JP" altLang="en-US" dirty="0" smtClean="0"/>
-              <a:t>案２</a:t>
+            <p:ph type="title"/>
+          </p:nvPr>
+        </p:nvSpPr>
+        <p:spPr/>
+        <p:txBody>
+          <a:bodyPr/>
+          <a:lstStyle/>
+          <a:p>
+            <a:r>
+              <a:rPr lang="en-US" altLang="ja-JP" dirty="0" err="1"/>
+              <a:t>Node_modules</a:t>
+            </a:r>
+            <a:r>
+              <a:rPr lang="en-US" altLang="ja-JP" dirty="0"/>
+              <a:t> install</a:t>
             </a:r>
             <a:endParaRPr kumimoji="1" lang="ja-JP" altLang="en-US" dirty="0"/>
           </a:p>
@@ -3884,40 +4118,61 @@
       </p:sp>
       <p:sp>
         <p:nvSpPr>
-          <p:cNvPr id="3" name="サブタイトル 2"/>
-          <p:cNvSpPr>
-            <a:spLocks noGrp="1"/>
-          </p:cNvSpPr>
-          <p:nvPr>
-            <p:ph type="subTitle" idx="1"/>
-          </p:nvPr>
-        </p:nvSpPr>
-        <p:spPr/>
-        <p:txBody>
-          <a:bodyPr/>
-          <a:lstStyle/>
-          <a:p>
+          <p:cNvPr id="4" name="スライド番号プレースホルダー 3"/>
+          <p:cNvSpPr>
+            <a:spLocks noGrp="1"/>
+          </p:cNvSpPr>
+          <p:nvPr>
+            <p:ph type="sldNum" sz="quarter" idx="12"/>
+          </p:nvPr>
+        </p:nvSpPr>
+        <p:spPr/>
+        <p:txBody>
+          <a:bodyPr/>
+          <a:lstStyle/>
+          <a:p>
+            <a:fld id="{4A32CB03-0843-4AF8-BFB2-C9917854BC7E}" type="slidenum">
+              <a:rPr kumimoji="1" lang="ja-JP" altLang="en-US" smtClean="0"/>
+              <a:t>12</a:t>
+            </a:fld>
             <a:endParaRPr kumimoji="1" lang="ja-JP" altLang="en-US"/>
           </a:p>
         </p:txBody>
       </p:sp>
+      <p:pic>
+        <p:nvPicPr>
+          <p:cNvPr id="5" name="図 4"/>
+          <p:cNvPicPr>
+            <a:picLocks noChangeAspect="1"/>
+          </p:cNvPicPr>
+          <p:nvPr/>
+        </p:nvPicPr>
+        <p:blipFill>
+          <a:blip r:embed="rId2"/>
+          <a:stretch>
+            <a:fillRect/>
+          </a:stretch>
+        </p:blipFill>
+        <p:spPr>
+          <a:xfrm>
+            <a:off x="628650" y="2176758"/>
+            <a:ext cx="7970195" cy="2031100"/>
+          </a:xfrm>
+          <a:prstGeom prst="rect">
+            <a:avLst/>
+          </a:prstGeom>
+        </p:spPr>
+      </p:pic>
     </p:spTree>
     <p:extLst>
       <p:ext uri="{BB962C8B-B14F-4D97-AF65-F5344CB8AC3E}">
-        <p14:creationId xmlns:p14="http://schemas.microsoft.com/office/powerpoint/2010/main" val="1333936825"/>
+        <p14:creationId xmlns:p14="http://schemas.microsoft.com/office/powerpoint/2010/main" val="2400612885"/>
       </p:ext>
     </p:extLst>
   </p:cSld>
   <p:clrMapOvr>
     <a:masterClrMapping/>
   </p:clrMapOvr>
-  <p:timing>
-    <p:tnLst>
-      <p:par>
-        <p:cTn id="1" dur="indefinite" restart="never" nodeType="tmRoot"/>
-      </p:par>
-    </p:tnLst>
-  </p:timing>
 </p:sld>
 </file>
 
@@ -3954,78 +4209,122 @@
           <a:lstStyle/>
           <a:p>
             <a:r>
+              <a:rPr kumimoji="1" lang="en-US" altLang="ja-JP" dirty="0" smtClean="0"/>
+              <a:t>Generator</a:t>
+            </a:r>
+            <a:endParaRPr kumimoji="1" lang="ja-JP" altLang="en-US" dirty="0"/>
+          </a:p>
+        </p:txBody>
+      </p:sp>
+      <p:sp>
+        <p:nvSpPr>
+          <p:cNvPr id="3" name="コンテンツ プレースホルダー 2"/>
+          <p:cNvSpPr>
+            <a:spLocks noGrp="1"/>
+          </p:cNvSpPr>
+          <p:nvPr>
+            <p:ph idx="1"/>
+          </p:nvPr>
+        </p:nvSpPr>
+        <p:spPr/>
+        <p:txBody>
+          <a:bodyPr/>
+          <a:lstStyle/>
+          <a:p>
+            <a:r>
               <a:rPr kumimoji="1" lang="ja-JP" altLang="en-US" dirty="0" smtClean="0"/>
-              <a:t>概要</a:t>
-            </a:r>
-            <a:endParaRPr kumimoji="1" lang="ja-JP" altLang="en-US" dirty="0"/>
-          </a:p>
-        </p:txBody>
-      </p:sp>
-      <p:sp>
-        <p:nvSpPr>
-          <p:cNvPr id="3" name="コンテンツ プレースホルダー 2"/>
-          <p:cNvSpPr>
-            <a:spLocks noGrp="1"/>
-          </p:cNvSpPr>
-          <p:nvPr>
-            <p:ph idx="1"/>
-          </p:nvPr>
-        </p:nvSpPr>
-        <p:spPr/>
-        <p:txBody>
-          <a:bodyPr/>
-          <a:lstStyle/>
-          <a:p>
-            <a:r>
-              <a:rPr kumimoji="1" lang="ja-JP" altLang="en-US" dirty="0" smtClean="0"/>
-              <a:t>本または著者を</a:t>
-            </a:r>
-            <a:r>
-              <a:rPr kumimoji="1" lang="ja-JP" altLang="en-US" dirty="0" smtClean="0"/>
-              <a:t>推薦するプログラム</a:t>
-            </a:r>
+              <a:t>ブロックからコードに変換するための生成器</a:t>
+            </a:r>
+            <a:endParaRPr lang="en-US" altLang="ja-JP" dirty="0"/>
+          </a:p>
+          <a:p>
+            <a:r>
+              <a:rPr lang="en-US" altLang="ja-JP" dirty="0" err="1" smtClean="0"/>
+              <a:t>Blockly</a:t>
+            </a:r>
+            <a:r>
+              <a:rPr lang="ja-JP" altLang="en-US" dirty="0" smtClean="0"/>
+              <a:t>で利用できる言語</a:t>
+            </a:r>
+            <a:endParaRPr lang="en-US" altLang="ja-JP" dirty="0" smtClean="0"/>
+          </a:p>
+          <a:p>
+            <a:pPr lvl="1"/>
+            <a:r>
+              <a:rPr kumimoji="1" lang="en-US" altLang="ja-JP" dirty="0" smtClean="0"/>
+              <a:t>JavaScript</a:t>
+            </a:r>
+          </a:p>
+          <a:p>
+            <a:pPr lvl="1"/>
+            <a:r>
+              <a:rPr lang="en-US" altLang="ja-JP" dirty="0" smtClean="0"/>
+              <a:t>Python</a:t>
+            </a:r>
+          </a:p>
+          <a:p>
+            <a:pPr lvl="1"/>
+            <a:r>
+              <a:rPr kumimoji="1" lang="en-US" altLang="ja-JP" dirty="0" smtClean="0"/>
+              <a:t>PHP</a:t>
+            </a:r>
+          </a:p>
+          <a:p>
+            <a:pPr lvl="1"/>
+            <a:r>
+              <a:rPr lang="en-US" altLang="ja-JP" dirty="0" err="1" smtClean="0"/>
+              <a:t>Lua</a:t>
+            </a:r>
+            <a:endParaRPr lang="en-US" altLang="ja-JP" dirty="0" smtClean="0"/>
+          </a:p>
+          <a:p>
+            <a:pPr lvl="1"/>
+            <a:r>
+              <a:rPr kumimoji="1" lang="en-US" altLang="ja-JP" dirty="0" smtClean="0"/>
+              <a:t>Dart</a:t>
+            </a:r>
+          </a:p>
+          <a:p>
+            <a:pPr marL="457200" lvl="1" indent="0">
+              <a:buNone/>
+            </a:pPr>
             <a:endParaRPr kumimoji="1" lang="en-US" altLang="ja-JP" dirty="0" smtClean="0"/>
           </a:p>
-          <a:p>
-            <a:r>
-              <a:rPr kumimoji="1" lang="ja-JP" altLang="en-US" dirty="0" smtClean="0"/>
-              <a:t>これまでの読書履歴や好きな著者の情報などから</a:t>
-            </a:r>
-            <a:r>
-              <a:rPr lang="ja-JP" altLang="en-US" dirty="0"/>
-              <a:t>情報</a:t>
-            </a:r>
-            <a:r>
-              <a:rPr lang="ja-JP" altLang="en-US" dirty="0" smtClean="0"/>
-              <a:t>を推薦</a:t>
-            </a:r>
-            <a:endParaRPr lang="en-US" altLang="ja-JP" dirty="0" smtClean="0"/>
-          </a:p>
-          <a:p>
-            <a:endParaRPr kumimoji="1" lang="en-US" altLang="ja-JP" dirty="0" smtClean="0"/>
-          </a:p>
-          <a:p>
-            <a:endParaRPr kumimoji="1" lang="ja-JP" altLang="en-US" dirty="0"/>
+        </p:txBody>
+      </p:sp>
+      <p:sp>
+        <p:nvSpPr>
+          <p:cNvPr id="4" name="スライド番号プレースホルダー 3"/>
+          <p:cNvSpPr>
+            <a:spLocks noGrp="1"/>
+          </p:cNvSpPr>
+          <p:nvPr>
+            <p:ph type="sldNum" sz="quarter" idx="12"/>
+          </p:nvPr>
+        </p:nvSpPr>
+        <p:spPr/>
+        <p:txBody>
+          <a:bodyPr/>
+          <a:lstStyle/>
+          <a:p>
+            <a:fld id="{4A32CB03-0843-4AF8-BFB2-C9917854BC7E}" type="slidenum">
+              <a:rPr kumimoji="1" lang="ja-JP" altLang="en-US" smtClean="0"/>
+              <a:t>13</a:t>
+            </a:fld>
+            <a:endParaRPr kumimoji="1" lang="ja-JP" altLang="en-US"/>
           </a:p>
         </p:txBody>
       </p:sp>
     </p:spTree>
     <p:extLst>
       <p:ext uri="{BB962C8B-B14F-4D97-AF65-F5344CB8AC3E}">
-        <p14:creationId xmlns:p14="http://schemas.microsoft.com/office/powerpoint/2010/main" val="791603525"/>
+        <p14:creationId xmlns:p14="http://schemas.microsoft.com/office/powerpoint/2010/main" val="559910476"/>
       </p:ext>
     </p:extLst>
   </p:cSld>
   <p:clrMapOvr>
     <a:masterClrMapping/>
   </p:clrMapOvr>
-  <p:timing>
-    <p:tnLst>
-      <p:par>
-        <p:cTn id="1" dur="indefinite" restart="never" nodeType="tmRoot"/>
-      </p:par>
-    </p:tnLst>
-  </p:timing>
 </p:sld>
 </file>
 
@@ -4053,17 +4352,22 @@
             <a:spLocks noGrp="1"/>
           </p:cNvSpPr>
           <p:nvPr>
-            <p:ph type="ctrTitle"/>
-          </p:nvPr>
-        </p:nvSpPr>
-        <p:spPr/>
-        <p:txBody>
-          <a:bodyPr/>
-          <a:lstStyle/>
-          <a:p>
-            <a:r>
-              <a:rPr kumimoji="1" lang="ja-JP" altLang="en-US" dirty="0" smtClean="0"/>
-              <a:t>案３</a:t>
+            <p:ph type="title"/>
+          </p:nvPr>
+        </p:nvSpPr>
+        <p:spPr>
+          <a:xfrm>
+            <a:off x="644834" y="365126"/>
+            <a:ext cx="7886700" cy="1325563"/>
+          </a:xfrm>
+        </p:spPr>
+        <p:txBody>
+          <a:bodyPr/>
+          <a:lstStyle/>
+          <a:p>
+            <a:r>
+              <a:rPr kumimoji="1" lang="en-US" altLang="ja-JP" dirty="0" err="1" smtClean="0"/>
+              <a:t>Lua</a:t>
             </a:r>
             <a:endParaRPr kumimoji="1" lang="ja-JP" altLang="en-US" dirty="0"/>
           </a:p>
@@ -4071,19 +4375,204 @@
       </p:sp>
       <p:sp>
         <p:nvSpPr>
-          <p:cNvPr id="3" name="サブタイトル 2"/>
-          <p:cNvSpPr>
-            <a:spLocks noGrp="1"/>
-          </p:cNvSpPr>
-          <p:nvPr>
-            <p:ph type="subTitle" idx="1"/>
-          </p:nvPr>
-        </p:nvSpPr>
-        <p:spPr/>
-        <p:txBody>
-          <a:bodyPr/>
-          <a:lstStyle/>
-          <a:p>
+          <p:cNvPr id="3" name="コンテンツ プレースホルダー 2"/>
+          <p:cNvSpPr>
+            <a:spLocks noGrp="1"/>
+          </p:cNvSpPr>
+          <p:nvPr>
+            <p:ph idx="1"/>
+          </p:nvPr>
+        </p:nvSpPr>
+        <p:spPr/>
+        <p:txBody>
+          <a:bodyPr>
+            <a:normAutofit fontScale="70000" lnSpcReduction="20000"/>
+          </a:bodyPr>
+          <a:lstStyle/>
+          <a:p>
+            <a:pPr marL="0" indent="0">
+              <a:buNone/>
+            </a:pPr>
+            <a:r>
+              <a:rPr lang="en-US" altLang="ja-JP" dirty="0" err="1"/>
+              <a:t>Lua</a:t>
+            </a:r>
+            <a:r>
+              <a:rPr lang="ja-JP" altLang="en-US" dirty="0"/>
+              <a:t>（ルア）はスクリプト言語およびその処理系の実装で、主にリオデジャネイロ・カトリカ大学（英語版）のコンピュータ科学科 </a:t>
+            </a:r>
+            <a:r>
+              <a:rPr lang="en-US" altLang="ja-JP" dirty="0"/>
+              <a:t>(Department of Computer Science) </a:t>
+            </a:r>
+            <a:r>
+              <a:rPr lang="ja-JP" altLang="en-US" dirty="0"/>
+              <a:t>および</a:t>
+            </a:r>
+            <a:r>
+              <a:rPr lang="en-US" altLang="ja-JP" dirty="0"/>
+              <a:t>/</a:t>
+            </a:r>
+            <a:r>
+              <a:rPr lang="ja-JP" altLang="en-US" dirty="0"/>
+              <a:t>または同大学附属研究所の</a:t>
+            </a:r>
+            <a:r>
+              <a:rPr lang="en-US" altLang="ja-JP" dirty="0" err="1" smtClean="0"/>
+              <a:t>Tecgraf</a:t>
+            </a:r>
+            <a:r>
+              <a:rPr lang="en-US" altLang="ja-JP" dirty="0" smtClean="0"/>
+              <a:t>/PUC-Rio</a:t>
+            </a:r>
+            <a:r>
+              <a:rPr lang="ja-JP" altLang="en-US" dirty="0" smtClean="0"/>
+              <a:t>に</a:t>
+            </a:r>
+            <a:r>
+              <a:rPr lang="ja-JP" altLang="en-US" dirty="0"/>
+              <a:t>所属する、</a:t>
+            </a:r>
+            <a:r>
+              <a:rPr lang="en-US" altLang="ja-JP" dirty="0"/>
+              <a:t>Roberto </a:t>
+            </a:r>
+            <a:r>
+              <a:rPr lang="en-US" altLang="ja-JP" dirty="0" err="1"/>
+              <a:t>Ierusalimschy</a:t>
+            </a:r>
+            <a:r>
+              <a:rPr lang="ja-JP" altLang="en-US" dirty="0" err="1"/>
+              <a:t>、</a:t>
+            </a:r>
+            <a:r>
+              <a:rPr lang="en-US" altLang="ja-JP" dirty="0" err="1"/>
+              <a:t>Waldemar</a:t>
+            </a:r>
+            <a:r>
+              <a:rPr lang="en-US" altLang="ja-JP" dirty="0"/>
+              <a:t> </a:t>
+            </a:r>
+            <a:r>
+              <a:rPr lang="en-US" altLang="ja-JP" dirty="0" err="1" smtClean="0"/>
+              <a:t>Celes</a:t>
+            </a:r>
+            <a:r>
+              <a:rPr lang="ja-JP" altLang="en-US" dirty="0" err="1" smtClean="0"/>
+              <a:t>、</a:t>
+            </a:r>
+            <a:r>
+              <a:rPr lang="en-US" altLang="ja-JP" dirty="0"/>
+              <a:t>Luiz Henrique de </a:t>
+            </a:r>
+            <a:r>
+              <a:rPr lang="en-US" altLang="ja-JP" dirty="0" err="1" smtClean="0"/>
+              <a:t>Figueiredo</a:t>
+            </a:r>
+            <a:r>
+              <a:rPr lang="ja-JP" altLang="en-US" dirty="0" err="1" smtClean="0"/>
+              <a:t>らに</a:t>
+            </a:r>
+            <a:r>
+              <a:rPr lang="ja-JP" altLang="en-US" dirty="0"/>
+              <a:t>よって設計開発</a:t>
+            </a:r>
+            <a:r>
+              <a:rPr lang="ja-JP" altLang="en-US" dirty="0" smtClean="0"/>
+              <a:t>された。</a:t>
+            </a:r>
+            <a:endParaRPr lang="ja-JP" altLang="en-US" dirty="0"/>
+          </a:p>
+          <a:p>
+            <a:pPr marL="0" indent="0">
+              <a:buNone/>
+            </a:pPr>
+            <a:endParaRPr lang="ja-JP" altLang="en-US" dirty="0"/>
+          </a:p>
+          <a:p>
+            <a:pPr marL="0" indent="0">
+              <a:buNone/>
+            </a:pPr>
+            <a:r>
+              <a:rPr lang="ja-JP" altLang="en-US" dirty="0"/>
+              <a:t>手続き型言語として、またプロトタイプベースのオブジェクト指向言語としても利用することができ、関数型言語、データ駆動型としての要素も併せ持っている。</a:t>
+            </a:r>
+          </a:p>
+          <a:p>
+            <a:pPr marL="0" indent="0">
+              <a:buNone/>
+            </a:pPr>
+            <a:endParaRPr lang="ja-JP" altLang="en-US" dirty="0"/>
+          </a:p>
+          <a:p>
+            <a:pPr marL="0" indent="0">
+              <a:buNone/>
+            </a:pPr>
+            <a:r>
+              <a:rPr lang="en-US" altLang="ja-JP" dirty="0" err="1"/>
+              <a:t>Lua</a:t>
+            </a:r>
+            <a:r>
+              <a:rPr lang="ja-JP" altLang="en-US" dirty="0"/>
+              <a:t>という名前は、ポルトガル語の「月」に由来する</a:t>
+            </a:r>
+            <a:r>
+              <a:rPr lang="ja-JP" altLang="en-US" dirty="0" smtClean="0"/>
+              <a:t>。</a:t>
+            </a:r>
+            <a:endParaRPr lang="en-US" altLang="ja-JP" dirty="0" smtClean="0"/>
+          </a:p>
+          <a:p>
+            <a:pPr marL="0" indent="0">
+              <a:buNone/>
+            </a:pPr>
+            <a:endParaRPr kumimoji="1" lang="en-US" altLang="ja-JP" dirty="0" smtClean="0"/>
+          </a:p>
+          <a:p>
+            <a:pPr marL="0" indent="0">
+              <a:buNone/>
+            </a:pPr>
+            <a:r>
+              <a:rPr lang="ja-JP" altLang="en-US" dirty="0"/>
+              <a:t>引用</a:t>
+            </a:r>
+            <a:r>
+              <a:rPr lang="ja-JP" altLang="en-US" dirty="0" smtClean="0"/>
+              <a:t>：</a:t>
+            </a:r>
+            <a:endParaRPr kumimoji="1" lang="en-US" altLang="ja-JP" dirty="0"/>
+          </a:p>
+          <a:p>
+            <a:pPr marL="0" indent="0">
+              <a:buNone/>
+            </a:pPr>
+            <a:r>
+              <a:rPr lang="en-US" altLang="ja-JP" dirty="0"/>
+              <a:t>https://ja.wikipedia.org/wiki/Lua</a:t>
+            </a:r>
+            <a:endParaRPr kumimoji="1" lang="ja-JP" altLang="en-US" dirty="0"/>
+          </a:p>
+        </p:txBody>
+      </p:sp>
+      <p:sp>
+        <p:nvSpPr>
+          <p:cNvPr id="4" name="スライド番号プレースホルダー 3"/>
+          <p:cNvSpPr>
+            <a:spLocks noGrp="1"/>
+          </p:cNvSpPr>
+          <p:nvPr>
+            <p:ph type="sldNum" sz="quarter" idx="12"/>
+          </p:nvPr>
+        </p:nvSpPr>
+        <p:spPr/>
+        <p:txBody>
+          <a:bodyPr/>
+          <a:lstStyle/>
+          <a:p>
+            <a:fld id="{4A32CB03-0843-4AF8-BFB2-C9917854BC7E}" type="slidenum">
+              <a:rPr kumimoji="1" lang="ja-JP" altLang="en-US" smtClean="0"/>
+              <a:t>14</a:t>
+            </a:fld>
             <a:endParaRPr kumimoji="1" lang="ja-JP" altLang="en-US"/>
           </a:p>
         </p:txBody>
@@ -4091,7 +4580,7 @@
     </p:spTree>
     <p:extLst>
       <p:ext uri="{BB962C8B-B14F-4D97-AF65-F5344CB8AC3E}">
-        <p14:creationId xmlns:p14="http://schemas.microsoft.com/office/powerpoint/2010/main" val="3903805927"/>
+        <p14:creationId xmlns:p14="http://schemas.microsoft.com/office/powerpoint/2010/main" val="843265026"/>
       </p:ext>
     </p:extLst>
   </p:cSld>
@@ -4133,7 +4622,11 @@
           <a:bodyPr/>
           <a:lstStyle/>
           <a:p>
-            <a:endParaRPr kumimoji="1" lang="ja-JP" altLang="en-US"/>
+            <a:r>
+              <a:rPr kumimoji="1" lang="en-US" altLang="ja-JP" dirty="0" smtClean="0"/>
+              <a:t>Dart</a:t>
+            </a:r>
+            <a:endParaRPr kumimoji="1" lang="ja-JP" altLang="en-US" dirty="0"/>
           </a:p>
         </p:txBody>
       </p:sp>
@@ -4149,9 +4642,155 @@
         </p:nvSpPr>
         <p:spPr/>
         <p:txBody>
-          <a:bodyPr/>
-          <a:lstStyle/>
-          <a:p>
+          <a:bodyPr>
+            <a:normAutofit lnSpcReduction="10000"/>
+          </a:bodyPr>
+          <a:lstStyle/>
+          <a:p>
+            <a:pPr marL="0" indent="0">
+              <a:buNone/>
+            </a:pPr>
+            <a:r>
+              <a:rPr lang="en-US" altLang="ja-JP" dirty="0"/>
+              <a:t>Dart</a:t>
+            </a:r>
+            <a:r>
+              <a:rPr lang="ja-JP" altLang="en-US" dirty="0"/>
+              <a:t>（ダートもしくはダーツ。当初は </a:t>
+            </a:r>
+            <a:r>
+              <a:rPr lang="en-US" altLang="ja-JP" dirty="0"/>
+              <a:t>Dash </a:t>
+            </a:r>
+            <a:r>
+              <a:rPr lang="ja-JP" altLang="en-US" dirty="0"/>
+              <a:t>と呼ばれていた）は</a:t>
+            </a:r>
+            <a:r>
+              <a:rPr lang="en-US" altLang="ja-JP" dirty="0"/>
+              <a:t>Google</a:t>
+            </a:r>
+            <a:r>
+              <a:rPr lang="ja-JP" altLang="en-US" dirty="0"/>
+              <a:t>によって開発されたウェブ向けのプログラミング言語である。</a:t>
+            </a:r>
+            <a:r>
+              <a:rPr lang="en-US" altLang="ja-JP" dirty="0"/>
+              <a:t>2011</a:t>
+            </a:r>
+            <a:r>
+              <a:rPr lang="ja-JP" altLang="en-US" dirty="0"/>
+              <a:t>年</a:t>
+            </a:r>
+            <a:r>
+              <a:rPr lang="en-US" altLang="ja-JP" dirty="0"/>
+              <a:t>10</a:t>
+            </a:r>
+            <a:r>
+              <a:rPr lang="ja-JP" altLang="en-US" dirty="0"/>
+              <a:t>月</a:t>
+            </a:r>
+            <a:r>
+              <a:rPr lang="en-US" altLang="ja-JP" dirty="0"/>
+              <a:t>10</a:t>
+            </a:r>
+            <a:r>
+              <a:rPr lang="ja-JP" altLang="en-US" dirty="0"/>
+              <a:t>日 </a:t>
+            </a:r>
+            <a:r>
+              <a:rPr lang="en-US" altLang="ja-JP" dirty="0"/>
+              <a:t>- 12</a:t>
+            </a:r>
+            <a:r>
+              <a:rPr lang="ja-JP" altLang="en-US" dirty="0"/>
+              <a:t>日に開催された デンマークのオーフスで開催された「</a:t>
+            </a:r>
+            <a:r>
+              <a:rPr lang="en-US" altLang="ja-JP" dirty="0"/>
+              <a:t>GOTO</a:t>
+            </a:r>
+            <a:r>
+              <a:rPr lang="ja-JP" altLang="en-US" dirty="0"/>
+              <a:t>カンファレンス</a:t>
+            </a:r>
+            <a:r>
+              <a:rPr lang="ja-JP" altLang="en-US" dirty="0" smtClean="0"/>
+              <a:t>」で</a:t>
+            </a:r>
+            <a:r>
+              <a:rPr lang="ja-JP" altLang="en-US" dirty="0"/>
+              <a:t>公開</a:t>
+            </a:r>
+            <a:r>
+              <a:rPr lang="ja-JP" altLang="en-US" dirty="0" smtClean="0"/>
+              <a:t>された。</a:t>
+            </a:r>
+            <a:r>
+              <a:rPr lang="ja-JP" altLang="en-US" dirty="0"/>
+              <a:t>この言語は、ウェブブラウザ組み込みのスクリプト言語である</a:t>
+            </a:r>
+            <a:r>
+              <a:rPr lang="en-US" altLang="ja-JP" dirty="0"/>
+              <a:t>JavaScript</a:t>
+            </a:r>
+            <a:r>
+              <a:rPr lang="ja-JP" altLang="en-US" dirty="0"/>
+              <a:t>の代替となることを目的に作られた</a:t>
+            </a:r>
+            <a:r>
+              <a:rPr lang="ja-JP" altLang="en-US" dirty="0" smtClean="0"/>
+              <a:t>。</a:t>
+            </a:r>
+            <a:endParaRPr lang="en-US" altLang="ja-JP" dirty="0"/>
+          </a:p>
+          <a:p>
+            <a:pPr marL="0" indent="0">
+              <a:buNone/>
+            </a:pPr>
+            <a:endParaRPr kumimoji="1" lang="en-US" altLang="ja-JP" dirty="0" smtClean="0"/>
+          </a:p>
+          <a:p>
+            <a:pPr marL="0" indent="0">
+              <a:buNone/>
+            </a:pPr>
+            <a:r>
+              <a:rPr kumimoji="1" lang="ja-JP" altLang="en-US" dirty="0" smtClean="0"/>
+              <a:t>引用：</a:t>
+            </a:r>
+            <a:endParaRPr kumimoji="1" lang="en-US" altLang="ja-JP" dirty="0" smtClean="0"/>
+          </a:p>
+          <a:p>
+            <a:pPr marL="0" indent="0">
+              <a:buNone/>
+            </a:pPr>
+            <a:r>
+              <a:rPr lang="en-US" altLang="ja-JP" dirty="0"/>
+              <a:t>https://ja.wikipedia.org/wiki/Dart</a:t>
+            </a:r>
+            <a:endParaRPr kumimoji="1" lang="ja-JP" altLang="en-US" dirty="0"/>
+          </a:p>
+        </p:txBody>
+      </p:sp>
+      <p:sp>
+        <p:nvSpPr>
+          <p:cNvPr id="4" name="スライド番号プレースホルダー 3"/>
+          <p:cNvSpPr>
+            <a:spLocks noGrp="1"/>
+          </p:cNvSpPr>
+          <p:nvPr>
+            <p:ph type="sldNum" sz="quarter" idx="12"/>
+          </p:nvPr>
+        </p:nvSpPr>
+        <p:spPr/>
+        <p:txBody>
+          <a:bodyPr/>
+          <a:lstStyle/>
+          <a:p>
+            <a:fld id="{4A32CB03-0843-4AF8-BFB2-C9917854BC7E}" type="slidenum">
+              <a:rPr kumimoji="1" lang="ja-JP" altLang="en-US" smtClean="0"/>
+              <a:t>15</a:t>
+            </a:fld>
             <a:endParaRPr kumimoji="1" lang="ja-JP" altLang="en-US"/>
           </a:p>
         </p:txBody>
@@ -4159,7 +4798,528 @@
     </p:spTree>
     <p:extLst>
       <p:ext uri="{BB962C8B-B14F-4D97-AF65-F5344CB8AC3E}">
-        <p14:creationId xmlns:p14="http://schemas.microsoft.com/office/powerpoint/2010/main" val="3622358876"/>
+        <p14:creationId xmlns:p14="http://schemas.microsoft.com/office/powerpoint/2010/main" val="3121424104"/>
+      </p:ext>
+    </p:extLst>
+  </p:cSld>
+  <p:clrMapOvr>
+    <a:masterClrMapping/>
+  </p:clrMapOvr>
+</p:sld>
+</file>
+
+<file path=ppt/slides/slide16.xml><?xml version="1.0" encoding="utf-8"?>
+<p:sld xmlns:a="http://schemas.openxmlformats.org/drawingml/2006/main" xmlns:r="http://schemas.openxmlformats.org/officeDocument/2006/relationships" xmlns:p="http://schemas.openxmlformats.org/presentationml/2006/main">
+  <p:cSld>
+    <p:spTree>
+      <p:nvGrpSpPr>
+        <p:cNvPr id="1" name=""/>
+        <p:cNvGrpSpPr/>
+        <p:nvPr/>
+      </p:nvGrpSpPr>
+      <p:grpSpPr>
+        <a:xfrm>
+          <a:off x="0" y="0"/>
+          <a:ext cx="0" cy="0"/>
+          <a:chOff x="0" y="0"/>
+          <a:chExt cx="0" cy="0"/>
+        </a:xfrm>
+      </p:grpSpPr>
+      <p:sp>
+        <p:nvSpPr>
+          <p:cNvPr id="2" name="タイトル 1"/>
+          <p:cNvSpPr>
+            <a:spLocks noGrp="1"/>
+          </p:cNvSpPr>
+          <p:nvPr>
+            <p:ph type="title"/>
+          </p:nvPr>
+        </p:nvSpPr>
+        <p:spPr/>
+        <p:txBody>
+          <a:bodyPr/>
+          <a:lstStyle/>
+          <a:p>
+            <a:r>
+              <a:rPr kumimoji="1" lang="en-US" altLang="ja-JP" dirty="0" smtClean="0"/>
+              <a:t>Generator</a:t>
+            </a:r>
+            <a:endParaRPr kumimoji="1" lang="ja-JP" altLang="en-US" dirty="0"/>
+          </a:p>
+        </p:txBody>
+      </p:sp>
+      <p:sp>
+        <p:nvSpPr>
+          <p:cNvPr id="3" name="コンテンツ プレースホルダー 2"/>
+          <p:cNvSpPr>
+            <a:spLocks noGrp="1"/>
+          </p:cNvSpPr>
+          <p:nvPr>
+            <p:ph idx="1"/>
+          </p:nvPr>
+        </p:nvSpPr>
+        <p:spPr/>
+        <p:txBody>
+          <a:bodyPr>
+            <a:normAutofit/>
+          </a:bodyPr>
+          <a:lstStyle/>
+          <a:p>
+            <a:r>
+              <a:rPr kumimoji="1" lang="en-US" altLang="ja-JP" dirty="0" smtClean="0"/>
+              <a:t>Generator</a:t>
+            </a:r>
+            <a:r>
+              <a:rPr kumimoji="1" lang="ja-JP" altLang="en-US" dirty="0" smtClean="0"/>
+              <a:t>を利用する際には、前のスライドの通りに実行し、</a:t>
+            </a:r>
+            <a:r>
+              <a:rPr kumimoji="1" lang="en-US" altLang="ja-JP" dirty="0" err="1" smtClean="0"/>
+              <a:t>Node_modules</a:t>
+            </a:r>
+            <a:r>
+              <a:rPr kumimoji="1" lang="ja-JP" altLang="en-US" dirty="0" smtClean="0"/>
+              <a:t>内のファイルを呼び出す</a:t>
+            </a:r>
+            <a:endParaRPr kumimoji="1" lang="en-US" altLang="ja-JP" dirty="0" smtClean="0"/>
+          </a:p>
+          <a:p>
+            <a:r>
+              <a:rPr lang="en-US" altLang="ja-JP" dirty="0"/>
+              <a:t>h</a:t>
+            </a:r>
+            <a:r>
+              <a:rPr lang="en-US" altLang="ja-JP" dirty="0" smtClean="0"/>
+              <a:t>tml</a:t>
+            </a:r>
+            <a:r>
+              <a:rPr lang="ja-JP" altLang="en-US" dirty="0" smtClean="0"/>
+              <a:t>ファイル内で、</a:t>
+            </a:r>
+            <a:r>
+              <a:rPr lang="en-US" altLang="ja-JP" dirty="0" smtClean="0"/>
+              <a:t>script</a:t>
+            </a:r>
+            <a:r>
+              <a:rPr lang="ja-JP" altLang="en-US" dirty="0" smtClean="0"/>
+              <a:t>で呼び出し</a:t>
+            </a:r>
+            <a:endParaRPr lang="en-US" altLang="ja-JP" dirty="0" smtClean="0"/>
+          </a:p>
+          <a:p>
+            <a:r>
+              <a:rPr lang="en-US" altLang="ja-JP" dirty="0"/>
+              <a:t> </a:t>
+            </a:r>
+            <a:r>
+              <a:rPr lang="en-US" altLang="ja-JP" dirty="0" err="1"/>
+              <a:t>var</a:t>
+            </a:r>
+            <a:r>
+              <a:rPr lang="en-US" altLang="ja-JP" dirty="0"/>
+              <a:t> code = </a:t>
+            </a:r>
+            <a:r>
+              <a:rPr lang="en-US" altLang="ja-JP" dirty="0" err="1"/>
+              <a:t>Blockly.JavaScript.workspaceToCode</a:t>
+            </a:r>
+            <a:r>
+              <a:rPr lang="en-US" altLang="ja-JP" dirty="0"/>
+              <a:t>(</a:t>
+            </a:r>
+            <a:r>
+              <a:rPr lang="en-US" altLang="ja-JP" dirty="0" err="1"/>
+              <a:t>demoWorkspace</a:t>
+            </a:r>
+            <a:r>
+              <a:rPr lang="en-US" altLang="ja-JP" dirty="0" smtClean="0"/>
+              <a:t>);</a:t>
+            </a:r>
+          </a:p>
+          <a:p>
+            <a:endParaRPr lang="en-US" altLang="ja-JP" dirty="0"/>
+          </a:p>
+        </p:txBody>
+      </p:sp>
+      <p:sp>
+        <p:nvSpPr>
+          <p:cNvPr id="4" name="スライド番号プレースホルダー 3"/>
+          <p:cNvSpPr>
+            <a:spLocks noGrp="1"/>
+          </p:cNvSpPr>
+          <p:nvPr>
+            <p:ph type="sldNum" sz="quarter" idx="12"/>
+          </p:nvPr>
+        </p:nvSpPr>
+        <p:spPr/>
+        <p:txBody>
+          <a:bodyPr/>
+          <a:lstStyle/>
+          <a:p>
+            <a:fld id="{4A32CB03-0843-4AF8-BFB2-C9917854BC7E}" type="slidenum">
+              <a:rPr kumimoji="1" lang="ja-JP" altLang="en-US" smtClean="0"/>
+              <a:t>16</a:t>
+            </a:fld>
+            <a:endParaRPr kumimoji="1" lang="ja-JP" altLang="en-US"/>
+          </a:p>
+        </p:txBody>
+      </p:sp>
+    </p:spTree>
+    <p:extLst>
+      <p:ext uri="{BB962C8B-B14F-4D97-AF65-F5344CB8AC3E}">
+        <p14:creationId xmlns:p14="http://schemas.microsoft.com/office/powerpoint/2010/main" val="2142560469"/>
+      </p:ext>
+    </p:extLst>
+  </p:cSld>
+  <p:clrMapOvr>
+    <a:masterClrMapping/>
+  </p:clrMapOvr>
+</p:sld>
+</file>
+
+<file path=ppt/slides/slide17.xml><?xml version="1.0" encoding="utf-8"?>
+<p:sld xmlns:a="http://schemas.openxmlformats.org/drawingml/2006/main" xmlns:r="http://schemas.openxmlformats.org/officeDocument/2006/relationships" xmlns:p="http://schemas.openxmlformats.org/presentationml/2006/main">
+  <p:cSld>
+    <p:spTree>
+      <p:nvGrpSpPr>
+        <p:cNvPr id="1" name=""/>
+        <p:cNvGrpSpPr/>
+        <p:nvPr/>
+      </p:nvGrpSpPr>
+      <p:grpSpPr>
+        <a:xfrm>
+          <a:off x="0" y="0"/>
+          <a:ext cx="0" cy="0"/>
+          <a:chOff x="0" y="0"/>
+          <a:chExt cx="0" cy="0"/>
+        </a:xfrm>
+      </p:grpSpPr>
+      <p:sp>
+        <p:nvSpPr>
+          <p:cNvPr id="2" name="タイトル 1"/>
+          <p:cNvSpPr>
+            <a:spLocks noGrp="1"/>
+          </p:cNvSpPr>
+          <p:nvPr>
+            <p:ph type="title"/>
+          </p:nvPr>
+        </p:nvSpPr>
+        <p:spPr/>
+        <p:txBody>
+          <a:bodyPr/>
+          <a:lstStyle/>
+          <a:p>
+            <a:r>
+              <a:rPr kumimoji="1" lang="en-US" altLang="ja-JP" dirty="0" err="1" smtClean="0"/>
+              <a:t>Genearator</a:t>
+            </a:r>
+            <a:r>
+              <a:rPr kumimoji="1" lang="ja-JP" altLang="en-US" dirty="0" smtClean="0"/>
+              <a:t>の実行テスト</a:t>
+            </a:r>
+            <a:endParaRPr kumimoji="1" lang="ja-JP" altLang="en-US" dirty="0"/>
+          </a:p>
+        </p:txBody>
+      </p:sp>
+      <p:sp>
+        <p:nvSpPr>
+          <p:cNvPr id="4" name="スライド番号プレースホルダー 3"/>
+          <p:cNvSpPr>
+            <a:spLocks noGrp="1"/>
+          </p:cNvSpPr>
+          <p:nvPr>
+            <p:ph type="sldNum" sz="quarter" idx="12"/>
+          </p:nvPr>
+        </p:nvSpPr>
+        <p:spPr/>
+        <p:txBody>
+          <a:bodyPr/>
+          <a:lstStyle/>
+          <a:p>
+            <a:fld id="{4A32CB03-0843-4AF8-BFB2-C9917854BC7E}" type="slidenum">
+              <a:rPr kumimoji="1" lang="ja-JP" altLang="en-US" sz="2800" smtClean="0"/>
+              <a:t>17</a:t>
+            </a:fld>
+            <a:endParaRPr kumimoji="1" lang="ja-JP" altLang="en-US" dirty="0"/>
+          </a:p>
+        </p:txBody>
+      </p:sp>
+      <p:pic>
+        <p:nvPicPr>
+          <p:cNvPr id="3" name="図 2"/>
+          <p:cNvPicPr>
+            <a:picLocks noChangeAspect="1"/>
+          </p:cNvPicPr>
+          <p:nvPr/>
+        </p:nvPicPr>
+        <p:blipFill>
+          <a:blip r:embed="rId2"/>
+          <a:stretch>
+            <a:fillRect/>
+          </a:stretch>
+        </p:blipFill>
+        <p:spPr>
+          <a:xfrm>
+            <a:off x="1141095" y="1690689"/>
+            <a:ext cx="5647905" cy="3900141"/>
+          </a:xfrm>
+          <a:prstGeom prst="rect">
+            <a:avLst/>
+          </a:prstGeom>
+        </p:spPr>
+      </p:pic>
+    </p:spTree>
+    <p:extLst>
+      <p:ext uri="{BB962C8B-B14F-4D97-AF65-F5344CB8AC3E}">
+        <p14:creationId xmlns:p14="http://schemas.microsoft.com/office/powerpoint/2010/main" val="4257970129"/>
+      </p:ext>
+    </p:extLst>
+  </p:cSld>
+  <p:clrMapOvr>
+    <a:masterClrMapping/>
+  </p:clrMapOvr>
+</p:sld>
+</file>
+
+<file path=ppt/slides/slide18.xml><?xml version="1.0" encoding="utf-8"?>
+<p:sld xmlns:a="http://schemas.openxmlformats.org/drawingml/2006/main" xmlns:r="http://schemas.openxmlformats.org/officeDocument/2006/relationships" xmlns:p="http://schemas.openxmlformats.org/presentationml/2006/main">
+  <p:cSld>
+    <p:spTree>
+      <p:nvGrpSpPr>
+        <p:cNvPr id="1" name=""/>
+        <p:cNvGrpSpPr/>
+        <p:nvPr/>
+      </p:nvGrpSpPr>
+      <p:grpSpPr>
+        <a:xfrm>
+          <a:off x="0" y="0"/>
+          <a:ext cx="0" cy="0"/>
+          <a:chOff x="0" y="0"/>
+          <a:chExt cx="0" cy="0"/>
+        </a:xfrm>
+      </p:grpSpPr>
+      <p:sp>
+        <p:nvSpPr>
+          <p:cNvPr id="2" name="タイトル 1"/>
+          <p:cNvSpPr>
+            <a:spLocks noGrp="1"/>
+          </p:cNvSpPr>
+          <p:nvPr>
+            <p:ph type="title"/>
+          </p:nvPr>
+        </p:nvSpPr>
+        <p:spPr/>
+        <p:txBody>
+          <a:bodyPr/>
+          <a:lstStyle/>
+          <a:p>
+            <a:r>
+              <a:rPr lang="en-US" altLang="ja-JP" dirty="0" err="1"/>
+              <a:t>Genearator</a:t>
+            </a:r>
+            <a:r>
+              <a:rPr lang="ja-JP" altLang="en-US" dirty="0"/>
+              <a:t>の実行テスト</a:t>
+            </a:r>
+            <a:endParaRPr kumimoji="1" lang="ja-JP" altLang="en-US" dirty="0"/>
+          </a:p>
+        </p:txBody>
+      </p:sp>
+      <p:sp>
+        <p:nvSpPr>
+          <p:cNvPr id="3" name="コンテンツ プレースホルダー 2"/>
+          <p:cNvSpPr>
+            <a:spLocks noGrp="1"/>
+          </p:cNvSpPr>
+          <p:nvPr>
+            <p:ph idx="1"/>
+          </p:nvPr>
+        </p:nvSpPr>
+        <p:spPr/>
+        <p:txBody>
+          <a:bodyPr/>
+          <a:lstStyle/>
+          <a:p>
+            <a:r>
+              <a:rPr kumimoji="1" lang="ja-JP" altLang="en-US" dirty="0" smtClean="0"/>
+              <a:t>図のようにブロックを組み合わせ、左側の</a:t>
+            </a:r>
+            <a:r>
+              <a:rPr kumimoji="1" lang="en-US" altLang="ja-JP" dirty="0" smtClean="0"/>
+              <a:t>Show </a:t>
+            </a:r>
+            <a:r>
+              <a:rPr kumimoji="1" lang="en-US" altLang="ja-JP" dirty="0" err="1" smtClean="0"/>
+              <a:t>javascript</a:t>
+            </a:r>
+            <a:r>
+              <a:rPr kumimoji="1" lang="ja-JP" altLang="en-US" dirty="0" smtClean="0"/>
+              <a:t>を押すと、ブロックからコードを生成する</a:t>
+            </a:r>
+            <a:r>
+              <a:rPr lang="ja-JP" altLang="en-US" dirty="0" smtClean="0"/>
+              <a:t>（ブロックに対応したコードを表示する）</a:t>
+            </a:r>
+            <a:endParaRPr lang="en-US" altLang="ja-JP" dirty="0" smtClean="0"/>
+          </a:p>
+          <a:p>
+            <a:r>
+              <a:rPr lang="ja-JP" altLang="en-US" dirty="0" smtClean="0"/>
+              <a:t>右側の</a:t>
+            </a:r>
+            <a:r>
+              <a:rPr lang="en-US" altLang="ja-JP" dirty="0" smtClean="0"/>
+              <a:t>Run JavaScript</a:t>
+            </a:r>
+            <a:r>
+              <a:rPr lang="ja-JP" altLang="en-US" dirty="0" smtClean="0"/>
+              <a:t>を押すと、コードを実行する</a:t>
+            </a:r>
+            <a:endParaRPr kumimoji="1" lang="en-US" altLang="ja-JP" dirty="0" smtClean="0"/>
+          </a:p>
+        </p:txBody>
+      </p:sp>
+      <p:sp>
+        <p:nvSpPr>
+          <p:cNvPr id="4" name="スライド番号プレースホルダー 3"/>
+          <p:cNvSpPr>
+            <a:spLocks noGrp="1"/>
+          </p:cNvSpPr>
+          <p:nvPr>
+            <p:ph type="sldNum" sz="quarter" idx="12"/>
+          </p:nvPr>
+        </p:nvSpPr>
+        <p:spPr/>
+        <p:txBody>
+          <a:bodyPr/>
+          <a:lstStyle/>
+          <a:p>
+            <a:fld id="{4A32CB03-0843-4AF8-BFB2-C9917854BC7E}" type="slidenum">
+              <a:rPr kumimoji="1" lang="ja-JP" altLang="en-US" sz="2800" smtClean="0"/>
+              <a:t>18</a:t>
+            </a:fld>
+            <a:endParaRPr kumimoji="1" lang="ja-JP" altLang="en-US" sz="2800" dirty="0"/>
+          </a:p>
+        </p:txBody>
+      </p:sp>
+    </p:spTree>
+    <p:extLst>
+      <p:ext uri="{BB962C8B-B14F-4D97-AF65-F5344CB8AC3E}">
+        <p14:creationId xmlns:p14="http://schemas.microsoft.com/office/powerpoint/2010/main" val="2997179172"/>
+      </p:ext>
+    </p:extLst>
+  </p:cSld>
+  <p:clrMapOvr>
+    <a:masterClrMapping/>
+  </p:clrMapOvr>
+</p:sld>
+</file>
+
+<file path=ppt/slides/slide19.xml><?xml version="1.0" encoding="utf-8"?>
+<p:sld xmlns:a="http://schemas.openxmlformats.org/drawingml/2006/main" xmlns:r="http://schemas.openxmlformats.org/officeDocument/2006/relationships" xmlns:p="http://schemas.openxmlformats.org/presentationml/2006/main">
+  <p:cSld>
+    <p:spTree>
+      <p:nvGrpSpPr>
+        <p:cNvPr id="1" name=""/>
+        <p:cNvGrpSpPr/>
+        <p:nvPr/>
+      </p:nvGrpSpPr>
+      <p:grpSpPr>
+        <a:xfrm>
+          <a:off x="0" y="0"/>
+          <a:ext cx="0" cy="0"/>
+          <a:chOff x="0" y="0"/>
+          <a:chExt cx="0" cy="0"/>
+        </a:xfrm>
+      </p:grpSpPr>
+      <p:sp>
+        <p:nvSpPr>
+          <p:cNvPr id="2" name="タイトル 1"/>
+          <p:cNvSpPr>
+            <a:spLocks noGrp="1"/>
+          </p:cNvSpPr>
+          <p:nvPr>
+            <p:ph type="title"/>
+          </p:nvPr>
+        </p:nvSpPr>
+        <p:spPr/>
+        <p:txBody>
+          <a:bodyPr/>
+          <a:lstStyle/>
+          <a:p>
+            <a:r>
+              <a:rPr lang="ja-JP" altLang="en-US" dirty="0"/>
+              <a:t>正誤</a:t>
+            </a:r>
+            <a:r>
+              <a:rPr lang="ja-JP" altLang="en-US" dirty="0" smtClean="0"/>
+              <a:t>を判定するプログラム</a:t>
+            </a:r>
+            <a:endParaRPr kumimoji="1" lang="ja-JP" altLang="en-US" dirty="0"/>
+          </a:p>
+        </p:txBody>
+      </p:sp>
+      <p:sp>
+        <p:nvSpPr>
+          <p:cNvPr id="3" name="コンテンツ プレースホルダー 2"/>
+          <p:cNvSpPr>
+            <a:spLocks noGrp="1"/>
+          </p:cNvSpPr>
+          <p:nvPr>
+            <p:ph idx="1"/>
+          </p:nvPr>
+        </p:nvSpPr>
+        <p:spPr/>
+        <p:txBody>
+          <a:bodyPr/>
+          <a:lstStyle/>
+          <a:p>
+            <a:r>
+              <a:rPr kumimoji="1" lang="ja-JP" altLang="en-US" dirty="0" smtClean="0"/>
+              <a:t>事前に用意した解答例と、</a:t>
+            </a:r>
+            <a:r>
+              <a:rPr kumimoji="1" lang="en-US" altLang="ja-JP" dirty="0" err="1" smtClean="0"/>
+              <a:t>Generater</a:t>
+            </a:r>
+            <a:r>
+              <a:rPr kumimoji="1" lang="ja-JP" altLang="en-US" dirty="0" smtClean="0"/>
+              <a:t>によって作成されたコードが等しいかどうか（完全一致）を判定するサンプルプログラムを作成した</a:t>
+            </a:r>
+            <a:endParaRPr kumimoji="1" lang="en-US" altLang="ja-JP" dirty="0" smtClean="0"/>
+          </a:p>
+          <a:p>
+            <a:endParaRPr kumimoji="1" lang="ja-JP" altLang="en-US" dirty="0"/>
+          </a:p>
+        </p:txBody>
+      </p:sp>
+      <p:sp>
+        <p:nvSpPr>
+          <p:cNvPr id="4" name="スライド番号プレースホルダー 3"/>
+          <p:cNvSpPr>
+            <a:spLocks noGrp="1"/>
+          </p:cNvSpPr>
+          <p:nvPr>
+            <p:ph type="sldNum" sz="quarter" idx="12"/>
+          </p:nvPr>
+        </p:nvSpPr>
+        <p:spPr/>
+        <p:txBody>
+          <a:bodyPr/>
+          <a:lstStyle/>
+          <a:p>
+            <a:fld id="{4A32CB03-0843-4AF8-BFB2-C9917854BC7E}" type="slidenum">
+              <a:rPr kumimoji="1" lang="ja-JP" altLang="en-US" smtClean="0"/>
+              <a:t>19</a:t>
+            </a:fld>
+            <a:endParaRPr kumimoji="1" lang="ja-JP" altLang="en-US"/>
+          </a:p>
+        </p:txBody>
+      </p:sp>
+    </p:spTree>
+    <p:extLst>
+      <p:ext uri="{BB962C8B-B14F-4D97-AF65-F5344CB8AC3E}">
+        <p14:creationId xmlns:p14="http://schemas.microsoft.com/office/powerpoint/2010/main" val="2287831747"/>
       </p:ext>
     </p:extLst>
   </p:cSld>
@@ -4193,64 +5353,696 @@
             <a:spLocks noGrp="1"/>
           </p:cNvSpPr>
           <p:nvPr>
-            <p:ph type="ctrTitle"/>
-          </p:nvPr>
-        </p:nvSpPr>
-        <p:spPr/>
-        <p:txBody>
-          <a:bodyPr>
-            <a:normAutofit/>
-          </a:bodyPr>
+            <p:ph type="title"/>
+          </p:nvPr>
+        </p:nvSpPr>
+        <p:spPr/>
+        <p:txBody>
+          <a:bodyPr/>
+          <a:lstStyle/>
+          <a:p>
+            <a:r>
+              <a:rPr lang="ja-JP" altLang="en-US" dirty="0" smtClean="0"/>
+              <a:t>今週の進捗</a:t>
+            </a:r>
+            <a:endParaRPr kumimoji="1" lang="ja-JP" altLang="en-US" dirty="0"/>
+          </a:p>
+        </p:txBody>
+      </p:sp>
+      <p:sp>
+        <p:nvSpPr>
+          <p:cNvPr id="3" name="コンテンツ プレースホルダー 2"/>
+          <p:cNvSpPr>
+            <a:spLocks noGrp="1"/>
+          </p:cNvSpPr>
+          <p:nvPr>
+            <p:ph idx="1"/>
+          </p:nvPr>
+        </p:nvSpPr>
+        <p:spPr/>
+        <p:txBody>
+          <a:bodyPr/>
           <a:lstStyle/>
           <a:p>
             <a:r>
               <a:rPr kumimoji="1" lang="ja-JP" altLang="en-US" dirty="0" smtClean="0"/>
-              <a:t>案</a:t>
-            </a:r>
-            <a:r>
-              <a:rPr kumimoji="1" lang="en-US" altLang="ja-JP" dirty="0" smtClean="0"/>
-              <a:t>Ⅰ</a:t>
-            </a:r>
+              <a:t>問題を穴あき？ に変更するプログラムを作成した</a:t>
+            </a:r>
+            <a:endParaRPr kumimoji="1" lang="en-US" altLang="ja-JP" dirty="0" smtClean="0"/>
+          </a:p>
+          <a:p>
+            <a:r>
+              <a:rPr lang="ja-JP" altLang="en-US" dirty="0"/>
+              <a:t>しかし</a:t>
+            </a:r>
+            <a:r>
+              <a:rPr lang="ja-JP" altLang="en-US" dirty="0" smtClean="0"/>
+              <a:t>、問題点があり、このままでは使えないため、来週はこの問題点を解決したい</a:t>
+            </a:r>
+            <a:endParaRPr kumimoji="1" lang="en-US" altLang="ja-JP" dirty="0" smtClean="0"/>
+          </a:p>
+          <a:p>
+            <a:pPr marL="0" indent="0">
+              <a:buNone/>
+            </a:pPr>
+            <a:endParaRPr kumimoji="1" lang="en-US" altLang="ja-JP" dirty="0" smtClean="0"/>
+          </a:p>
+        </p:txBody>
+      </p:sp>
+      <p:sp>
+        <p:nvSpPr>
+          <p:cNvPr id="4" name="スライド番号プレースホルダー 3"/>
+          <p:cNvSpPr>
+            <a:spLocks noGrp="1"/>
+          </p:cNvSpPr>
+          <p:nvPr>
+            <p:ph type="sldNum" sz="quarter" idx="12"/>
+          </p:nvPr>
+        </p:nvSpPr>
+        <p:spPr/>
+        <p:txBody>
+          <a:bodyPr/>
+          <a:lstStyle/>
+          <a:p>
+            <a:fld id="{4A32CB03-0843-4AF8-BFB2-C9917854BC7E}" type="slidenum">
+              <a:rPr kumimoji="1" lang="ja-JP" altLang="en-US" sz="2800" smtClean="0"/>
+              <a:t>2</a:t>
+            </a:fld>
             <a:endParaRPr kumimoji="1" lang="ja-JP" altLang="en-US" dirty="0"/>
-          </a:p>
-        </p:txBody>
-      </p:sp>
-      <p:sp>
-        <p:nvSpPr>
-          <p:cNvPr id="3" name="サブタイトル 2"/>
-          <p:cNvSpPr>
-            <a:spLocks noGrp="1"/>
-          </p:cNvSpPr>
-          <p:nvPr>
-            <p:ph type="subTitle" idx="1"/>
-          </p:nvPr>
-        </p:nvSpPr>
-        <p:spPr/>
-        <p:txBody>
-          <a:bodyPr/>
-          <a:lstStyle/>
-          <a:p>
-            <a:endParaRPr kumimoji="1" lang="ja-JP" altLang="en-US"/>
           </a:p>
         </p:txBody>
       </p:sp>
     </p:spTree>
     <p:extLst>
       <p:ext uri="{BB962C8B-B14F-4D97-AF65-F5344CB8AC3E}">
-        <p14:creationId xmlns:p14="http://schemas.microsoft.com/office/powerpoint/2010/main" val="340692987"/>
+        <p14:creationId xmlns:p14="http://schemas.microsoft.com/office/powerpoint/2010/main" val="3564727157"/>
       </p:ext>
     </p:extLst>
   </p:cSld>
   <p:clrMapOvr>
     <a:masterClrMapping/>
   </p:clrMapOvr>
-  <p:timing>
-    <p:tnLst>
-      <p:par>
-        <p:cTn id="1" dur="indefinite" restart="never" nodeType="tmRoot"/>
-      </p:par>
-    </p:tnLst>
-  </p:timing>
+</p:sld>
+</file>
+
+<file path=ppt/slides/slide20.xml><?xml version="1.0" encoding="utf-8"?>
+<p:sld xmlns:a="http://schemas.openxmlformats.org/drawingml/2006/main" xmlns:r="http://schemas.openxmlformats.org/officeDocument/2006/relationships" xmlns:p="http://schemas.openxmlformats.org/presentationml/2006/main">
+  <p:cSld>
+    <p:spTree>
+      <p:nvGrpSpPr>
+        <p:cNvPr id="1" name=""/>
+        <p:cNvGrpSpPr/>
+        <p:nvPr/>
+      </p:nvGrpSpPr>
+      <p:grpSpPr>
+        <a:xfrm>
+          <a:off x="0" y="0"/>
+          <a:ext cx="0" cy="0"/>
+          <a:chOff x="0" y="0"/>
+          <a:chExt cx="0" cy="0"/>
+        </a:xfrm>
+      </p:grpSpPr>
+      <p:sp>
+        <p:nvSpPr>
+          <p:cNvPr id="2" name="タイトル 1"/>
+          <p:cNvSpPr>
+            <a:spLocks noGrp="1"/>
+          </p:cNvSpPr>
+          <p:nvPr>
+            <p:ph type="title"/>
+          </p:nvPr>
+        </p:nvSpPr>
+        <p:spPr/>
+        <p:txBody>
+          <a:bodyPr/>
+          <a:lstStyle/>
+          <a:p>
+            <a:r>
+              <a:rPr lang="ja-JP" altLang="en-US" dirty="0"/>
+              <a:t>正誤</a:t>
+            </a:r>
+            <a:r>
+              <a:rPr lang="ja-JP" altLang="en-US" dirty="0" smtClean="0"/>
+              <a:t>判定</a:t>
+            </a:r>
+            <a:r>
+              <a:rPr kumimoji="1" lang="ja-JP" altLang="en-US" dirty="0" smtClean="0"/>
+              <a:t>デモ</a:t>
+            </a:r>
+            <a:endParaRPr kumimoji="1" lang="ja-JP" altLang="en-US" dirty="0"/>
+          </a:p>
+        </p:txBody>
+      </p:sp>
+      <p:sp>
+        <p:nvSpPr>
+          <p:cNvPr id="4" name="スライド番号プレースホルダー 3"/>
+          <p:cNvSpPr>
+            <a:spLocks noGrp="1"/>
+          </p:cNvSpPr>
+          <p:nvPr>
+            <p:ph type="sldNum" sz="quarter" idx="12"/>
+          </p:nvPr>
+        </p:nvSpPr>
+        <p:spPr/>
+        <p:txBody>
+          <a:bodyPr/>
+          <a:lstStyle/>
+          <a:p>
+            <a:fld id="{4A32CB03-0843-4AF8-BFB2-C9917854BC7E}" type="slidenum">
+              <a:rPr kumimoji="1" lang="ja-JP" altLang="en-US" smtClean="0"/>
+              <a:t>20</a:t>
+            </a:fld>
+            <a:endParaRPr kumimoji="1" lang="ja-JP" altLang="en-US"/>
+          </a:p>
+        </p:txBody>
+      </p:sp>
+      <p:pic>
+        <p:nvPicPr>
+          <p:cNvPr id="5" name="図 4"/>
+          <p:cNvPicPr>
+            <a:picLocks noChangeAspect="1"/>
+          </p:cNvPicPr>
+          <p:nvPr/>
+        </p:nvPicPr>
+        <p:blipFill>
+          <a:blip r:embed="rId2"/>
+          <a:stretch>
+            <a:fillRect/>
+          </a:stretch>
+        </p:blipFill>
+        <p:spPr>
+          <a:xfrm>
+            <a:off x="207586" y="2087744"/>
+            <a:ext cx="8844617" cy="4378340"/>
+          </a:xfrm>
+          <a:prstGeom prst="rect">
+            <a:avLst/>
+          </a:prstGeom>
+        </p:spPr>
+      </p:pic>
+    </p:spTree>
+    <p:extLst>
+      <p:ext uri="{BB962C8B-B14F-4D97-AF65-F5344CB8AC3E}">
+        <p14:creationId xmlns:p14="http://schemas.microsoft.com/office/powerpoint/2010/main" val="1473290671"/>
+      </p:ext>
+    </p:extLst>
+  </p:cSld>
+  <p:clrMapOvr>
+    <a:masterClrMapping/>
+  </p:clrMapOvr>
+</p:sld>
+</file>
+
+<file path=ppt/slides/slide21.xml><?xml version="1.0" encoding="utf-8"?>
+<p:sld xmlns:a="http://schemas.openxmlformats.org/drawingml/2006/main" xmlns:r="http://schemas.openxmlformats.org/officeDocument/2006/relationships" xmlns:p="http://schemas.openxmlformats.org/presentationml/2006/main">
+  <p:cSld>
+    <p:spTree>
+      <p:nvGrpSpPr>
+        <p:cNvPr id="1" name=""/>
+        <p:cNvGrpSpPr/>
+        <p:nvPr/>
+      </p:nvGrpSpPr>
+      <p:grpSpPr>
+        <a:xfrm>
+          <a:off x="0" y="0"/>
+          <a:ext cx="0" cy="0"/>
+          <a:chOff x="0" y="0"/>
+          <a:chExt cx="0" cy="0"/>
+        </a:xfrm>
+      </p:grpSpPr>
+      <p:sp>
+        <p:nvSpPr>
+          <p:cNvPr id="2" name="タイトル 1"/>
+          <p:cNvSpPr>
+            <a:spLocks noGrp="1"/>
+          </p:cNvSpPr>
+          <p:nvPr>
+            <p:ph type="title"/>
+          </p:nvPr>
+        </p:nvSpPr>
+        <p:spPr/>
+        <p:txBody>
+          <a:bodyPr/>
+          <a:lstStyle/>
+          <a:p>
+            <a:r>
+              <a:rPr kumimoji="1" lang="ja-JP" altLang="en-US" dirty="0" smtClean="0"/>
+              <a:t>穴あき問題を作成する</a:t>
+            </a:r>
+            <a:endParaRPr kumimoji="1" lang="ja-JP" altLang="en-US" dirty="0"/>
+          </a:p>
+        </p:txBody>
+      </p:sp>
+      <p:sp>
+        <p:nvSpPr>
+          <p:cNvPr id="3" name="コンテンツ プレースホルダー 2"/>
+          <p:cNvSpPr>
+            <a:spLocks noGrp="1"/>
+          </p:cNvSpPr>
+          <p:nvPr>
+            <p:ph idx="1"/>
+          </p:nvPr>
+        </p:nvSpPr>
+        <p:spPr/>
+        <p:txBody>
+          <a:bodyPr/>
+          <a:lstStyle/>
+          <a:p>
+            <a:endParaRPr kumimoji="1" lang="ja-JP" altLang="en-US" dirty="0"/>
+          </a:p>
+        </p:txBody>
+      </p:sp>
+      <p:sp>
+        <p:nvSpPr>
+          <p:cNvPr id="4" name="スライド番号プレースホルダー 3"/>
+          <p:cNvSpPr>
+            <a:spLocks noGrp="1"/>
+          </p:cNvSpPr>
+          <p:nvPr>
+            <p:ph type="sldNum" sz="quarter" idx="12"/>
+          </p:nvPr>
+        </p:nvSpPr>
+        <p:spPr/>
+        <p:txBody>
+          <a:bodyPr/>
+          <a:lstStyle/>
+          <a:p>
+            <a:fld id="{4A32CB03-0843-4AF8-BFB2-C9917854BC7E}" type="slidenum">
+              <a:rPr kumimoji="1" lang="ja-JP" altLang="en-US" smtClean="0"/>
+              <a:t>21</a:t>
+            </a:fld>
+            <a:endParaRPr kumimoji="1" lang="ja-JP" altLang="en-US"/>
+          </a:p>
+        </p:txBody>
+      </p:sp>
+      <p:pic>
+        <p:nvPicPr>
+          <p:cNvPr id="5" name="図 4"/>
+          <p:cNvPicPr>
+            <a:picLocks noChangeAspect="1"/>
+          </p:cNvPicPr>
+          <p:nvPr/>
+        </p:nvPicPr>
+        <p:blipFill>
+          <a:blip r:embed="rId2"/>
+          <a:stretch>
+            <a:fillRect/>
+          </a:stretch>
+        </p:blipFill>
+        <p:spPr>
+          <a:xfrm>
+            <a:off x="472810" y="1825625"/>
+            <a:ext cx="8612668" cy="4243402"/>
+          </a:xfrm>
+          <a:prstGeom prst="rect">
+            <a:avLst/>
+          </a:prstGeom>
+        </p:spPr>
+      </p:pic>
+    </p:spTree>
+    <p:extLst>
+      <p:ext uri="{BB962C8B-B14F-4D97-AF65-F5344CB8AC3E}">
+        <p14:creationId xmlns:p14="http://schemas.microsoft.com/office/powerpoint/2010/main" val="4017269996"/>
+      </p:ext>
+    </p:extLst>
+  </p:cSld>
+  <p:clrMapOvr>
+    <a:masterClrMapping/>
+  </p:clrMapOvr>
+</p:sld>
+</file>
+
+<file path=ppt/slides/slide22.xml><?xml version="1.0" encoding="utf-8"?>
+<p:sld xmlns:a="http://schemas.openxmlformats.org/drawingml/2006/main" xmlns:r="http://schemas.openxmlformats.org/officeDocument/2006/relationships" xmlns:p="http://schemas.openxmlformats.org/presentationml/2006/main">
+  <p:cSld>
+    <p:spTree>
+      <p:nvGrpSpPr>
+        <p:cNvPr id="1" name=""/>
+        <p:cNvGrpSpPr/>
+        <p:nvPr/>
+      </p:nvGrpSpPr>
+      <p:grpSpPr>
+        <a:xfrm>
+          <a:off x="0" y="0"/>
+          <a:ext cx="0" cy="0"/>
+          <a:chOff x="0" y="0"/>
+          <a:chExt cx="0" cy="0"/>
+        </a:xfrm>
+      </p:grpSpPr>
+      <p:sp>
+        <p:nvSpPr>
+          <p:cNvPr id="2" name="タイトル 1"/>
+          <p:cNvSpPr>
+            <a:spLocks noGrp="1"/>
+          </p:cNvSpPr>
+          <p:nvPr>
+            <p:ph type="title"/>
+          </p:nvPr>
+        </p:nvSpPr>
+        <p:spPr/>
+        <p:txBody>
+          <a:bodyPr/>
+          <a:lstStyle/>
+          <a:p>
+            <a:r>
+              <a:rPr kumimoji="1" lang="ja-JP" altLang="en-US" dirty="0" smtClean="0"/>
+              <a:t>穴あき問題の作成</a:t>
+            </a:r>
+            <a:endParaRPr kumimoji="1" lang="ja-JP" altLang="en-US" dirty="0"/>
+          </a:p>
+        </p:txBody>
+      </p:sp>
+      <p:sp>
+        <p:nvSpPr>
+          <p:cNvPr id="3" name="コンテンツ プレースホルダー 2"/>
+          <p:cNvSpPr>
+            <a:spLocks noGrp="1"/>
+          </p:cNvSpPr>
+          <p:nvPr>
+            <p:ph idx="1"/>
+          </p:nvPr>
+        </p:nvSpPr>
+        <p:spPr/>
+        <p:txBody>
+          <a:bodyPr/>
+          <a:lstStyle/>
+          <a:p>
+            <a:r>
+              <a:rPr lang="ja-JP" altLang="en-US" dirty="0" smtClean="0"/>
+              <a:t>画面（</a:t>
+            </a:r>
+            <a:r>
+              <a:rPr lang="en-US" altLang="ja-JP" dirty="0" smtClean="0"/>
+              <a:t>7/9</a:t>
+            </a:r>
+            <a:r>
+              <a:rPr lang="ja-JP" altLang="en-US" dirty="0" smtClean="0"/>
+              <a:t>時点）の</a:t>
+            </a:r>
+            <a:r>
+              <a:rPr lang="en-US" altLang="ja-JP" dirty="0" smtClean="0"/>
+              <a:t>question2</a:t>
+            </a:r>
+            <a:r>
+              <a:rPr lang="ja-JP" altLang="en-US" dirty="0" smtClean="0"/>
+              <a:t>のボタンを押すとランダムで一か所を隠す</a:t>
+            </a:r>
+            <a:endParaRPr lang="en-US" altLang="ja-JP" dirty="0" smtClean="0"/>
+          </a:p>
+          <a:p>
+            <a:r>
+              <a:rPr lang="ja-JP" altLang="en-US" dirty="0"/>
+              <a:t>複</a:t>
+            </a:r>
+            <a:r>
+              <a:rPr lang="ja-JP" altLang="en-US" dirty="0" smtClean="0"/>
+              <a:t>数回押した場合は場所が変わる（隠れる場所は一か所）</a:t>
+            </a:r>
+            <a:endParaRPr lang="en-US" altLang="ja-JP" dirty="0" smtClean="0"/>
+          </a:p>
+          <a:p>
+            <a:r>
+              <a:rPr lang="ja-JP" altLang="en-US" dirty="0"/>
+              <a:t>これ</a:t>
+            </a:r>
+            <a:r>
+              <a:rPr lang="ja-JP" altLang="en-US" dirty="0" smtClean="0"/>
+              <a:t>はプログラムを変えれば複数個所を隠すことも可能</a:t>
+            </a:r>
+            <a:endParaRPr lang="en-US" altLang="ja-JP" dirty="0" smtClean="0"/>
+          </a:p>
+          <a:p>
+            <a:r>
+              <a:rPr lang="en-US" altLang="ja-JP" dirty="0" smtClean="0"/>
+              <a:t>Question1</a:t>
+            </a:r>
+            <a:r>
+              <a:rPr lang="ja-JP" altLang="en-US" dirty="0" smtClean="0"/>
+              <a:t>のボタンを押すと隠れていない状態のコードを表示</a:t>
+            </a:r>
+            <a:endParaRPr lang="en-US" altLang="ja-JP" dirty="0" smtClean="0"/>
+          </a:p>
+        </p:txBody>
+      </p:sp>
+      <p:sp>
+        <p:nvSpPr>
+          <p:cNvPr id="4" name="スライド番号プレースホルダー 3"/>
+          <p:cNvSpPr>
+            <a:spLocks noGrp="1"/>
+          </p:cNvSpPr>
+          <p:nvPr>
+            <p:ph type="sldNum" sz="quarter" idx="12"/>
+          </p:nvPr>
+        </p:nvSpPr>
+        <p:spPr/>
+        <p:txBody>
+          <a:bodyPr/>
+          <a:lstStyle/>
+          <a:p>
+            <a:fld id="{4A32CB03-0843-4AF8-BFB2-C9917854BC7E}" type="slidenum">
+              <a:rPr kumimoji="1" lang="ja-JP" altLang="en-US" smtClean="0"/>
+              <a:t>22</a:t>
+            </a:fld>
+            <a:endParaRPr kumimoji="1" lang="ja-JP" altLang="en-US"/>
+          </a:p>
+        </p:txBody>
+      </p:sp>
+    </p:spTree>
+    <p:extLst>
+      <p:ext uri="{BB962C8B-B14F-4D97-AF65-F5344CB8AC3E}">
+        <p14:creationId xmlns:p14="http://schemas.microsoft.com/office/powerpoint/2010/main" val="755709697"/>
+      </p:ext>
+    </p:extLst>
+  </p:cSld>
+  <p:clrMapOvr>
+    <a:masterClrMapping/>
+  </p:clrMapOvr>
+</p:sld>
+</file>
+
+<file path=ppt/slides/slide23.xml><?xml version="1.0" encoding="utf-8"?>
+<p:sld xmlns:a="http://schemas.openxmlformats.org/drawingml/2006/main" xmlns:r="http://schemas.openxmlformats.org/officeDocument/2006/relationships" xmlns:p="http://schemas.openxmlformats.org/presentationml/2006/main">
+  <p:cSld>
+    <p:spTree>
+      <p:nvGrpSpPr>
+        <p:cNvPr id="1" name=""/>
+        <p:cNvGrpSpPr/>
+        <p:nvPr/>
+      </p:nvGrpSpPr>
+      <p:grpSpPr>
+        <a:xfrm>
+          <a:off x="0" y="0"/>
+          <a:ext cx="0" cy="0"/>
+          <a:chOff x="0" y="0"/>
+          <a:chExt cx="0" cy="0"/>
+        </a:xfrm>
+      </p:grpSpPr>
+      <p:sp>
+        <p:nvSpPr>
+          <p:cNvPr id="2" name="タイトル 1"/>
+          <p:cNvSpPr>
+            <a:spLocks noGrp="1"/>
+          </p:cNvSpPr>
+          <p:nvPr>
+            <p:ph type="title"/>
+          </p:nvPr>
+        </p:nvSpPr>
+        <p:spPr/>
+        <p:txBody>
+          <a:bodyPr/>
+          <a:lstStyle/>
+          <a:p>
+            <a:r>
+              <a:rPr kumimoji="1" lang="ja-JP" altLang="en-US" dirty="0" smtClean="0"/>
+              <a:t>穴あき問題作成の問題点</a:t>
+            </a:r>
+            <a:endParaRPr kumimoji="1" lang="ja-JP" altLang="en-US" dirty="0"/>
+          </a:p>
+        </p:txBody>
+      </p:sp>
+      <p:sp>
+        <p:nvSpPr>
+          <p:cNvPr id="3" name="コンテンツ プレースホルダー 2"/>
+          <p:cNvSpPr>
+            <a:spLocks noGrp="1"/>
+          </p:cNvSpPr>
+          <p:nvPr>
+            <p:ph idx="1"/>
+          </p:nvPr>
+        </p:nvSpPr>
+        <p:spPr>
+          <a:xfrm>
+            <a:off x="628650" y="1825625"/>
+            <a:ext cx="8135024" cy="4351338"/>
+          </a:xfrm>
+        </p:spPr>
+        <p:txBody>
+          <a:bodyPr>
+            <a:normAutofit fontScale="85000" lnSpcReduction="20000"/>
+          </a:bodyPr>
+          <a:lstStyle/>
+          <a:p>
+            <a:pPr marL="0" indent="0">
+              <a:buNone/>
+            </a:pPr>
+            <a:r>
+              <a:rPr lang="ja-JP" altLang="en-US" dirty="0"/>
+              <a:t>現在の問題点：</a:t>
+            </a:r>
+          </a:p>
+          <a:p>
+            <a:pPr marL="0" indent="0">
+              <a:buNone/>
+            </a:pPr>
+            <a:r>
+              <a:rPr lang="ja-JP" altLang="en-US" dirty="0" smtClean="0"/>
+              <a:t>    現在</a:t>
+            </a:r>
+            <a:r>
+              <a:rPr lang="ja-JP" altLang="en-US" dirty="0"/>
+              <a:t>半角スペースを区切り文字として文字列を配列に変換している関係上、改行では区切られない</a:t>
+            </a:r>
+          </a:p>
+          <a:p>
+            <a:pPr marL="0" indent="0">
+              <a:buNone/>
+            </a:pPr>
+            <a:r>
+              <a:rPr lang="ja-JP" altLang="en-US" dirty="0"/>
+              <a:t>    →例えば</a:t>
+            </a:r>
+            <a:r>
+              <a:rPr lang="en-US" altLang="ja-JP" dirty="0"/>
+              <a:t>else:</a:t>
+            </a:r>
+            <a:r>
+              <a:rPr lang="ja-JP" altLang="en-US" dirty="0"/>
+              <a:t>などの次に改行し、次の行で書き始めた最後の単語までを一つとして分かれている</a:t>
+            </a:r>
+          </a:p>
+          <a:p>
+            <a:pPr marL="0" indent="0">
+              <a:buNone/>
+            </a:pPr>
+            <a:r>
+              <a:rPr lang="ja-JP" altLang="en-US" dirty="0"/>
+              <a:t>    →改行を区切り文字として含めるとインデントが消える</a:t>
+            </a:r>
+          </a:p>
+          <a:p>
+            <a:pPr marL="0" indent="0">
+              <a:buNone/>
+            </a:pPr>
+            <a:r>
+              <a:rPr lang="ja-JP" altLang="en-US" dirty="0"/>
+              <a:t>    </a:t>
+            </a:r>
+            <a:r>
+              <a:rPr lang="en-US" altLang="ja-JP" dirty="0"/>
+              <a:t>print()</a:t>
+            </a:r>
+            <a:r>
+              <a:rPr lang="ja-JP" altLang="en-US" dirty="0" err="1"/>
+              <a:t>のように</a:t>
+            </a:r>
+            <a:r>
+              <a:rPr lang="ja-JP" altLang="en-US" dirty="0"/>
+              <a:t>関数が含まれる場合に、</a:t>
+            </a:r>
+            <a:r>
+              <a:rPr lang="en-US" altLang="ja-JP" dirty="0"/>
+              <a:t>print("hello world")</a:t>
+            </a:r>
+            <a:r>
+              <a:rPr lang="ja-JP" altLang="en-US" dirty="0"/>
+              <a:t>の”</a:t>
+            </a:r>
+            <a:r>
+              <a:rPr lang="en-US" altLang="ja-JP" dirty="0"/>
+              <a:t>print("hello”</a:t>
+            </a:r>
+            <a:r>
+              <a:rPr lang="ja-JP" altLang="en-US" dirty="0" err="1"/>
+              <a:t>までを</a:t>
+            </a:r>
+            <a:r>
+              <a:rPr lang="ja-JP" altLang="en-US" dirty="0"/>
+              <a:t>単語として認識している</a:t>
+            </a:r>
+          </a:p>
+          <a:p>
+            <a:pPr marL="0" indent="0">
+              <a:buNone/>
+            </a:pPr>
+            <a:r>
+              <a:rPr lang="ja-JP" altLang="en-US" dirty="0"/>
+              <a:t>    →穴埋めを生成するにあたって、</a:t>
+            </a:r>
+            <a:r>
+              <a:rPr lang="en-US" altLang="ja-JP" dirty="0"/>
+              <a:t>()</a:t>
+            </a:r>
+            <a:r>
+              <a:rPr lang="ja-JP" altLang="en-US" dirty="0"/>
+              <a:t>などを認識して区切りたい</a:t>
+            </a:r>
+          </a:p>
+          <a:p>
+            <a:pPr marL="0" indent="0">
+              <a:buNone/>
+            </a:pPr>
+            <a:r>
+              <a:rPr lang="ja-JP" altLang="en-US" dirty="0"/>
+              <a:t>    →（）は配列（文章）に</a:t>
+            </a:r>
+            <a:r>
+              <a:rPr lang="ja-JP" altLang="en-US"/>
+              <a:t>残して</a:t>
+            </a:r>
+            <a:r>
+              <a:rPr lang="ja-JP" altLang="en-US" smtClean="0"/>
+              <a:t>おきたい</a:t>
+            </a:r>
+            <a:endParaRPr lang="ja-JP" altLang="en-US" dirty="0"/>
+          </a:p>
+          <a:p>
+            <a:endParaRPr kumimoji="1" lang="ja-JP" altLang="en-US" dirty="0"/>
+          </a:p>
+        </p:txBody>
+      </p:sp>
+      <p:sp>
+        <p:nvSpPr>
+          <p:cNvPr id="4" name="スライド番号プレースホルダー 3"/>
+          <p:cNvSpPr>
+            <a:spLocks noGrp="1"/>
+          </p:cNvSpPr>
+          <p:nvPr>
+            <p:ph type="sldNum" sz="quarter" idx="12"/>
+          </p:nvPr>
+        </p:nvSpPr>
+        <p:spPr/>
+        <p:txBody>
+          <a:bodyPr/>
+          <a:lstStyle/>
+          <a:p>
+            <a:fld id="{4A32CB03-0843-4AF8-BFB2-C9917854BC7E}" type="slidenum">
+              <a:rPr kumimoji="1" lang="ja-JP" altLang="en-US" smtClean="0"/>
+              <a:t>23</a:t>
+            </a:fld>
+            <a:endParaRPr kumimoji="1" lang="ja-JP" altLang="en-US"/>
+          </a:p>
+        </p:txBody>
+      </p:sp>
+    </p:spTree>
+    <p:extLst>
+      <p:ext uri="{BB962C8B-B14F-4D97-AF65-F5344CB8AC3E}">
+        <p14:creationId xmlns:p14="http://schemas.microsoft.com/office/powerpoint/2010/main" val="2927240973"/>
+      </p:ext>
+    </p:extLst>
+  </p:cSld>
+  <p:clrMapOvr>
+    <a:masterClrMapping/>
+  </p:clrMapOvr>
 </p:sld>
 </file>
 
@@ -4288,7 +6080,7 @@
           <a:p>
             <a:r>
               <a:rPr kumimoji="1" lang="ja-JP" altLang="en-US" dirty="0" smtClean="0"/>
-              <a:t>概要</a:t>
+              <a:t>ブロックプログラミングとは何か</a:t>
             </a:r>
             <a:endParaRPr kumimoji="1" lang="ja-JP" altLang="en-US" dirty="0"/>
           </a:p>
@@ -4296,157 +6088,98 @@
       </p:sp>
       <p:sp>
         <p:nvSpPr>
-          <p:cNvPr id="3" name="コンテンツ プレースホルダー 2"/>
-          <p:cNvSpPr>
-            <a:spLocks noGrp="1"/>
-          </p:cNvSpPr>
-          <p:nvPr>
-            <p:ph idx="1"/>
-          </p:nvPr>
-        </p:nvSpPr>
-        <p:spPr/>
-        <p:txBody>
-          <a:bodyPr>
-            <a:normAutofit fontScale="77500" lnSpcReduction="20000"/>
+          <p:cNvPr id="4" name="スライド番号プレースホルダー 3"/>
+          <p:cNvSpPr>
+            <a:spLocks noGrp="1"/>
+          </p:cNvSpPr>
+          <p:nvPr>
+            <p:ph type="sldNum" sz="quarter" idx="12"/>
+          </p:nvPr>
+        </p:nvSpPr>
+        <p:spPr/>
+        <p:txBody>
+          <a:bodyPr/>
+          <a:lstStyle/>
+          <a:p>
+            <a:fld id="{4A32CB03-0843-4AF8-BFB2-C9917854BC7E}" type="slidenum">
+              <a:rPr kumimoji="1" lang="ja-JP" altLang="en-US" sz="2400" smtClean="0"/>
+              <a:t>3</a:t>
+            </a:fld>
+            <a:endParaRPr kumimoji="1" lang="ja-JP" altLang="en-US" sz="2400" dirty="0"/>
+          </a:p>
+        </p:txBody>
+      </p:sp>
+      <p:pic>
+        <p:nvPicPr>
+          <p:cNvPr id="6" name="図 5"/>
+          <p:cNvPicPr>
+            <a:picLocks noChangeAspect="1"/>
+          </p:cNvPicPr>
+          <p:nvPr/>
+        </p:nvPicPr>
+        <p:blipFill>
+          <a:blip r:embed="rId2"/>
+          <a:stretch>
+            <a:fillRect/>
+          </a:stretch>
+        </p:blipFill>
+        <p:spPr>
+          <a:xfrm>
+            <a:off x="1169330" y="2592109"/>
+            <a:ext cx="6929652" cy="3860449"/>
+          </a:xfrm>
+          <a:prstGeom prst="rect">
+            <a:avLst/>
+          </a:prstGeom>
+        </p:spPr>
+      </p:pic>
+      <p:sp>
+        <p:nvSpPr>
+          <p:cNvPr id="7" name="テキスト ボックス 6"/>
+          <p:cNvSpPr txBox="1"/>
+          <p:nvPr/>
+        </p:nvSpPr>
+        <p:spPr>
+          <a:xfrm>
+            <a:off x="751959" y="1980429"/>
+            <a:ext cx="8392041" cy="707886"/>
+          </a:xfrm>
+          <a:prstGeom prst="rect">
+            <a:avLst/>
+          </a:prstGeom>
+          <a:noFill/>
+        </p:spPr>
+        <p:txBody>
+          <a:bodyPr wrap="none" rtlCol="0">
+            <a:spAutoFit/>
           </a:bodyPr>
           <a:lstStyle/>
           <a:p>
             <a:r>
-              <a:rPr lang="ja-JP" altLang="en-US" dirty="0" smtClean="0"/>
-              <a:t>じゃんけんをする人口無能または人工知能を作成する</a:t>
-            </a:r>
-            <a:endParaRPr lang="en-US" altLang="ja-JP" dirty="0" smtClean="0"/>
-          </a:p>
-          <a:p>
-            <a:pPr marL="0" indent="0">
-              <a:buNone/>
-            </a:pPr>
-            <a:r>
-              <a:rPr lang="ja-JP" altLang="en-US" dirty="0" smtClean="0"/>
-              <a:t>　・発展してオセロなど</a:t>
-            </a:r>
-            <a:endParaRPr lang="ja-JP" altLang="en-US" dirty="0"/>
-          </a:p>
-          <a:p>
-            <a:endParaRPr lang="ja-JP" altLang="en-US" dirty="0"/>
-          </a:p>
-          <a:p>
-            <a:r>
-              <a:rPr lang="ja-JP" altLang="en-US" dirty="0" smtClean="0"/>
-              <a:t>対人戦</a:t>
-            </a:r>
-            <a:endParaRPr lang="ja-JP" altLang="en-US" dirty="0"/>
-          </a:p>
-          <a:p>
-            <a:r>
-              <a:rPr lang="ja-JP" altLang="en-US" dirty="0"/>
-              <a:t>　→可能であれば</a:t>
-            </a:r>
-            <a:r>
-              <a:rPr lang="en-US" altLang="ja-JP" dirty="0"/>
-              <a:t>UI</a:t>
-            </a:r>
-            <a:r>
-              <a:rPr lang="ja-JP" altLang="en-US" dirty="0"/>
-              <a:t>ブラウザは</a:t>
-            </a:r>
-            <a:r>
-              <a:rPr lang="en-US" altLang="ja-JP" dirty="0"/>
-              <a:t>WEB</a:t>
-            </a:r>
-            <a:r>
-              <a:rPr lang="ja-JP" altLang="en-US" dirty="0"/>
-              <a:t>上で完結</a:t>
-            </a:r>
-          </a:p>
-          <a:p>
-            <a:r>
-              <a:rPr lang="ja-JP" altLang="en-US" dirty="0"/>
-              <a:t>　→小学校などはアプリのインストールなどは規制がかかる可能性</a:t>
-            </a:r>
-          </a:p>
-          <a:p>
-            <a:r>
-              <a:rPr lang="ja-JP" altLang="en-US" dirty="0" smtClean="0"/>
-              <a:t>戦績</a:t>
-            </a:r>
-            <a:r>
-              <a:rPr lang="ja-JP" altLang="en-US" dirty="0"/>
-              <a:t>を記録する</a:t>
-            </a:r>
-          </a:p>
-          <a:p>
-            <a:r>
-              <a:rPr lang="ja-JP" altLang="en-US" dirty="0"/>
-              <a:t>　→データベース</a:t>
-            </a:r>
-          </a:p>
-          <a:p>
-            <a:r>
-              <a:rPr lang="ja-JP" altLang="en-US" dirty="0" smtClean="0"/>
-              <a:t>何</a:t>
-            </a:r>
-            <a:r>
-              <a:rPr lang="ja-JP" altLang="en-US" dirty="0"/>
-              <a:t>か戦略的な方式を考えさせる、その戦略をプログラムに落とし込ませる</a:t>
-            </a:r>
-          </a:p>
-          <a:p>
-            <a:r>
-              <a:rPr lang="ja-JP" altLang="en-US" dirty="0"/>
-              <a:t>　</a:t>
-            </a:r>
-            <a:r>
-              <a:rPr lang="ja-JP" altLang="en-US" dirty="0" smtClean="0"/>
-              <a:t>ブロックプログラミング</a:t>
-            </a:r>
-            <a:endParaRPr lang="ja-JP" altLang="en-US" dirty="0"/>
-          </a:p>
-          <a:p>
-            <a:r>
-              <a:rPr lang="ja-JP" altLang="en-US" dirty="0"/>
-              <a:t>　</a:t>
-            </a:r>
-            <a:r>
-              <a:rPr lang="ja-JP" altLang="en-US" dirty="0" smtClean="0"/>
-              <a:t>プログラミング</a:t>
-            </a:r>
-            <a:endParaRPr lang="ja-JP" altLang="en-US" dirty="0"/>
-          </a:p>
-          <a:p>
-            <a:r>
-              <a:rPr lang="ja-JP" altLang="en-US" dirty="0"/>
-              <a:t>　→社会貢献</a:t>
-            </a:r>
-          </a:p>
-          <a:p>
-            <a:endParaRPr lang="ja-JP" altLang="en-US" dirty="0"/>
-          </a:p>
-          <a:p>
-            <a:endParaRPr lang="ja-JP" altLang="en-US" dirty="0"/>
-          </a:p>
-          <a:p>
-            <a:endParaRPr kumimoji="1" lang="ja-JP" altLang="en-US" dirty="0"/>
+              <a:rPr kumimoji="1" lang="ja-JP" altLang="en-US" sz="2000" dirty="0" smtClean="0"/>
+              <a:t>ビジュアルプログラミングとも呼ばれる</a:t>
+            </a:r>
+            <a:endParaRPr kumimoji="1" lang="en-US" altLang="ja-JP" sz="2000" dirty="0" smtClean="0"/>
+          </a:p>
+          <a:p>
+            <a:r>
+              <a:rPr kumimoji="1" lang="ja-JP" altLang="en-US" sz="2000" dirty="0" smtClean="0"/>
+              <a:t>命令を埋め込まれたブロックを組み合わせるプログラミング手法のこと</a:t>
+            </a:r>
+            <a:endParaRPr kumimoji="1" lang="ja-JP" altLang="en-US" sz="2000" dirty="0"/>
           </a:p>
         </p:txBody>
       </p:sp>
     </p:spTree>
     <p:extLst>
       <p:ext uri="{BB962C8B-B14F-4D97-AF65-F5344CB8AC3E}">
-        <p14:creationId xmlns:p14="http://schemas.microsoft.com/office/powerpoint/2010/main" val="2719996926"/>
+        <p14:creationId xmlns:p14="http://schemas.microsoft.com/office/powerpoint/2010/main" val="1081448831"/>
       </p:ext>
     </p:extLst>
   </p:cSld>
   <p:clrMapOvr>
     <a:masterClrMapping/>
   </p:clrMapOvr>
-  <p:timing>
-    <p:tnLst>
-      <p:par>
-        <p:cTn id="1" dur="indefinite" restart="never" nodeType="tmRoot"/>
-      </p:par>
-    </p:tnLst>
-  </p:timing>
 </p:sld>
 </file>
 
@@ -4484,7 +6217,7 @@
           <a:p>
             <a:r>
               <a:rPr kumimoji="1" lang="ja-JP" altLang="en-US" dirty="0" smtClean="0"/>
-              <a:t>概要</a:t>
+              <a:t>研究背景</a:t>
             </a:r>
             <a:endParaRPr kumimoji="1" lang="ja-JP" altLang="en-US" dirty="0"/>
           </a:p>
@@ -4505,54 +6238,55 @@
           <a:bodyPr/>
           <a:lstStyle/>
           <a:p>
-            <a:endParaRPr lang="ja-JP" altLang="en-US" dirty="0" smtClean="0"/>
-          </a:p>
-          <a:p>
             <a:r>
               <a:rPr lang="ja-JP" altLang="en-US" dirty="0" smtClean="0"/>
-              <a:t>必修となるプログラミングに慣れるために、小学生から高校生までをメインターゲット</a:t>
-            </a:r>
-          </a:p>
-          <a:p>
+              <a:t>必修化</a:t>
+            </a:r>
+            <a:r>
+              <a:rPr lang="ja-JP" altLang="en-US" dirty="0"/>
+              <a:t>となって</a:t>
+            </a:r>
             <a:r>
               <a:rPr lang="ja-JP" altLang="en-US" dirty="0" smtClean="0"/>
-              <a:t>基礎となる形をいくつか用意</a:t>
-            </a:r>
-          </a:p>
-          <a:p>
-            <a:r>
-              <a:rPr lang="ja-JP" altLang="en-US" dirty="0" smtClean="0"/>
-              <a:t>それを組み合わせることでも対戦可能（？）</a:t>
-            </a:r>
-          </a:p>
-          <a:p>
-            <a:r>
-              <a:rPr lang="ja-JP" altLang="en-US" dirty="0" smtClean="0"/>
-              <a:t>個人で戦略を考える能力、それを形にする能力を養う</a:t>
-            </a:r>
-          </a:p>
-          <a:p>
-            <a:endParaRPr kumimoji="1" lang="ja-JP" altLang="en-US" dirty="0"/>
+              <a:t>いくプログラミングについて、中高生が勉強するために、教科書を読むだけでは難しい方が考えられる。そのような方が実際にプログラミングに触れてみれるような環境を作成したい</a:t>
+            </a:r>
+            <a:endParaRPr lang="en-US" altLang="ja-JP" dirty="0" smtClean="0"/>
+          </a:p>
+        </p:txBody>
+      </p:sp>
+      <p:sp>
+        <p:nvSpPr>
+          <p:cNvPr id="4" name="スライド番号プレースホルダー 3"/>
+          <p:cNvSpPr>
+            <a:spLocks noGrp="1"/>
+          </p:cNvSpPr>
+          <p:nvPr>
+            <p:ph type="sldNum" sz="quarter" idx="12"/>
+          </p:nvPr>
+        </p:nvSpPr>
+        <p:spPr/>
+        <p:txBody>
+          <a:bodyPr/>
+          <a:lstStyle/>
+          <a:p>
+            <a:fld id="{4A32CB03-0843-4AF8-BFB2-C9917854BC7E}" type="slidenum">
+              <a:rPr kumimoji="1" lang="ja-JP" altLang="en-US" sz="2800" smtClean="0"/>
+              <a:t>4</a:t>
+            </a:fld>
+            <a:endParaRPr kumimoji="1" lang="ja-JP" altLang="en-US" sz="2800" dirty="0"/>
           </a:p>
         </p:txBody>
       </p:sp>
     </p:spTree>
     <p:extLst>
       <p:ext uri="{BB962C8B-B14F-4D97-AF65-F5344CB8AC3E}">
-        <p14:creationId xmlns:p14="http://schemas.microsoft.com/office/powerpoint/2010/main" val="311686997"/>
+        <p14:creationId xmlns:p14="http://schemas.microsoft.com/office/powerpoint/2010/main" val="1938097084"/>
       </p:ext>
     </p:extLst>
   </p:cSld>
   <p:clrMapOvr>
     <a:masterClrMapping/>
   </p:clrMapOvr>
-  <p:timing>
-    <p:tnLst>
-      <p:par>
-        <p:cTn id="1" dur="indefinite" restart="never" nodeType="tmRoot"/>
-      </p:par>
-    </p:tnLst>
-  </p:timing>
 </p:sld>
 </file>
 
@@ -4590,7 +6324,7 @@
           <a:p>
             <a:r>
               <a:rPr kumimoji="1" lang="ja-JP" altLang="en-US" dirty="0" smtClean="0"/>
-              <a:t>概要</a:t>
+              <a:t>提案内容</a:t>
             </a:r>
             <a:endParaRPr kumimoji="1" lang="ja-JP" altLang="en-US" dirty="0"/>
           </a:p>
@@ -4608,136 +6342,80 @@
         </p:nvSpPr>
         <p:spPr/>
         <p:txBody>
-          <a:bodyPr/>
-          <a:lstStyle/>
-          <a:p>
-            <a:r>
-              <a:rPr kumimoji="1" lang="en-US" altLang="ja-JP" dirty="0" smtClean="0"/>
-              <a:t>DB</a:t>
-            </a:r>
-            <a:r>
-              <a:rPr kumimoji="1" lang="ja-JP" altLang="en-US" dirty="0" smtClean="0"/>
-              <a:t>に記録する情報</a:t>
-            </a:r>
-            <a:endParaRPr kumimoji="1" lang="en-US" altLang="ja-JP" dirty="0" smtClean="0"/>
-          </a:p>
-          <a:p>
-            <a:pPr marL="0" indent="0">
-              <a:buNone/>
-            </a:pPr>
+          <a:bodyPr>
+            <a:normAutofit/>
+          </a:bodyPr>
+          <a:lstStyle/>
+          <a:p>
             <a:r>
               <a:rPr lang="ja-JP" altLang="en-US" dirty="0"/>
-              <a:t>　</a:t>
+              <a:t>直観的に理解のしやすいブロックプログラミングにより、プログラミングの論理的思考を身に</a:t>
             </a:r>
             <a:r>
               <a:rPr lang="ja-JP" altLang="en-US" dirty="0" smtClean="0"/>
-              <a:t>・組み込むプログラムへのパス</a:t>
-            </a:r>
-            <a:endParaRPr kumimoji="1" lang="en-US" altLang="ja-JP" dirty="0" smtClean="0"/>
-          </a:p>
-          <a:p>
-            <a:pPr marL="0" indent="0">
-              <a:buNone/>
-            </a:pPr>
+              <a:t>着けられるシステムを提案する</a:t>
+            </a:r>
+            <a:endParaRPr lang="en-US" altLang="ja-JP" dirty="0" smtClean="0"/>
+          </a:p>
+          <a:p>
+            <a:r>
+              <a:rPr lang="ja-JP" altLang="en-US" dirty="0" smtClean="0"/>
+              <a:t>ブロックプログラミングからブロックリーによるコードへの変換を利用し、プログラミング言語への理解を深められるシステムを提案</a:t>
+            </a:r>
+            <a:endParaRPr lang="en-US" altLang="ja-JP" dirty="0" smtClean="0"/>
+          </a:p>
+          <a:p>
             <a:r>
               <a:rPr lang="ja-JP" altLang="en-US" dirty="0"/>
-              <a:t>　</a:t>
+              <a:t>穴埋め</a:t>
             </a:r>
             <a:r>
               <a:rPr lang="ja-JP" altLang="en-US" dirty="0" smtClean="0"/>
-              <a:t>・これまでの対戦履歴</a:t>
+              <a:t>問題などを利用し、よりプログラミングにユーザが慣れていける環境を提案</a:t>
             </a:r>
             <a:endParaRPr lang="en-US" altLang="ja-JP" dirty="0" smtClean="0"/>
           </a:p>
           <a:p>
-            <a:pPr marL="0" indent="0">
-              <a:buNone/>
-            </a:pPr>
-            <a:r>
-              <a:rPr lang="ja-JP" altLang="en-US" dirty="0"/>
-              <a:t>　</a:t>
-            </a:r>
-            <a:r>
-              <a:rPr lang="ja-JP" altLang="en-US" dirty="0" smtClean="0"/>
-              <a:t>　・誰と何戦何勝何敗何引き分け</a:t>
-            </a:r>
-            <a:endParaRPr lang="en-US" altLang="ja-JP" dirty="0" smtClean="0"/>
-          </a:p>
-          <a:p>
-            <a:pPr marL="0" indent="0">
-              <a:buNone/>
-            </a:pPr>
-            <a:r>
-              <a:rPr kumimoji="1" lang="ja-JP" altLang="en-US" dirty="0"/>
-              <a:t>　</a:t>
-            </a:r>
-            <a:r>
-              <a:rPr kumimoji="1" lang="ja-JP" altLang="en-US" dirty="0" smtClean="0"/>
-              <a:t>・これまでの勝敗情報</a:t>
-            </a:r>
-            <a:endParaRPr kumimoji="1" lang="en-US" altLang="ja-JP" dirty="0" smtClean="0"/>
-          </a:p>
-          <a:p>
-            <a:pPr marL="0" indent="0">
-              <a:buNone/>
-            </a:pPr>
-            <a:r>
-              <a:rPr lang="ja-JP" altLang="en-US" dirty="0"/>
-              <a:t>　</a:t>
-            </a:r>
-            <a:r>
-              <a:rPr lang="ja-JP" altLang="en-US" dirty="0" smtClean="0"/>
-              <a:t>　・</a:t>
-            </a:r>
-            <a:r>
-              <a:rPr kumimoji="1" lang="ja-JP" altLang="en-US" dirty="0" smtClean="0"/>
-              <a:t>グーチョキパーでの勝率</a:t>
-            </a:r>
-            <a:endParaRPr kumimoji="1" lang="en-US" altLang="ja-JP" dirty="0" smtClean="0"/>
-          </a:p>
-          <a:p>
-            <a:pPr marL="0" indent="0">
-              <a:buNone/>
-            </a:pPr>
-            <a:r>
-              <a:rPr lang="ja-JP" altLang="en-US" dirty="0"/>
-              <a:t>　</a:t>
-            </a:r>
-            <a:r>
-              <a:rPr lang="ja-JP" altLang="en-US" dirty="0" smtClean="0"/>
-              <a:t>　・前回までに出した手と勝敗</a:t>
-            </a:r>
-            <a:endParaRPr kumimoji="1" lang="en-US" altLang="ja-JP" dirty="0" smtClean="0"/>
-          </a:p>
-          <a:p>
-            <a:pPr marL="0" indent="0">
-              <a:buNone/>
-            </a:pPr>
-            <a:r>
-              <a:rPr lang="ja-JP" altLang="en-US" dirty="0"/>
-              <a:t>　</a:t>
-            </a:r>
+            <a:endParaRPr kumimoji="1" lang="en-US" altLang="ja-JP" dirty="0"/>
+          </a:p>
+          <a:p>
             <a:endParaRPr kumimoji="1" lang="ja-JP" altLang="en-US" dirty="0"/>
+          </a:p>
+        </p:txBody>
+      </p:sp>
+      <p:sp>
+        <p:nvSpPr>
+          <p:cNvPr id="4" name="スライド番号プレースホルダー 3"/>
+          <p:cNvSpPr>
+            <a:spLocks noGrp="1"/>
+          </p:cNvSpPr>
+          <p:nvPr>
+            <p:ph type="sldNum" sz="quarter" idx="12"/>
+          </p:nvPr>
+        </p:nvSpPr>
+        <p:spPr/>
+        <p:txBody>
+          <a:bodyPr/>
+          <a:lstStyle/>
+          <a:p>
+            <a:fld id="{4A32CB03-0843-4AF8-BFB2-C9917854BC7E}" type="slidenum">
+              <a:rPr kumimoji="1" lang="ja-JP" altLang="en-US" sz="2800" smtClean="0"/>
+              <a:t>5</a:t>
+            </a:fld>
+            <a:endParaRPr kumimoji="1" lang="ja-JP" altLang="en-US" sz="2800" dirty="0"/>
           </a:p>
         </p:txBody>
       </p:sp>
     </p:spTree>
     <p:extLst>
       <p:ext uri="{BB962C8B-B14F-4D97-AF65-F5344CB8AC3E}">
-        <p14:creationId xmlns:p14="http://schemas.microsoft.com/office/powerpoint/2010/main" val="574305258"/>
+        <p14:creationId xmlns:p14="http://schemas.microsoft.com/office/powerpoint/2010/main" val="354179094"/>
       </p:ext>
     </p:extLst>
   </p:cSld>
   <p:clrMapOvr>
     <a:masterClrMapping/>
   </p:clrMapOvr>
-  <p:timing>
-    <p:tnLst>
-      <p:par>
-        <p:cTn id="1" dur="indefinite" restart="never" nodeType="tmRoot"/>
-      </p:par>
-    </p:tnLst>
-  </p:timing>
 </p:sld>
 </file>
 
@@ -4775,7 +6453,7 @@
           <a:p>
             <a:r>
               <a:rPr kumimoji="1" lang="ja-JP" altLang="en-US" dirty="0" smtClean="0"/>
-              <a:t>概要</a:t>
+              <a:t>研究動機</a:t>
             </a:r>
             <a:endParaRPr kumimoji="1" lang="ja-JP" altLang="en-US" dirty="0"/>
           </a:p>
@@ -4797,58 +6475,77 @@
           <a:lstStyle/>
           <a:p>
             <a:r>
+              <a:rPr kumimoji="1" lang="en-US" altLang="ja-JP" dirty="0" err="1" smtClean="0"/>
+              <a:t>Blockly</a:t>
+            </a:r>
+            <a:r>
+              <a:rPr lang="ja-JP" altLang="en-US" dirty="0"/>
+              <a:t>に</a:t>
+            </a:r>
+            <a:r>
+              <a:rPr lang="ja-JP" altLang="en-US" dirty="0" smtClean="0"/>
+              <a:t>よるブロックプログラムとプログラミング言語によるコーディングへの変換により、学習環境を作成</a:t>
+            </a:r>
+            <a:endParaRPr lang="en-US" altLang="ja-JP" dirty="0" smtClean="0"/>
+          </a:p>
+          <a:p>
+            <a:pPr marL="0" indent="0">
+              <a:buNone/>
+            </a:pPr>
+            <a:endParaRPr lang="en-US" altLang="ja-JP" dirty="0" smtClean="0"/>
+          </a:p>
+          <a:p>
+            <a:r>
               <a:rPr kumimoji="1" lang="ja-JP" altLang="en-US" dirty="0" smtClean="0"/>
-              <a:t>サーバに保存する情報</a:t>
+              <a:t>穴埋め問題にするアルゴリズム</a:t>
+            </a:r>
+            <a:r>
+              <a:rPr lang="ja-JP" altLang="en-US" dirty="0" smtClean="0"/>
+              <a:t>を提案することで学習の幅を広げる</a:t>
             </a:r>
             <a:endParaRPr kumimoji="1" lang="en-US" altLang="ja-JP" dirty="0" smtClean="0"/>
           </a:p>
           <a:p>
-            <a:pPr marL="0" indent="0">
-              <a:buNone/>
-            </a:pPr>
-            <a:r>
-              <a:rPr lang="ja-JP" altLang="en-US" dirty="0"/>
-              <a:t>　</a:t>
-            </a:r>
-            <a:r>
-              <a:rPr lang="ja-JP" altLang="en-US" dirty="0" smtClean="0"/>
-              <a:t>・組み込むプログラム</a:t>
-            </a:r>
-            <a:endParaRPr lang="en-US" altLang="ja-JP" dirty="0" smtClean="0"/>
-          </a:p>
-          <a:p>
-            <a:pPr marL="0" indent="0">
-              <a:buNone/>
-            </a:pPr>
-            <a:r>
-              <a:rPr kumimoji="1" lang="ja-JP" altLang="en-US" dirty="0"/>
-              <a:t>　</a:t>
-            </a:r>
-            <a:r>
-              <a:rPr kumimoji="1" lang="ja-JP" altLang="en-US" dirty="0" smtClean="0"/>
-              <a:t>・ユーザデータ</a:t>
-            </a:r>
+            <a:endParaRPr lang="en-US" altLang="ja-JP" dirty="0"/>
+          </a:p>
+          <a:p>
             <a:endParaRPr kumimoji="1" lang="ja-JP" altLang="en-US" dirty="0"/>
+          </a:p>
+        </p:txBody>
+      </p:sp>
+      <p:sp>
+        <p:nvSpPr>
+          <p:cNvPr id="4" name="スライド番号プレースホルダー 3"/>
+          <p:cNvSpPr>
+            <a:spLocks noGrp="1"/>
+          </p:cNvSpPr>
+          <p:nvPr>
+            <p:ph type="sldNum" sz="quarter" idx="12"/>
+          </p:nvPr>
+        </p:nvSpPr>
+        <p:spPr/>
+        <p:txBody>
+          <a:bodyPr/>
+          <a:lstStyle/>
+          <a:p>
+            <a:fld id="{4A32CB03-0843-4AF8-BFB2-C9917854BC7E}" type="slidenum">
+              <a:rPr kumimoji="1" lang="ja-JP" altLang="en-US" sz="2400" smtClean="0"/>
+              <a:t>6</a:t>
+            </a:fld>
+            <a:endParaRPr kumimoji="1" lang="ja-JP" altLang="en-US" sz="2400" dirty="0"/>
           </a:p>
         </p:txBody>
       </p:sp>
     </p:spTree>
     <p:extLst>
       <p:ext uri="{BB962C8B-B14F-4D97-AF65-F5344CB8AC3E}">
-        <p14:creationId xmlns:p14="http://schemas.microsoft.com/office/powerpoint/2010/main" val="415145052"/>
+        <p14:creationId xmlns:p14="http://schemas.microsoft.com/office/powerpoint/2010/main" val="1632152331"/>
       </p:ext>
     </p:extLst>
   </p:cSld>
   <p:clrMapOvr>
     <a:masterClrMapping/>
   </p:clrMapOvr>
-  <p:timing>
-    <p:tnLst>
-      <p:par>
-        <p:cTn id="1" dur="indefinite" restart="never" nodeType="tmRoot"/>
-      </p:par>
-    </p:tnLst>
-  </p:timing>
 </p:sld>
 </file>
 
@@ -4886,7 +6583,7 @@
           <a:p>
             <a:r>
               <a:rPr kumimoji="1" lang="ja-JP" altLang="en-US" dirty="0" smtClean="0"/>
-              <a:t>概要</a:t>
+              <a:t>研究課題について</a:t>
             </a:r>
             <a:endParaRPr kumimoji="1" lang="ja-JP" altLang="en-US" dirty="0"/>
           </a:p>
@@ -4894,309 +6591,98 @@
       </p:sp>
       <p:sp>
         <p:nvSpPr>
-          <p:cNvPr id="4" name="正方形/長方形 3"/>
-          <p:cNvSpPr/>
-          <p:nvPr/>
-        </p:nvSpPr>
-        <p:spPr>
-          <a:xfrm>
-            <a:off x="687824" y="1610315"/>
-            <a:ext cx="10454910" cy="5025154"/>
-          </a:xfrm>
-          <a:prstGeom prst="rect">
-            <a:avLst/>
-          </a:prstGeom>
-        </p:spPr>
-        <p:style>
-          <a:lnRef idx="2">
-            <a:schemeClr val="dk1"/>
-          </a:lnRef>
-          <a:fillRef idx="1">
-            <a:schemeClr val="lt1"/>
-          </a:fillRef>
-          <a:effectRef idx="0">
-            <a:schemeClr val="dk1"/>
-          </a:effectRef>
-          <a:fontRef idx="minor">
-            <a:schemeClr val="dk1"/>
-          </a:fontRef>
-        </p:style>
-        <p:txBody>
-          <a:bodyPr rtlCol="0" anchor="ctr"/>
-          <a:lstStyle/>
-          <a:p>
-            <a:pPr algn="ctr"/>
-            <a:endParaRPr kumimoji="1" lang="ja-JP" altLang="en-US"/>
-          </a:p>
-        </p:txBody>
-      </p:sp>
-      <p:sp>
-        <p:nvSpPr>
-          <p:cNvPr id="5" name="正方形/長方形 4"/>
-          <p:cNvSpPr/>
-          <p:nvPr/>
-        </p:nvSpPr>
-        <p:spPr>
-          <a:xfrm>
-            <a:off x="1917812" y="2176758"/>
-            <a:ext cx="3212538" cy="3447207"/>
-          </a:xfrm>
-          <a:prstGeom prst="rect">
-            <a:avLst/>
-          </a:prstGeom>
-        </p:spPr>
-        <p:style>
-          <a:lnRef idx="2">
-            <a:schemeClr val="dk1"/>
-          </a:lnRef>
-          <a:fillRef idx="1">
-            <a:schemeClr val="lt1"/>
-          </a:fillRef>
-          <a:effectRef idx="0">
-            <a:schemeClr val="dk1"/>
-          </a:effectRef>
-          <a:fontRef idx="minor">
-            <a:schemeClr val="dk1"/>
-          </a:fontRef>
-        </p:style>
-        <p:txBody>
-          <a:bodyPr rtlCol="0" anchor="ctr"/>
-          <a:lstStyle/>
-          <a:p>
-            <a:pPr algn="ctr"/>
+          <p:cNvPr id="3" name="コンテンツ プレースホルダー 2"/>
+          <p:cNvSpPr>
+            <a:spLocks noGrp="1"/>
+          </p:cNvSpPr>
+          <p:nvPr>
+            <p:ph idx="1"/>
+          </p:nvPr>
+        </p:nvSpPr>
+        <p:spPr/>
+        <p:txBody>
+          <a:bodyPr>
+            <a:normAutofit lnSpcReduction="10000"/>
+          </a:bodyPr>
+          <a:lstStyle/>
+          <a:p>
+            <a:r>
+              <a:rPr kumimoji="1" lang="ja-JP" altLang="en-US" dirty="0" smtClean="0"/>
+              <a:t>現在ブロックプログラムからプログラミング言語に変換の原理を理解し、自分で扱えるようにする</a:t>
+            </a:r>
             <a:endParaRPr kumimoji="1" lang="en-US" altLang="ja-JP" dirty="0" smtClean="0"/>
           </a:p>
           <a:p>
-            <a:pPr algn="ctr"/>
-            <a:endParaRPr lang="en-US" altLang="ja-JP" dirty="0"/>
-          </a:p>
-          <a:p>
-            <a:pPr algn="ctr"/>
+            <a:pPr lvl="1"/>
+            <a:r>
+              <a:rPr lang="ja-JP" altLang="en-US" dirty="0" smtClean="0"/>
+              <a:t>言語ジェネレータというものがブロックリーでは用意されているので、勉強する</a:t>
+            </a:r>
             <a:endParaRPr kumimoji="1" lang="en-US" altLang="ja-JP" dirty="0" smtClean="0"/>
           </a:p>
           <a:p>
-            <a:pPr algn="ctr"/>
-            <a:endParaRPr lang="en-US" altLang="ja-JP" dirty="0"/>
-          </a:p>
-          <a:p>
-            <a:pPr algn="ctr"/>
+            <a:pPr lvl="1"/>
             <a:endParaRPr kumimoji="1" lang="en-US" altLang="ja-JP" dirty="0" smtClean="0"/>
           </a:p>
           <a:p>
-            <a:pPr algn="ctr"/>
-            <a:endParaRPr lang="en-US" altLang="ja-JP" dirty="0"/>
-          </a:p>
-          <a:p>
-            <a:pPr algn="ctr"/>
+            <a:r>
+              <a:rPr lang="ja-JP" altLang="en-US" dirty="0" smtClean="0"/>
+              <a:t>穴埋めにするアルゴリズムの考案</a:t>
+            </a:r>
+            <a:r>
+              <a:rPr kumimoji="1" lang="ja-JP" altLang="en-US" dirty="0" smtClean="0"/>
+              <a:t>関数名、変数名などを優先的に穴埋めにしたいと考えている</a:t>
+            </a:r>
             <a:endParaRPr kumimoji="1" lang="en-US" altLang="ja-JP" dirty="0" smtClean="0"/>
           </a:p>
           <a:p>
+            <a:pPr lvl="1"/>
+            <a:r>
+              <a:rPr kumimoji="1" lang="ja-JP" altLang="en-US" dirty="0" smtClean="0"/>
+              <a:t>どの部分が穴埋めにしたい部分なのかを判断する方法を思いついていない</a:t>
+            </a:r>
+            <a:endParaRPr kumimoji="1" lang="en-US" altLang="ja-JP" dirty="0" smtClean="0"/>
+          </a:p>
+          <a:p>
+            <a:pPr lvl="1"/>
             <a:r>
               <a:rPr lang="ja-JP" altLang="en-US" dirty="0" smtClean="0"/>
-              <a:t>戦績</a:t>
+              <a:t>一部のプログラミングをランダムに抜いて、その部分を穴埋め</a:t>
             </a:r>
             <a:endParaRPr lang="en-US" altLang="ja-JP" dirty="0" smtClean="0"/>
           </a:p>
           <a:p>
-            <a:r>
-              <a:rPr lang="ja-JP" altLang="en-US" dirty="0" smtClean="0"/>
-              <a:t>勝利１　敗北２ 引き分け３</a:t>
-            </a:r>
             <a:endParaRPr lang="en-US" altLang="ja-JP" dirty="0" smtClean="0"/>
           </a:p>
         </p:txBody>
       </p:sp>
       <p:sp>
         <p:nvSpPr>
-          <p:cNvPr id="6" name="正方形/長方形 5"/>
-          <p:cNvSpPr/>
-          <p:nvPr/>
-        </p:nvSpPr>
-        <p:spPr>
-          <a:xfrm>
-            <a:off x="6852605" y="2176758"/>
-            <a:ext cx="3212538" cy="3447207"/>
-          </a:xfrm>
-          <a:prstGeom prst="rect">
-            <a:avLst/>
-          </a:prstGeom>
-        </p:spPr>
-        <p:style>
-          <a:lnRef idx="2">
-            <a:schemeClr val="dk1"/>
-          </a:lnRef>
-          <a:fillRef idx="1">
-            <a:schemeClr val="lt1"/>
-          </a:fillRef>
-          <a:effectRef idx="0">
-            <a:schemeClr val="dk1"/>
-          </a:effectRef>
-          <a:fontRef idx="minor">
-            <a:schemeClr val="dk1"/>
-          </a:fontRef>
-        </p:style>
-        <p:txBody>
-          <a:bodyPr rtlCol="0" anchor="ctr"/>
-          <a:lstStyle/>
-          <a:p>
-            <a:endParaRPr kumimoji="1" lang="en-US" altLang="ja-JP" dirty="0" smtClean="0"/>
-          </a:p>
-          <a:p>
-            <a:endParaRPr lang="en-US" altLang="ja-JP" dirty="0"/>
-          </a:p>
-          <a:p>
-            <a:endParaRPr kumimoji="1" lang="en-US" altLang="ja-JP" dirty="0" smtClean="0"/>
-          </a:p>
-          <a:p>
-            <a:endParaRPr lang="en-US" altLang="ja-JP" dirty="0"/>
-          </a:p>
-          <a:p>
-            <a:endParaRPr kumimoji="1" lang="en-US" altLang="ja-JP" dirty="0" smtClean="0"/>
-          </a:p>
-          <a:p>
-            <a:endParaRPr lang="en-US" altLang="ja-JP" dirty="0"/>
-          </a:p>
-          <a:p>
-            <a:endParaRPr kumimoji="1" lang="en-US" altLang="ja-JP" dirty="0" smtClean="0"/>
-          </a:p>
-          <a:p>
-            <a:r>
-              <a:rPr kumimoji="1" lang="ja-JP" altLang="en-US" dirty="0" smtClean="0"/>
-              <a:t>戦績</a:t>
-            </a:r>
-            <a:endParaRPr kumimoji="1" lang="en-US" altLang="ja-JP" dirty="0" smtClean="0"/>
-          </a:p>
-          <a:p>
-            <a:r>
-              <a:rPr kumimoji="1" lang="ja-JP" altLang="en-US" dirty="0" smtClean="0"/>
-              <a:t>勝利２　敗北１ 引き分け３</a:t>
-            </a:r>
-            <a:endParaRPr kumimoji="1" lang="ja-JP" altLang="en-US" dirty="0"/>
-          </a:p>
-        </p:txBody>
-      </p:sp>
-      <p:sp>
-        <p:nvSpPr>
-          <p:cNvPr id="7" name="正方形/長方形 6"/>
-          <p:cNvSpPr/>
-          <p:nvPr/>
-        </p:nvSpPr>
-        <p:spPr>
-          <a:xfrm>
-            <a:off x="2482906" y="2345343"/>
-            <a:ext cx="1983898" cy="2129553"/>
-          </a:xfrm>
-          <a:prstGeom prst="rect">
-            <a:avLst/>
-          </a:prstGeom>
-        </p:spPr>
-        <p:style>
-          <a:lnRef idx="2">
-            <a:schemeClr val="dk1"/>
-          </a:lnRef>
-          <a:fillRef idx="1">
-            <a:schemeClr val="lt1"/>
-          </a:fillRef>
-          <a:effectRef idx="0">
-            <a:schemeClr val="dk1"/>
-          </a:effectRef>
-          <a:fontRef idx="minor">
-            <a:schemeClr val="dk1"/>
-          </a:fontRef>
-        </p:style>
-        <p:txBody>
-          <a:bodyPr rtlCol="0" anchor="ctr"/>
-          <a:lstStyle/>
-          <a:p>
-            <a:pPr algn="ctr"/>
-            <a:r>
-              <a:rPr kumimoji="1" lang="ja-JP" altLang="en-US" dirty="0" smtClean="0"/>
-              <a:t>グー</a:t>
-            </a:r>
-            <a:endParaRPr kumimoji="1" lang="ja-JP" altLang="en-US" dirty="0"/>
-          </a:p>
-        </p:txBody>
-      </p:sp>
-      <p:sp>
-        <p:nvSpPr>
-          <p:cNvPr id="8" name="正方形/長方形 7"/>
-          <p:cNvSpPr/>
-          <p:nvPr/>
-        </p:nvSpPr>
-        <p:spPr>
-          <a:xfrm>
-            <a:off x="7466925" y="2345343"/>
-            <a:ext cx="1983898" cy="2129553"/>
-          </a:xfrm>
-          <a:prstGeom prst="rect">
-            <a:avLst/>
-          </a:prstGeom>
-        </p:spPr>
-        <p:style>
-          <a:lnRef idx="2">
-            <a:schemeClr val="dk1"/>
-          </a:lnRef>
-          <a:fillRef idx="1">
-            <a:schemeClr val="lt1"/>
-          </a:fillRef>
-          <a:effectRef idx="0">
-            <a:schemeClr val="dk1"/>
-          </a:effectRef>
-          <a:fontRef idx="minor">
-            <a:schemeClr val="dk1"/>
-          </a:fontRef>
-        </p:style>
-        <p:txBody>
-          <a:bodyPr rtlCol="0" anchor="ctr"/>
-          <a:lstStyle/>
-          <a:p>
-            <a:pPr algn="ctr"/>
-            <a:r>
-              <a:rPr kumimoji="1" lang="ja-JP" altLang="en-US" dirty="0" smtClean="0"/>
-              <a:t>チョキ</a:t>
-            </a:r>
-            <a:endParaRPr kumimoji="1" lang="ja-JP" altLang="en-US" dirty="0"/>
-          </a:p>
-        </p:txBody>
-      </p:sp>
-      <p:sp>
-        <p:nvSpPr>
-          <p:cNvPr id="3" name="テキスト ボックス 2"/>
-          <p:cNvSpPr txBox="1"/>
-          <p:nvPr/>
-        </p:nvSpPr>
-        <p:spPr>
-          <a:xfrm>
-            <a:off x="838200" y="1642442"/>
-            <a:ext cx="3139709" cy="369332"/>
-          </a:xfrm>
-          <a:prstGeom prst="rect">
-            <a:avLst/>
-          </a:prstGeom>
-          <a:noFill/>
-        </p:spPr>
-        <p:txBody>
-          <a:bodyPr wrap="square" rtlCol="0">
-            <a:spAutoFit/>
-          </a:bodyPr>
-          <a:lstStyle/>
-          <a:p>
-            <a:r>
-              <a:rPr kumimoji="1" lang="en-US" altLang="ja-JP" dirty="0" smtClean="0"/>
-              <a:t>WEB</a:t>
-            </a:r>
-            <a:r>
-              <a:rPr kumimoji="1" lang="ja-JP" altLang="en-US" dirty="0" smtClean="0"/>
-              <a:t>ブラウザ</a:t>
-            </a:r>
-            <a:endParaRPr kumimoji="1" lang="ja-JP" altLang="en-US" dirty="0"/>
+          <p:cNvPr id="4" name="スライド番号プレースホルダー 3"/>
+          <p:cNvSpPr>
+            <a:spLocks noGrp="1"/>
+          </p:cNvSpPr>
+          <p:nvPr>
+            <p:ph type="sldNum" sz="quarter" idx="12"/>
+          </p:nvPr>
+        </p:nvSpPr>
+        <p:spPr/>
+        <p:txBody>
+          <a:bodyPr/>
+          <a:lstStyle/>
+          <a:p>
+            <a:fld id="{010A43D1-8C5F-4BB5-96AD-6A66B588192F}" type="slidenum">
+              <a:rPr kumimoji="1" lang="ja-JP" altLang="en-US" sz="2400" smtClean="0"/>
+              <a:t>7</a:t>
+            </a:fld>
+            <a:endParaRPr kumimoji="1" lang="ja-JP" altLang="en-US" sz="2400" dirty="0"/>
           </a:p>
         </p:txBody>
       </p:sp>
     </p:spTree>
     <p:extLst>
       <p:ext uri="{BB962C8B-B14F-4D97-AF65-F5344CB8AC3E}">
-        <p14:creationId xmlns:p14="http://schemas.microsoft.com/office/powerpoint/2010/main" val="4145951717"/>
+        <p14:creationId xmlns:p14="http://schemas.microsoft.com/office/powerpoint/2010/main" val="4275672017"/>
       </p:ext>
     </p:extLst>
   </p:cSld>
@@ -5246,8 +6732,8 @@
           <a:lstStyle/>
           <a:p>
             <a:r>
-              <a:rPr kumimoji="1" lang="ja-JP" altLang="en-US" dirty="0" smtClean="0"/>
-              <a:t>概要</a:t>
+              <a:rPr kumimoji="1" lang="en-US" altLang="ja-JP" dirty="0" smtClean="0"/>
+              <a:t>Node.js</a:t>
             </a:r>
             <a:endParaRPr kumimoji="1" lang="ja-JP" altLang="en-US" dirty="0"/>
           </a:p>
@@ -5255,79 +6741,111 @@
       </p:sp>
       <p:sp>
         <p:nvSpPr>
-          <p:cNvPr id="4" name="正方形/長方形 3"/>
-          <p:cNvSpPr/>
-          <p:nvPr/>
-        </p:nvSpPr>
-        <p:spPr>
-          <a:xfrm>
-            <a:off x="687824" y="1610315"/>
-            <a:ext cx="4839036" cy="5025154"/>
-          </a:xfrm>
-          <a:prstGeom prst="rect">
-            <a:avLst/>
-          </a:prstGeom>
-        </p:spPr>
-        <p:style>
-          <a:lnRef idx="2">
-            <a:schemeClr val="dk1"/>
-          </a:lnRef>
-          <a:fillRef idx="1">
-            <a:schemeClr val="lt1"/>
-          </a:fillRef>
-          <a:effectRef idx="0">
-            <a:schemeClr val="dk1"/>
-          </a:effectRef>
-          <a:fontRef idx="minor">
-            <a:schemeClr val="dk1"/>
-          </a:fontRef>
-        </p:style>
-        <p:txBody>
-          <a:bodyPr rtlCol="0" anchor="ctr"/>
-          <a:lstStyle/>
-          <a:p>
-            <a:pPr algn="ctr"/>
-            <a:endParaRPr kumimoji="1" lang="ja-JP" altLang="en-US"/>
-          </a:p>
-        </p:txBody>
-      </p:sp>
-      <p:sp>
-        <p:nvSpPr>
-          <p:cNvPr id="5" name="正方形/長方形 4"/>
-          <p:cNvSpPr/>
-          <p:nvPr/>
-        </p:nvSpPr>
-        <p:spPr>
-          <a:xfrm>
-            <a:off x="1788339" y="2306230"/>
-            <a:ext cx="2638004" cy="1197621"/>
-          </a:xfrm>
-          <a:prstGeom prst="rect">
-            <a:avLst/>
-          </a:prstGeom>
-        </p:spPr>
-        <p:style>
-          <a:lnRef idx="2">
-            <a:schemeClr val="dk1"/>
-          </a:lnRef>
-          <a:fillRef idx="1">
-            <a:schemeClr val="lt1"/>
-          </a:fillRef>
-          <a:effectRef idx="0">
-            <a:schemeClr val="dk1"/>
-          </a:effectRef>
-          <a:fontRef idx="minor">
-            <a:schemeClr val="dk1"/>
-          </a:fontRef>
-        </p:style>
-        <p:txBody>
-          <a:bodyPr rtlCol="0" anchor="ctr"/>
-          <a:lstStyle/>
-          <a:p>
-            <a:pPr algn="ctr"/>
-            <a:r>
-              <a:rPr kumimoji="1" lang="ja-JP" altLang="en-US" dirty="0" smtClean="0"/>
-              <a:t>最初はパーを出す</a:t>
+          <p:cNvPr id="3" name="コンテンツ プレースホルダー 2"/>
+          <p:cNvSpPr>
+            <a:spLocks noGrp="1"/>
+          </p:cNvSpPr>
+          <p:nvPr>
+            <p:ph idx="1"/>
+          </p:nvPr>
+        </p:nvSpPr>
+        <p:spPr/>
+        <p:txBody>
+          <a:bodyPr/>
+          <a:lstStyle/>
+          <a:p>
+            <a:pPr marL="0" indent="0">
+              <a:buNone/>
+            </a:pPr>
+            <a:r>
+              <a:rPr lang="en-US" altLang="ja-JP" dirty="0"/>
+              <a:t>Node.js</a:t>
+            </a:r>
+            <a:r>
+              <a:rPr lang="ja-JP" altLang="en-US" dirty="0"/>
+              <a:t>（ノード・ジェイエス） は</a:t>
+            </a:r>
+            <a:r>
+              <a:rPr lang="en-US" altLang="ja-JP" dirty="0"/>
+              <a:t>V8 JavaScript</a:t>
+            </a:r>
+            <a:r>
+              <a:rPr lang="ja-JP" altLang="en-US" dirty="0"/>
+              <a:t>エンジン上に構築された</a:t>
+            </a:r>
+            <a:r>
+              <a:rPr lang="en-US" altLang="ja-JP" dirty="0"/>
+              <a:t>JavaScript</a:t>
+            </a:r>
+            <a:r>
+              <a:rPr lang="ja-JP" altLang="en-US" dirty="0"/>
+              <a:t>実行環境の</a:t>
+            </a:r>
+            <a:r>
+              <a:rPr lang="en-US" altLang="ja-JP" dirty="0"/>
+              <a:t>1</a:t>
+            </a:r>
+            <a:r>
+              <a:rPr lang="ja-JP" altLang="en-US" dirty="0"/>
+              <a:t>つで</a:t>
+            </a:r>
+            <a:r>
+              <a:rPr lang="ja-JP" altLang="en-US" dirty="0" smtClean="0"/>
+              <a:t>ある。</a:t>
+            </a:r>
+            <a:r>
+              <a:rPr lang="ja-JP" altLang="en-US" dirty="0"/>
+              <a:t>イベント化された入出力を扱うサーバサイド</a:t>
+            </a:r>
+            <a:r>
+              <a:rPr lang="en-US" altLang="ja-JP" dirty="0"/>
+              <a:t>JavaScript</a:t>
+            </a:r>
+            <a:r>
+              <a:rPr lang="ja-JP" altLang="en-US" dirty="0"/>
+              <a:t>環境であり、</a:t>
+            </a:r>
+            <a:r>
+              <a:rPr lang="en-US" altLang="ja-JP" dirty="0"/>
+              <a:t>Web</a:t>
+            </a:r>
+            <a:r>
+              <a:rPr lang="ja-JP" altLang="en-US" dirty="0"/>
+              <a:t>サーバなどのスケーラブルなネットワークプログラムの記述を意図して</a:t>
+            </a:r>
+            <a:r>
+              <a:rPr lang="ja-JP" altLang="en-US" dirty="0" smtClean="0"/>
+              <a:t>いる。</a:t>
+            </a:r>
+            <a:endParaRPr lang="en-US" altLang="ja-JP" dirty="0" smtClean="0"/>
+          </a:p>
+          <a:p>
+            <a:pPr marL="0" indent="0">
+              <a:buNone/>
+            </a:pPr>
+            <a:endParaRPr kumimoji="1" lang="en-US" altLang="ja-JP" dirty="0" smtClean="0"/>
+          </a:p>
+          <a:p>
+            <a:pPr marL="0" indent="0">
+              <a:buNone/>
+            </a:pPr>
+            <a:r>
+              <a:rPr lang="ja-JP" altLang="en-US" dirty="0"/>
+              <a:t>引用</a:t>
+            </a:r>
+            <a:r>
+              <a:rPr lang="ja-JP" altLang="en-US" dirty="0" smtClean="0"/>
+              <a:t>：</a:t>
+            </a:r>
+            <a:endParaRPr kumimoji="1" lang="en-US" altLang="ja-JP" dirty="0"/>
+          </a:p>
+          <a:p>
+            <a:pPr marL="0" indent="0">
+              <a:buNone/>
+            </a:pPr>
+            <a:r>
+              <a:rPr lang="en-US" altLang="ja-JP" dirty="0"/>
+              <a:t>https://ja.wikipedia.org/wiki/Node.js</a:t>
             </a:r>
             <a:endParaRPr kumimoji="1" lang="ja-JP" altLang="en-US" dirty="0"/>
           </a:p>
@@ -5335,254 +6853,23 @@
       </p:sp>
       <p:sp>
         <p:nvSpPr>
-          <p:cNvPr id="6" name="下矢印 5"/>
-          <p:cNvSpPr/>
-          <p:nvPr/>
-        </p:nvSpPr>
-        <p:spPr>
-          <a:xfrm>
-            <a:off x="2767477" y="3681876"/>
-            <a:ext cx="671639" cy="639271"/>
-          </a:xfrm>
-          <a:prstGeom prst="downArrow">
-            <a:avLst/>
-          </a:prstGeom>
-        </p:spPr>
-        <p:style>
-          <a:lnRef idx="2">
-            <a:schemeClr val="dk1">
-              <a:shade val="50000"/>
-            </a:schemeClr>
-          </a:lnRef>
-          <a:fillRef idx="1">
-            <a:schemeClr val="dk1"/>
-          </a:fillRef>
-          <a:effectRef idx="0">
-            <a:schemeClr val="dk1"/>
-          </a:effectRef>
-          <a:fontRef idx="minor">
-            <a:schemeClr val="lt1"/>
-          </a:fontRef>
-        </p:style>
-        <p:txBody>
-          <a:bodyPr rtlCol="0" anchor="ctr"/>
-          <a:lstStyle/>
-          <a:p>
-            <a:pPr algn="ctr"/>
-            <a:endParaRPr kumimoji="1" lang="ja-JP" altLang="en-US"/>
-          </a:p>
-        </p:txBody>
-      </p:sp>
-      <p:sp>
-        <p:nvSpPr>
-          <p:cNvPr id="7" name="正方形/長方形 6"/>
-          <p:cNvSpPr/>
-          <p:nvPr/>
-        </p:nvSpPr>
-        <p:spPr>
-          <a:xfrm>
-            <a:off x="1784294" y="4499172"/>
-            <a:ext cx="2638004" cy="1197621"/>
-          </a:xfrm>
-          <a:prstGeom prst="rect">
-            <a:avLst/>
-          </a:prstGeom>
-        </p:spPr>
-        <p:style>
-          <a:lnRef idx="2">
-            <a:schemeClr val="dk1"/>
-          </a:lnRef>
-          <a:fillRef idx="1">
-            <a:schemeClr val="lt1"/>
-          </a:fillRef>
-          <a:effectRef idx="0">
-            <a:schemeClr val="dk1"/>
-          </a:effectRef>
-          <a:fontRef idx="minor">
-            <a:schemeClr val="dk1"/>
-          </a:fontRef>
-        </p:style>
-        <p:txBody>
-          <a:bodyPr rtlCol="0" anchor="ctr"/>
-          <a:lstStyle/>
-          <a:p>
-            <a:pPr algn="ctr"/>
-            <a:r>
-              <a:rPr lang="ja-JP" altLang="en-US" dirty="0"/>
-              <a:t>相手</a:t>
-            </a:r>
-            <a:r>
-              <a:rPr lang="ja-JP" altLang="en-US" dirty="0" smtClean="0"/>
-              <a:t>が前回パーを出したら</a:t>
-            </a:r>
-            <a:r>
-              <a:rPr lang="ja-JP" altLang="en-US" dirty="0"/>
-              <a:t>チョキ</a:t>
-            </a:r>
-            <a:r>
-              <a:rPr kumimoji="1" lang="ja-JP" altLang="en-US" dirty="0" smtClean="0"/>
-              <a:t>を出す</a:t>
-            </a:r>
-            <a:endParaRPr kumimoji="1" lang="ja-JP" altLang="en-US" dirty="0"/>
-          </a:p>
-        </p:txBody>
-      </p:sp>
-      <p:sp>
-        <p:nvSpPr>
-          <p:cNvPr id="8" name="正方形/長方形 7"/>
-          <p:cNvSpPr/>
-          <p:nvPr/>
-        </p:nvSpPr>
-        <p:spPr>
-          <a:xfrm>
-            <a:off x="6501951" y="1650229"/>
-            <a:ext cx="4839036" cy="4912412"/>
-          </a:xfrm>
-          <a:prstGeom prst="rect">
-            <a:avLst/>
-          </a:prstGeom>
-        </p:spPr>
-        <p:style>
-          <a:lnRef idx="2">
-            <a:schemeClr val="dk1"/>
-          </a:lnRef>
-          <a:fillRef idx="1">
-            <a:schemeClr val="lt1"/>
-          </a:fillRef>
-          <a:effectRef idx="0">
-            <a:schemeClr val="dk1"/>
-          </a:effectRef>
-          <a:fontRef idx="minor">
-            <a:schemeClr val="dk1"/>
-          </a:fontRef>
-        </p:style>
-        <p:txBody>
-          <a:bodyPr rtlCol="0" anchor="ctr"/>
-          <a:lstStyle/>
-          <a:p>
-            <a:endParaRPr lang="en-US" altLang="ja-JP" dirty="0"/>
-          </a:p>
-        </p:txBody>
-      </p:sp>
-      <p:sp>
-        <p:nvSpPr>
-          <p:cNvPr id="9" name="左右矢印 8"/>
-          <p:cNvSpPr/>
-          <p:nvPr/>
-        </p:nvSpPr>
-        <p:spPr>
-          <a:xfrm>
-            <a:off x="5563274" y="4001511"/>
-            <a:ext cx="902263" cy="614994"/>
-          </a:xfrm>
-          <a:prstGeom prst="leftRightArrow">
-            <a:avLst>
-              <a:gd name="adj1" fmla="val 3419"/>
-              <a:gd name="adj2" fmla="val 50000"/>
-            </a:avLst>
-          </a:prstGeom>
-        </p:spPr>
-        <p:style>
-          <a:lnRef idx="2">
-            <a:schemeClr val="dk1">
-              <a:shade val="50000"/>
-            </a:schemeClr>
-          </a:lnRef>
-          <a:fillRef idx="1">
-            <a:schemeClr val="dk1"/>
-          </a:fillRef>
-          <a:effectRef idx="0">
-            <a:schemeClr val="dk1"/>
-          </a:effectRef>
-          <a:fontRef idx="minor">
-            <a:schemeClr val="lt1"/>
-          </a:fontRef>
-        </p:style>
-        <p:txBody>
-          <a:bodyPr rtlCol="0" anchor="ctr"/>
-          <a:lstStyle/>
-          <a:p>
-            <a:pPr algn="ctr"/>
-            <a:endParaRPr kumimoji="1" lang="ja-JP" altLang="en-US"/>
-          </a:p>
-        </p:txBody>
-      </p:sp>
-      <p:sp>
-        <p:nvSpPr>
-          <p:cNvPr id="10" name="正方形/長方形 9"/>
-          <p:cNvSpPr/>
-          <p:nvPr/>
-        </p:nvSpPr>
-        <p:spPr>
-          <a:xfrm>
-            <a:off x="7582572" y="2303715"/>
-            <a:ext cx="1739787" cy="922492"/>
-          </a:xfrm>
-          <a:prstGeom prst="rect">
-            <a:avLst/>
-          </a:prstGeom>
-        </p:spPr>
-        <p:style>
-          <a:lnRef idx="2">
-            <a:schemeClr val="dk1"/>
-          </a:lnRef>
-          <a:fillRef idx="1">
-            <a:schemeClr val="lt1"/>
-          </a:fillRef>
-          <a:effectRef idx="0">
-            <a:schemeClr val="dk1"/>
-          </a:effectRef>
-          <a:fontRef idx="minor">
-            <a:schemeClr val="dk1"/>
-          </a:fontRef>
-        </p:style>
-        <p:txBody>
-          <a:bodyPr rtlCol="0" anchor="ctr"/>
-          <a:lstStyle/>
-          <a:p>
-            <a:pPr algn="ctr"/>
-            <a:r>
-              <a:rPr kumimoji="1" lang="en-US" altLang="ja-JP" dirty="0" smtClean="0"/>
-              <a:t>pa</a:t>
-            </a:r>
-            <a:endParaRPr kumimoji="1" lang="ja-JP" altLang="en-US" dirty="0"/>
-          </a:p>
-        </p:txBody>
-      </p:sp>
-      <p:sp>
-        <p:nvSpPr>
-          <p:cNvPr id="11" name="正方形/長方形 10"/>
-          <p:cNvSpPr/>
-          <p:nvPr/>
-        </p:nvSpPr>
-        <p:spPr>
-          <a:xfrm>
-            <a:off x="7582573" y="4433178"/>
-            <a:ext cx="1739787" cy="922492"/>
-          </a:xfrm>
-          <a:prstGeom prst="rect">
-            <a:avLst/>
-          </a:prstGeom>
-        </p:spPr>
-        <p:style>
-          <a:lnRef idx="2">
-            <a:schemeClr val="dk1"/>
-          </a:lnRef>
-          <a:fillRef idx="1">
-            <a:schemeClr val="lt1"/>
-          </a:fillRef>
-          <a:effectRef idx="0">
-            <a:schemeClr val="dk1"/>
-          </a:effectRef>
-          <a:fontRef idx="minor">
-            <a:schemeClr val="dk1"/>
-          </a:fontRef>
-        </p:style>
-        <p:txBody>
-          <a:bodyPr rtlCol="0" anchor="ctr"/>
-          <a:lstStyle/>
-          <a:p>
-            <a:pPr algn="ctr"/>
+          <p:cNvPr id="4" name="スライド番号プレースホルダー 3"/>
+          <p:cNvSpPr>
+            <a:spLocks noGrp="1"/>
+          </p:cNvSpPr>
+          <p:nvPr>
+            <p:ph type="sldNum" sz="quarter" idx="12"/>
+          </p:nvPr>
+        </p:nvSpPr>
+        <p:spPr/>
+        <p:txBody>
+          <a:bodyPr/>
+          <a:lstStyle/>
+          <a:p>
+            <a:fld id="{4A32CB03-0843-4AF8-BFB2-C9917854BC7E}" type="slidenum">
+              <a:rPr kumimoji="1" lang="ja-JP" altLang="en-US" smtClean="0"/>
+              <a:t>8</a:t>
+            </a:fld>
             <a:endParaRPr kumimoji="1" lang="ja-JP" altLang="en-US"/>
           </a:p>
         </p:txBody>
@@ -5590,20 +6877,13 @@
     </p:spTree>
     <p:extLst>
       <p:ext uri="{BB962C8B-B14F-4D97-AF65-F5344CB8AC3E}">
-        <p14:creationId xmlns:p14="http://schemas.microsoft.com/office/powerpoint/2010/main" val="2592236630"/>
+        <p14:creationId xmlns:p14="http://schemas.microsoft.com/office/powerpoint/2010/main" val="4200382121"/>
       </p:ext>
     </p:extLst>
   </p:cSld>
   <p:clrMapOvr>
     <a:masterClrMapping/>
   </p:clrMapOvr>
-  <p:timing>
-    <p:tnLst>
-      <p:par>
-        <p:cTn id="1" dur="indefinite" restart="never" nodeType="tmRoot"/>
-      </p:par>
-    </p:tnLst>
-  </p:timing>
 </p:sld>
 </file>
 
@@ -5640,8 +6920,12 @@
           <a:lstStyle/>
           <a:p>
             <a:r>
+              <a:rPr lang="ja-JP" altLang="en-US" dirty="0" smtClean="0"/>
+              <a:t>システム構成図</a:t>
+            </a:r>
+            <a:r>
               <a:rPr kumimoji="1" lang="ja-JP" altLang="en-US" dirty="0" smtClean="0"/>
-              <a:t>概要</a:t>
+              <a:t>（予想図）</a:t>
             </a:r>
             <a:endParaRPr kumimoji="1" lang="ja-JP" altLang="en-US" dirty="0"/>
           </a:p>
@@ -5649,14 +6933,37 @@
       </p:sp>
       <p:sp>
         <p:nvSpPr>
-          <p:cNvPr id="8" name="正方形/長方形 7"/>
+          <p:cNvPr id="3" name="スライド番号プレースホルダー 2"/>
+          <p:cNvSpPr>
+            <a:spLocks noGrp="1"/>
+          </p:cNvSpPr>
+          <p:nvPr>
+            <p:ph type="sldNum" sz="quarter" idx="12"/>
+          </p:nvPr>
+        </p:nvSpPr>
+        <p:spPr/>
+        <p:txBody>
+          <a:bodyPr/>
+          <a:lstStyle/>
+          <a:p>
+            <a:fld id="{4A32CB03-0843-4AF8-BFB2-C9917854BC7E}" type="slidenum">
+              <a:rPr kumimoji="1" lang="ja-JP" altLang="en-US" smtClean="0"/>
+              <a:t>9</a:t>
+            </a:fld>
+            <a:endParaRPr kumimoji="1" lang="ja-JP" altLang="en-US"/>
+          </a:p>
+        </p:txBody>
+      </p:sp>
+      <p:sp>
+        <p:nvSpPr>
+          <p:cNvPr id="4" name="正方形/長方形 3"/>
           <p:cNvSpPr/>
           <p:nvPr/>
         </p:nvSpPr>
         <p:spPr>
           <a:xfrm>
-            <a:off x="736710" y="1670459"/>
-            <a:ext cx="4839036" cy="4912412"/>
+            <a:off x="2233402" y="2147945"/>
+            <a:ext cx="1893536" cy="1189529"/>
           </a:xfrm>
           <a:prstGeom prst="rect">
             <a:avLst/>
@@ -5680,63 +6987,25 @@
           <a:bodyPr rtlCol="0" anchor="ctr"/>
           <a:lstStyle/>
           <a:p>
-            <a:endParaRPr lang="en-US" altLang="ja-JP" dirty="0"/>
-          </a:p>
-        </p:txBody>
-      </p:sp>
-      <p:sp>
-        <p:nvSpPr>
-          <p:cNvPr id="9" name="左右矢印 8"/>
+            <a:pPr algn="ctr"/>
+            <a:r>
+              <a:rPr kumimoji="1" lang="en-US" altLang="ja-JP" sz="2800" dirty="0" err="1" smtClean="0"/>
+              <a:t>Blockly</a:t>
+            </a:r>
+            <a:endParaRPr kumimoji="1" lang="ja-JP" altLang="en-US" sz="2800" dirty="0"/>
+          </a:p>
+        </p:txBody>
+      </p:sp>
+      <p:sp>
+        <p:nvSpPr>
+          <p:cNvPr id="5" name="正方形/長方形 4"/>
           <p:cNvSpPr/>
           <p:nvPr/>
         </p:nvSpPr>
         <p:spPr>
           <a:xfrm>
-            <a:off x="5563274" y="4001511"/>
-            <a:ext cx="902263" cy="614994"/>
-          </a:xfrm>
-          <a:prstGeom prst="leftRightArrow">
-            <a:avLst>
-              <a:gd name="adj1" fmla="val 3419"/>
-              <a:gd name="adj2" fmla="val 50000"/>
-            </a:avLst>
-          </a:prstGeom>
-        </p:spPr>
-        <p:style>
-          <a:lnRef idx="2">
-            <a:schemeClr val="dk1">
-              <a:shade val="50000"/>
-            </a:schemeClr>
-          </a:lnRef>
-          <a:fillRef idx="1">
-            <a:schemeClr val="dk1"/>
-          </a:fillRef>
-          <a:effectRef idx="0">
-            <a:schemeClr val="dk1"/>
-          </a:effectRef>
-          <a:fontRef idx="minor">
-            <a:schemeClr val="lt1"/>
-          </a:fontRef>
-        </p:style>
-        <p:txBody>
-          <a:bodyPr rtlCol="0" anchor="ctr"/>
-          <a:lstStyle/>
-          <a:p>
-            <a:pPr algn="ctr"/>
-            <a:endParaRPr kumimoji="1" lang="ja-JP" altLang="en-US"/>
-          </a:p>
-        </p:txBody>
-      </p:sp>
-      <p:sp>
-        <p:nvSpPr>
-          <p:cNvPr id="10" name="正方形/長方形 9"/>
-          <p:cNvSpPr/>
-          <p:nvPr/>
-        </p:nvSpPr>
-        <p:spPr>
-          <a:xfrm>
-            <a:off x="1817331" y="2323945"/>
-            <a:ext cx="1739787" cy="922492"/>
+            <a:off x="3437267" y="5449566"/>
+            <a:ext cx="1893536" cy="1189529"/>
           </a:xfrm>
           <a:prstGeom prst="rect">
             <a:avLst/>
@@ -5762,38 +7031,23 @@
           <a:p>
             <a:pPr algn="ctr"/>
             <a:r>
-              <a:rPr kumimoji="1" lang="en-US" altLang="ja-JP" dirty="0" smtClean="0"/>
-              <a:t>If(</a:t>
-            </a:r>
-            <a:r>
-              <a:rPr kumimoji="1" lang="en-US" altLang="ja-JP" dirty="0" err="1" smtClean="0"/>
-              <a:t>senseki</a:t>
-            </a:r>
-            <a:r>
-              <a:rPr kumimoji="1" lang="en-US" altLang="ja-JP" dirty="0" smtClean="0"/>
-              <a:t>)</a:t>
-            </a:r>
-          </a:p>
-          <a:p>
-            <a:pPr algn="ctr"/>
-            <a:r>
-              <a:rPr kumimoji="1" lang="en-US" altLang="ja-JP" dirty="0" smtClean="0"/>
-              <a:t>pa</a:t>
-            </a:r>
-            <a:endParaRPr kumimoji="1" lang="ja-JP" altLang="en-US" dirty="0"/>
-          </a:p>
-        </p:txBody>
-      </p:sp>
-      <p:sp>
-        <p:nvSpPr>
-          <p:cNvPr id="11" name="正方形/長方形 10"/>
+              <a:rPr kumimoji="1" lang="en-US" altLang="ja-JP" sz="2800" dirty="0"/>
+              <a:t>Node.js</a:t>
+            </a:r>
+            <a:endParaRPr kumimoji="1" lang="ja-JP" altLang="en-US" sz="2800" dirty="0"/>
+          </a:p>
+        </p:txBody>
+      </p:sp>
+      <p:sp>
+        <p:nvSpPr>
+          <p:cNvPr id="6" name="正方形/長方形 5"/>
           <p:cNvSpPr/>
           <p:nvPr/>
         </p:nvSpPr>
         <p:spPr>
           <a:xfrm>
-            <a:off x="1817332" y="4453408"/>
-            <a:ext cx="1739787" cy="922492"/>
+            <a:off x="5593114" y="2793264"/>
+            <a:ext cx="1893536" cy="1189529"/>
           </a:xfrm>
           <a:prstGeom prst="rect">
             <a:avLst/>
@@ -5819,38 +7073,23 @@
           <a:p>
             <a:pPr algn="ctr"/>
             <a:r>
-              <a:rPr kumimoji="1" lang="en-US" altLang="ja-JP" dirty="0" smtClean="0"/>
-              <a:t>If(</a:t>
-            </a:r>
-            <a:r>
-              <a:rPr kumimoji="1" lang="en-US" altLang="ja-JP" dirty="0" err="1" smtClean="0"/>
-              <a:t>zenkai</a:t>
-            </a:r>
-            <a:r>
-              <a:rPr kumimoji="1" lang="en-US" altLang="ja-JP" dirty="0" smtClean="0"/>
-              <a:t>)</a:t>
-            </a:r>
-          </a:p>
-          <a:p>
-            <a:pPr algn="ctr"/>
-            <a:r>
-              <a:rPr lang="en-US" altLang="ja-JP" dirty="0" err="1" smtClean="0"/>
-              <a:t>choki</a:t>
-            </a:r>
-            <a:endParaRPr kumimoji="1" lang="ja-JP" altLang="en-US" dirty="0"/>
-          </a:p>
-        </p:txBody>
-      </p:sp>
-      <p:sp>
-        <p:nvSpPr>
-          <p:cNvPr id="12" name="正方形/長方形 11"/>
+              <a:rPr kumimoji="1" lang="en-US" altLang="ja-JP" sz="2800" dirty="0" smtClean="0"/>
+              <a:t>PHP</a:t>
+            </a:r>
+            <a:endParaRPr kumimoji="1" lang="ja-JP" altLang="en-US" sz="2800" dirty="0"/>
+          </a:p>
+        </p:txBody>
+      </p:sp>
+      <p:sp>
+        <p:nvSpPr>
+          <p:cNvPr id="7" name="正方形/長方形 6"/>
           <p:cNvSpPr/>
           <p:nvPr/>
         </p:nvSpPr>
         <p:spPr>
           <a:xfrm>
-            <a:off x="6616254" y="1690688"/>
-            <a:ext cx="4839036" cy="4912412"/>
+            <a:off x="5593114" y="1603735"/>
+            <a:ext cx="1893536" cy="1189529"/>
           </a:xfrm>
           <a:prstGeom prst="rect">
             <a:avLst/>
@@ -5874,143 +7113,548 @@
           <a:bodyPr rtlCol="0" anchor="ctr"/>
           <a:lstStyle/>
           <a:p>
-            <a:endParaRPr lang="en-US" altLang="ja-JP" dirty="0" smtClean="0"/>
-          </a:p>
-          <a:p>
-            <a:r>
-              <a:rPr lang="en-US" altLang="ja-JP" dirty="0" smtClean="0"/>
-              <a:t>If(</a:t>
-            </a:r>
-            <a:r>
-              <a:rPr lang="en-US" altLang="ja-JP" dirty="0" err="1" smtClean="0"/>
-              <a:t>senseki</a:t>
-            </a:r>
-            <a:r>
-              <a:rPr lang="en-US" altLang="ja-JP" dirty="0" smtClean="0"/>
-              <a:t> ==0)</a:t>
-            </a:r>
-            <a:r>
-              <a:rPr lang="ja-JP" altLang="en-US" dirty="0" smtClean="0"/>
-              <a:t> </a:t>
-            </a:r>
-            <a:r>
-              <a:rPr lang="en-US" altLang="ja-JP" dirty="0" smtClean="0"/>
-              <a:t>pa</a:t>
-            </a:r>
-          </a:p>
-          <a:p>
-            <a:r>
-              <a:rPr lang="en-US" altLang="ja-JP" dirty="0" smtClean="0"/>
-              <a:t>//</a:t>
-            </a:r>
-            <a:r>
-              <a:rPr lang="en-US" altLang="ja-JP" dirty="0" err="1" smtClean="0"/>
-              <a:t>senseki</a:t>
-            </a:r>
-            <a:r>
-              <a:rPr lang="en-US" altLang="ja-JP" dirty="0" smtClean="0"/>
-              <a:t> </a:t>
-            </a:r>
-            <a:r>
-              <a:rPr lang="ja-JP" altLang="en-US" dirty="0" smtClean="0"/>
-              <a:t>は相手との戦績</a:t>
-            </a:r>
-            <a:endParaRPr lang="en-US" altLang="ja-JP" dirty="0" smtClean="0"/>
-          </a:p>
-          <a:p>
-            <a:r>
-              <a:rPr lang="en-US" altLang="ja-JP" dirty="0" smtClean="0"/>
-              <a:t>//pa </a:t>
-            </a:r>
-            <a:r>
-              <a:rPr lang="ja-JP" altLang="en-US" dirty="0" smtClean="0"/>
-              <a:t>は次にパーを出す</a:t>
-            </a:r>
-            <a:endParaRPr lang="en-US" altLang="ja-JP" dirty="0" smtClean="0"/>
-          </a:p>
-          <a:p>
-            <a:endParaRPr lang="en-US" altLang="ja-JP" dirty="0"/>
-          </a:p>
-          <a:p>
-            <a:r>
-              <a:rPr lang="en-US" altLang="ja-JP" dirty="0" smtClean="0"/>
-              <a:t>If(</a:t>
-            </a:r>
-            <a:r>
-              <a:rPr lang="en-US" altLang="ja-JP" dirty="0" err="1" smtClean="0"/>
-              <a:t>zenkai</a:t>
-            </a:r>
-            <a:r>
-              <a:rPr lang="en-US" altLang="ja-JP" dirty="0" smtClean="0"/>
-              <a:t> == pa) </a:t>
-            </a:r>
-            <a:r>
-              <a:rPr lang="en-US" altLang="ja-JP" dirty="0" err="1" smtClean="0"/>
-              <a:t>choki</a:t>
-            </a:r>
-            <a:endParaRPr lang="en-US" altLang="ja-JP" dirty="0" smtClean="0"/>
-          </a:p>
-          <a:p>
-            <a:r>
-              <a:rPr lang="en-US" altLang="ja-JP" dirty="0" smtClean="0"/>
-              <a:t>//</a:t>
-            </a:r>
-            <a:r>
-              <a:rPr lang="en-US" altLang="ja-JP" dirty="0" err="1" smtClean="0"/>
-              <a:t>zenkai</a:t>
-            </a:r>
-            <a:r>
-              <a:rPr lang="en-US" altLang="ja-JP" dirty="0" smtClean="0"/>
-              <a:t> </a:t>
-            </a:r>
-            <a:r>
-              <a:rPr lang="ja-JP" altLang="en-US" dirty="0" smtClean="0"/>
-              <a:t>は戦績がある場合に相手の手</a:t>
-            </a:r>
-            <a:endParaRPr lang="en-US" altLang="ja-JP" dirty="0" smtClean="0"/>
-          </a:p>
-          <a:p>
-            <a:r>
-              <a:rPr lang="en-US" altLang="ja-JP" dirty="0" smtClean="0"/>
-              <a:t>//</a:t>
-            </a:r>
-            <a:r>
-              <a:rPr lang="en-US" altLang="ja-JP" dirty="0" err="1" smtClean="0"/>
-              <a:t>choki</a:t>
-            </a:r>
-            <a:r>
-              <a:rPr lang="en-US" altLang="ja-JP" dirty="0" smtClean="0"/>
-              <a:t> </a:t>
-            </a:r>
-            <a:r>
-              <a:rPr lang="ja-JP" altLang="en-US" dirty="0" smtClean="0"/>
-              <a:t>は次にチョキを出す</a:t>
-            </a:r>
-            <a:endParaRPr lang="en-US" altLang="ja-JP" dirty="0"/>
+            <a:pPr algn="ctr"/>
+            <a:r>
+              <a:rPr kumimoji="1" lang="en-US" altLang="ja-JP" sz="2800" dirty="0"/>
+              <a:t>Python</a:t>
+            </a:r>
+            <a:endParaRPr kumimoji="1" lang="ja-JP" altLang="en-US" sz="2800" dirty="0"/>
+          </a:p>
+        </p:txBody>
+      </p:sp>
+      <p:cxnSp>
+        <p:nvCxnSpPr>
+          <p:cNvPr id="9" name="直線コネクタ 8"/>
+          <p:cNvCxnSpPr/>
+          <p:nvPr/>
+        </p:nvCxnSpPr>
+        <p:spPr>
+          <a:xfrm flipV="1">
+            <a:off x="628650" y="4256411"/>
+            <a:ext cx="7827527" cy="1"/>
+          </a:xfrm>
+          <a:prstGeom prst="line">
+            <a:avLst/>
+          </a:prstGeom>
+        </p:spPr>
+        <p:style>
+          <a:lnRef idx="3">
+            <a:schemeClr val="dk1"/>
+          </a:lnRef>
+          <a:fillRef idx="0">
+            <a:schemeClr val="dk1"/>
+          </a:fillRef>
+          <a:effectRef idx="2">
+            <a:schemeClr val="dk1"/>
+          </a:effectRef>
+          <a:fontRef idx="minor">
+            <a:schemeClr val="tx1"/>
+          </a:fontRef>
+        </p:style>
+      </p:cxnSp>
+      <p:sp>
+        <p:nvSpPr>
+          <p:cNvPr id="12" name="テキスト ボックス 11"/>
+          <p:cNvSpPr txBox="1"/>
+          <p:nvPr/>
+        </p:nvSpPr>
+        <p:spPr>
+          <a:xfrm>
+            <a:off x="242761" y="3627010"/>
+            <a:ext cx="2492990" cy="400110"/>
+          </a:xfrm>
+          <a:prstGeom prst="rect">
+            <a:avLst/>
+          </a:prstGeom>
+          <a:noFill/>
+        </p:spPr>
+        <p:txBody>
+          <a:bodyPr wrap="none" rtlCol="0">
+            <a:spAutoFit/>
+          </a:bodyPr>
+          <a:lstStyle/>
+          <a:p>
+            <a:r>
+              <a:rPr kumimoji="1" lang="ja-JP" altLang="en-US" sz="2000" dirty="0" smtClean="0"/>
+              <a:t>クライアントサイド</a:t>
+            </a:r>
+            <a:endParaRPr kumimoji="1" lang="ja-JP" altLang="en-US" sz="2000" dirty="0"/>
+          </a:p>
+        </p:txBody>
+      </p:sp>
+      <p:sp>
+        <p:nvSpPr>
+          <p:cNvPr id="13" name="テキスト ボックス 12"/>
+          <p:cNvSpPr txBox="1"/>
+          <p:nvPr/>
+        </p:nvSpPr>
+        <p:spPr>
+          <a:xfrm>
+            <a:off x="242761" y="4507942"/>
+            <a:ext cx="1723549" cy="400110"/>
+          </a:xfrm>
+          <a:prstGeom prst="rect">
+            <a:avLst/>
+          </a:prstGeom>
+          <a:noFill/>
+        </p:spPr>
+        <p:txBody>
+          <a:bodyPr wrap="none" rtlCol="0">
+            <a:spAutoFit/>
+          </a:bodyPr>
+          <a:lstStyle/>
+          <a:p>
+            <a:r>
+              <a:rPr kumimoji="1" lang="ja-JP" altLang="en-US" sz="2000" dirty="0" smtClean="0"/>
+              <a:t>サーバサイド</a:t>
+            </a:r>
+            <a:endParaRPr kumimoji="1" lang="ja-JP" altLang="en-US" sz="2000" dirty="0"/>
+          </a:p>
+        </p:txBody>
+      </p:sp>
+      <p:cxnSp>
+        <p:nvCxnSpPr>
+          <p:cNvPr id="15" name="カギ線コネクタ 14"/>
+          <p:cNvCxnSpPr/>
+          <p:nvPr/>
+        </p:nvCxnSpPr>
+        <p:spPr>
+          <a:xfrm rot="5400000">
+            <a:off x="4883184" y="4135156"/>
+            <a:ext cx="1285786" cy="1069714"/>
+          </a:xfrm>
+          <a:prstGeom prst="bentConnector3">
+            <a:avLst>
+              <a:gd name="adj1" fmla="val 50000"/>
+            </a:avLst>
+          </a:prstGeom>
+          <a:ln>
+            <a:solidFill>
+              <a:srgbClr val="FF0000"/>
+            </a:solidFill>
+            <a:headEnd type="triangle"/>
+            <a:tailEnd type="triangle"/>
+          </a:ln>
+        </p:spPr>
+        <p:style>
+          <a:lnRef idx="3">
+            <a:schemeClr val="accent2"/>
+          </a:lnRef>
+          <a:fillRef idx="0">
+            <a:schemeClr val="accent2"/>
+          </a:fillRef>
+          <a:effectRef idx="2">
+            <a:schemeClr val="accent2"/>
+          </a:effectRef>
+          <a:fontRef idx="minor">
+            <a:schemeClr val="tx1"/>
+          </a:fontRef>
+        </p:style>
+      </p:cxnSp>
+      <p:cxnSp>
+        <p:nvCxnSpPr>
+          <p:cNvPr id="28" name="直線矢印コネクタ 27"/>
+          <p:cNvCxnSpPr/>
+          <p:nvPr/>
+        </p:nvCxnSpPr>
+        <p:spPr>
+          <a:xfrm flipH="1">
+            <a:off x="3641416" y="3524986"/>
+            <a:ext cx="13594" cy="1726745"/>
+          </a:xfrm>
+          <a:prstGeom prst="straightConnector1">
+            <a:avLst/>
+          </a:prstGeom>
+          <a:ln>
+            <a:solidFill>
+              <a:srgbClr val="FF0000"/>
+            </a:solidFill>
+            <a:headEnd type="triangle"/>
+            <a:tailEnd type="triangle"/>
+          </a:ln>
+        </p:spPr>
+        <p:style>
+          <a:lnRef idx="3">
+            <a:schemeClr val="accent1"/>
+          </a:lnRef>
+          <a:fillRef idx="0">
+            <a:schemeClr val="accent1"/>
+          </a:fillRef>
+          <a:effectRef idx="2">
+            <a:schemeClr val="accent1"/>
+          </a:effectRef>
+          <a:fontRef idx="minor">
+            <a:schemeClr val="tx1"/>
+          </a:fontRef>
+        </p:style>
+      </p:cxnSp>
+      <p:sp>
+        <p:nvSpPr>
+          <p:cNvPr id="29" name="正方形/長方形 28"/>
+          <p:cNvSpPr/>
+          <p:nvPr/>
+        </p:nvSpPr>
+        <p:spPr>
+          <a:xfrm>
+            <a:off x="3614550" y="4413754"/>
+            <a:ext cx="1419235" cy="461665"/>
+          </a:xfrm>
+          <a:prstGeom prst="rect">
+            <a:avLst/>
+          </a:prstGeom>
+        </p:spPr>
+        <p:txBody>
+          <a:bodyPr wrap="none">
+            <a:spAutoFit/>
+          </a:bodyPr>
+          <a:lstStyle/>
+          <a:p>
+            <a:r>
+              <a:rPr kumimoji="1" lang="en-US" altLang="ja-JP" sz="2400" dirty="0"/>
+              <a:t>JavaScript</a:t>
+            </a:r>
+            <a:endParaRPr kumimoji="1" lang="ja-JP" altLang="en-US" dirty="0"/>
+          </a:p>
+        </p:txBody>
+      </p:sp>
+      <p:cxnSp>
+        <p:nvCxnSpPr>
+          <p:cNvPr id="33" name="直線矢印コネクタ 32"/>
+          <p:cNvCxnSpPr/>
+          <p:nvPr/>
+        </p:nvCxnSpPr>
+        <p:spPr>
+          <a:xfrm flipH="1">
+            <a:off x="4324167" y="2793264"/>
+            <a:ext cx="1201910" cy="0"/>
+          </a:xfrm>
+          <a:prstGeom prst="straightConnector1">
+            <a:avLst/>
+          </a:prstGeom>
+          <a:ln>
+            <a:tailEnd type="triangle"/>
+          </a:ln>
+        </p:spPr>
+        <p:style>
+          <a:lnRef idx="3">
+            <a:schemeClr val="accent1"/>
+          </a:lnRef>
+          <a:fillRef idx="0">
+            <a:schemeClr val="accent1"/>
+          </a:fillRef>
+          <a:effectRef idx="2">
+            <a:schemeClr val="accent1"/>
+          </a:effectRef>
+          <a:fontRef idx="minor">
+            <a:schemeClr val="tx1"/>
+          </a:fontRef>
+        </p:style>
+      </p:cxnSp>
+      <p:sp>
+        <p:nvSpPr>
+          <p:cNvPr id="34" name="テキスト ボックス 33"/>
+          <p:cNvSpPr txBox="1"/>
+          <p:nvPr/>
+        </p:nvSpPr>
+        <p:spPr>
+          <a:xfrm>
+            <a:off x="4324167" y="2435703"/>
+            <a:ext cx="877163" cy="369332"/>
+          </a:xfrm>
+          <a:prstGeom prst="rect">
+            <a:avLst/>
+          </a:prstGeom>
+          <a:noFill/>
+        </p:spPr>
+        <p:txBody>
+          <a:bodyPr wrap="none" rtlCol="0">
+            <a:spAutoFit/>
+          </a:bodyPr>
+          <a:lstStyle/>
+          <a:p>
+            <a:r>
+              <a:rPr kumimoji="1" lang="ja-JP" altLang="en-US" dirty="0" smtClean="0"/>
+              <a:t>データ</a:t>
+            </a:r>
+            <a:endParaRPr kumimoji="1" lang="ja-JP" altLang="en-US" dirty="0"/>
           </a:p>
         </p:txBody>
       </p:sp>
     </p:spTree>
     <p:extLst>
       <p:ext uri="{BB962C8B-B14F-4D97-AF65-F5344CB8AC3E}">
-        <p14:creationId xmlns:p14="http://schemas.microsoft.com/office/powerpoint/2010/main" val="3511282919"/>
+        <p14:creationId xmlns:p14="http://schemas.microsoft.com/office/powerpoint/2010/main" val="109026630"/>
       </p:ext>
     </p:extLst>
   </p:cSld>
   <p:clrMapOvr>
     <a:masterClrMapping/>
   </p:clrMapOvr>
-  <p:timing>
-    <p:tnLst>
-      <p:par>
-        <p:cTn id="1" dur="indefinite" restart="never" nodeType="tmRoot"/>
-      </p:par>
-    </p:tnLst>
-  </p:timing>
 </p:sld>
 </file>
 
 <file path=ppt/theme/theme1.xml><?xml version="1.0" encoding="utf-8"?>
+<a:theme xmlns:a="http://schemas.openxmlformats.org/drawingml/2006/main" name="Office テーマ">
+  <a:themeElements>
+    <a:clrScheme name="Office テーマ">
+      <a:dk1>
+        <a:sysClr val="windowText" lastClr="000000"/>
+      </a:dk1>
+      <a:lt1>
+        <a:sysClr val="window" lastClr="FFFFFF"/>
+      </a:lt1>
+      <a:dk2>
+        <a:srgbClr val="44546A"/>
+      </a:dk2>
+      <a:lt2>
+        <a:srgbClr val="E7E6E6"/>
+      </a:lt2>
+      <a:accent1>
+        <a:srgbClr val="5B9BD5"/>
+      </a:accent1>
+      <a:accent2>
+        <a:srgbClr val="ED7D31"/>
+      </a:accent2>
+      <a:accent3>
+        <a:srgbClr val="A5A5A5"/>
+      </a:accent3>
+      <a:accent4>
+        <a:srgbClr val="FFC000"/>
+      </a:accent4>
+      <a:accent5>
+        <a:srgbClr val="4472C4"/>
+      </a:accent5>
+      <a:accent6>
+        <a:srgbClr val="70AD47"/>
+      </a:accent6>
+      <a:hlink>
+        <a:srgbClr val="0563C1"/>
+      </a:hlink>
+      <a:folHlink>
+        <a:srgbClr val="954F72"/>
+      </a:folHlink>
+    </a:clrScheme>
+    <a:fontScheme name="Office テーマ">
+      <a:majorFont>
+        <a:latin typeface="Calibri Light" panose="020F0302020204030204"/>
+        <a:ea typeface=""/>
+        <a:cs typeface=""/>
+        <a:font script="Jpan" typeface="游ゴシック Light"/>
+        <a:font script="Hang" typeface="맑은 고딕"/>
+        <a:font script="Hans" typeface="等线 Light"/>
+        <a:font script="Hant" typeface="新細明體"/>
+        <a:font script="Arab" typeface="Times New Roman"/>
+        <a:font script="Hebr" typeface="Times New Roman"/>
+        <a:font script="Thai" typeface="Angsana New"/>
+        <a:font script="Ethi" typeface="Nyala"/>
+        <a:font script="Beng" typeface="Vrinda"/>
+        <a:font script="Gujr" typeface="Shruti"/>
+        <a:font script="Khmr" typeface="MoolBoran"/>
+        <a:font script="Knda" typeface="Tunga"/>
+        <a:font script="Guru" typeface="Raavi"/>
+        <a:font script="Cans" typeface="Euphemia"/>
+        <a:font script="Cher" typeface="Plantagenet Cherokee"/>
+        <a:font script="Yiii" typeface="Microsoft Yi Baiti"/>
+        <a:font script="Tibt" typeface="Microsoft Himalaya"/>
+        <a:font script="Thaa" typeface="MV Boli"/>
+        <a:font script="Deva" typeface="Mangal"/>
+        <a:font script="Telu" typeface="Gautami"/>
+        <a:font script="Taml" typeface="Latha"/>
+        <a:font script="Syrc" typeface="Estrangelo Edessa"/>
+        <a:font script="Orya" typeface="Kalinga"/>
+        <a:font script="Mlym" typeface="Kartika"/>
+        <a:font script="Laoo" typeface="DokChampa"/>
+        <a:font script="Sinh" typeface="Iskoola Pota"/>
+        <a:font script="Mong" typeface="Mongolian Baiti"/>
+        <a:font script="Viet" typeface="Times New Roman"/>
+        <a:font script="Uigh" typeface="Microsoft Uighur"/>
+        <a:font script="Geor" typeface="Sylfaen"/>
+      </a:majorFont>
+      <a:minorFont>
+        <a:latin typeface="Calibri" panose="020F0502020204030204"/>
+        <a:ea typeface=""/>
+        <a:cs typeface=""/>
+        <a:font script="Jpan" typeface="游ゴシック"/>
+        <a:font script="Hang" typeface="맑은 고딕"/>
+        <a:font script="Hans" typeface="等线"/>
+        <a:font script="Hant" typeface="新細明體"/>
+        <a:font script="Arab" typeface="Arial"/>
+        <a:font script="Hebr" typeface="Arial"/>
+        <a:font script="Thai" typeface="Cordia New"/>
+        <a:font script="Ethi" typeface="Nyala"/>
+        <a:font script="Beng" typeface="Vrinda"/>
+        <a:font script="Gujr" typeface="Shruti"/>
+        <a:font script="Khmr" typeface="DaunPenh"/>
+        <a:font script="Knda" typeface="Tunga"/>
+        <a:font script="Guru" typeface="Raavi"/>
+        <a:font script="Cans" typeface="Euphemia"/>
+        <a:font script="Cher" typeface="Plantagenet Cherokee"/>
+        <a:font script="Yiii" typeface="Microsoft Yi Baiti"/>
+        <a:font script="Tibt" typeface="Microsoft Himalaya"/>
+        <a:font script="Thaa" typeface="MV Boli"/>
+        <a:font script="Deva" typeface="Mangal"/>
+        <a:font script="Telu" typeface="Gautami"/>
+        <a:font script="Taml" typeface="Latha"/>
+        <a:font script="Syrc" typeface="Estrangelo Edessa"/>
+        <a:font script="Orya" typeface="Kalinga"/>
+        <a:font script="Mlym" typeface="Kartika"/>
+        <a:font script="Laoo" typeface="DokChampa"/>
+        <a:font script="Sinh" typeface="Iskoola Pota"/>
+        <a:font script="Mong" typeface="Mongolian Baiti"/>
+        <a:font script="Viet" typeface="Arial"/>
+        <a:font script="Uigh" typeface="Microsoft Uighur"/>
+        <a:font script="Geor" typeface="Sylfaen"/>
+      </a:minorFont>
+    </a:fontScheme>
+    <a:fmtScheme name="Office テーマ">
+      <a:fillStyleLst>
+        <a:solidFill>
+          <a:schemeClr val="phClr"/>
+        </a:solidFill>
+        <a:gradFill rotWithShape="1">
+          <a:gsLst>
+            <a:gs pos="0">
+              <a:schemeClr val="phClr">
+                <a:lumMod val="110000"/>
+                <a:satMod val="105000"/>
+                <a:tint val="67000"/>
+              </a:schemeClr>
+            </a:gs>
+            <a:gs pos="50000">
+              <a:schemeClr val="phClr">
+                <a:lumMod val="105000"/>
+                <a:satMod val="103000"/>
+                <a:tint val="73000"/>
+              </a:schemeClr>
+            </a:gs>
+            <a:gs pos="100000">
+              <a:schemeClr val="phClr">
+                <a:lumMod val="105000"/>
+                <a:satMod val="109000"/>
+                <a:tint val="81000"/>
+              </a:schemeClr>
+            </a:gs>
+          </a:gsLst>
+          <a:lin ang="5400000" scaled="0"/>
+        </a:gradFill>
+        <a:gradFill rotWithShape="1">
+          <a:gsLst>
+            <a:gs pos="0">
+              <a:schemeClr val="phClr">
+                <a:satMod val="103000"/>
+                <a:lumMod val="102000"/>
+                <a:tint val="94000"/>
+              </a:schemeClr>
+            </a:gs>
+            <a:gs pos="50000">
+              <a:schemeClr val="phClr">
+                <a:satMod val="110000"/>
+                <a:lumMod val="100000"/>
+                <a:shade val="100000"/>
+              </a:schemeClr>
+            </a:gs>
+            <a:gs pos="100000">
+              <a:schemeClr val="phClr">
+                <a:lumMod val="99000"/>
+                <a:satMod val="120000"/>
+                <a:shade val="78000"/>
+              </a:schemeClr>
+            </a:gs>
+          </a:gsLst>
+          <a:lin ang="5400000" scaled="0"/>
+        </a:gradFill>
+      </a:fillStyleLst>
+      <a:lnStyleLst>
+        <a:ln w="6350" cap="flat" cmpd="sng" algn="ctr">
+          <a:solidFill>
+            <a:schemeClr val="phClr"/>
+          </a:solidFill>
+          <a:prstDash val="solid"/>
+          <a:miter lim="800000"/>
+        </a:ln>
+        <a:ln w="12700" cap="flat" cmpd="sng" algn="ctr">
+          <a:solidFill>
+            <a:schemeClr val="phClr"/>
+          </a:solidFill>
+          <a:prstDash val="solid"/>
+          <a:miter lim="800000"/>
+        </a:ln>
+        <a:ln w="19050" cap="flat" cmpd="sng" algn="ctr">
+          <a:solidFill>
+            <a:schemeClr val="phClr"/>
+          </a:solidFill>
+          <a:prstDash val="solid"/>
+          <a:miter lim="800000"/>
+        </a:ln>
+      </a:lnStyleLst>
+      <a:effectStyleLst>
+        <a:effectStyle>
+          <a:effectLst/>
+        </a:effectStyle>
+        <a:effectStyle>
+          <a:effectLst/>
+        </a:effectStyle>
+        <a:effectStyle>
+          <a:effectLst>
+            <a:outerShdw blurRad="57150" dist="19050" dir="5400000" algn="ctr" rotWithShape="0">
+              <a:srgbClr val="000000">
+                <a:alpha val="63000"/>
+              </a:srgbClr>
+            </a:outerShdw>
+          </a:effectLst>
+        </a:effectStyle>
+      </a:effectStyleLst>
+      <a:bgFillStyleLst>
+        <a:solidFill>
+          <a:schemeClr val="phClr"/>
+        </a:solidFill>
+        <a:solidFill>
+          <a:schemeClr val="phClr">
+            <a:tint val="95000"/>
+            <a:satMod val="170000"/>
+          </a:schemeClr>
+        </a:solidFill>
+        <a:gradFill rotWithShape="1">
+          <a:gsLst>
+            <a:gs pos="0">
+              <a:schemeClr val="phClr">
+                <a:tint val="93000"/>
+                <a:satMod val="150000"/>
+                <a:shade val="98000"/>
+                <a:lumMod val="102000"/>
+              </a:schemeClr>
+            </a:gs>
+            <a:gs pos="50000">
+              <a:schemeClr val="phClr">
+                <a:tint val="98000"/>
+                <a:satMod val="130000"/>
+                <a:shade val="90000"/>
+                <a:lumMod val="103000"/>
+              </a:schemeClr>
+            </a:gs>
+            <a:gs pos="100000">
+              <a:schemeClr val="phClr">
+                <a:shade val="63000"/>
+                <a:satMod val="120000"/>
+              </a:schemeClr>
+            </a:gs>
+          </a:gsLst>
+          <a:lin ang="5400000" scaled="0"/>
+        </a:gradFill>
+      </a:bgFillStyleLst>
+    </a:fmtScheme>
+  </a:themeElements>
+  <a:objectDefaults/>
+  <a:extraClrSchemeLst/>
+  <a:extLst>
+    <a:ext uri="{05A4C25C-085E-4340-85A3-A5531E510DB2}">
+      <thm15:themeFamily xmlns:thm15="http://schemas.microsoft.com/office/thememl/2012/main" name="Office Theme" id="{62F939B6-93AF-4DB8-9C6B-D6C7DFDC589F}" vid="{4A3C46E8-61CC-4603-A589-7422A47A8E4A}"/>
+    </a:ext>
+  </a:extLst>
+</a:theme>
+</file>
+
+<file path=ppt/theme/theme2.xml><?xml version="1.0" encoding="utf-8"?>
 <a:theme xmlns:a="http://schemas.openxmlformats.org/drawingml/2006/main" name="Office テーマ">
   <a:themeElements>
     <a:clrScheme name="Office">
